--- a/help/data-sheets/assets/DMeEliteSupportDatasheet_2022.pptx
+++ b/help/data-sheets/assets/DMeEliteSupportDatasheet_2022.pptx
@@ -156,6 +156,45 @@
 
 <file path=ppt/changesInfos/changesInfo1.xml><?xml version="1.0" encoding="utf-8"?>
 <pc:chgInfo xmlns:a="http://schemas.openxmlformats.org/drawingml/2006/main" xmlns:r="http://schemas.openxmlformats.org/officeDocument/2006/relationships" xmlns:ac="http://schemas.microsoft.com/office/drawing/2013/main/command" xmlns:pc="http://schemas.microsoft.com/office/powerpoint/2013/main/command">
+  <pc:docChgLst>
+    <pc:chgData name="David Baker" userId="da2b0875-9916-4d44-89d9-e651631ef4de" providerId="ADAL" clId="{15FC2388-40E0-524B-A732-5DC6014C06C9}"/>
+    <pc:docChg chg="modSld">
+      <pc:chgData name="David Baker" userId="da2b0875-9916-4d44-89d9-e651631ef4de" providerId="ADAL" clId="{15FC2388-40E0-524B-A732-5DC6014C06C9}" dt="2022-03-03T22:33:24.090" v="55" actId="20577"/>
+      <pc:docMkLst>
+        <pc:docMk/>
+      </pc:docMkLst>
+      <pc:sldChg chg="modSp mod">
+        <pc:chgData name="David Baker" userId="da2b0875-9916-4d44-89d9-e651631ef4de" providerId="ADAL" clId="{15FC2388-40E0-524B-A732-5DC6014C06C9}" dt="2022-03-03T22:33:16.092" v="49" actId="20577"/>
+        <pc:sldMkLst>
+          <pc:docMk/>
+          <pc:sldMk cId="0" sldId="256"/>
+        </pc:sldMkLst>
+        <pc:graphicFrameChg chg="modGraphic">
+          <ac:chgData name="David Baker" userId="da2b0875-9916-4d44-89d9-e651631ef4de" providerId="ADAL" clId="{15FC2388-40E0-524B-A732-5DC6014C06C9}" dt="2022-03-03T22:33:16.092" v="49" actId="20577"/>
+          <ac:graphicFrameMkLst>
+            <pc:docMk/>
+            <pc:sldMk cId="0" sldId="256"/>
+            <ac:graphicFrameMk id="13" creationId="{8FC06D05-42C7-D14C-86E4-0F01711669B9}"/>
+          </ac:graphicFrameMkLst>
+        </pc:graphicFrameChg>
+      </pc:sldChg>
+      <pc:sldChg chg="modSp mod">
+        <pc:chgData name="David Baker" userId="da2b0875-9916-4d44-89d9-e651631ef4de" providerId="ADAL" clId="{15FC2388-40E0-524B-A732-5DC6014C06C9}" dt="2022-03-03T22:33:24.090" v="55" actId="20577"/>
+        <pc:sldMkLst>
+          <pc:docMk/>
+          <pc:sldMk cId="3982262141" sldId="262"/>
+        </pc:sldMkLst>
+        <pc:spChg chg="mod">
+          <ac:chgData name="David Baker" userId="da2b0875-9916-4d44-89d9-e651631ef4de" providerId="ADAL" clId="{15FC2388-40E0-524B-A732-5DC6014C06C9}" dt="2022-03-03T22:33:24.090" v="55" actId="20577"/>
+          <ac:spMkLst>
+            <pc:docMk/>
+            <pc:sldMk cId="3982262141" sldId="262"/>
+            <ac:spMk id="63" creationId="{D526F789-D18E-C84B-9754-133D64A670FD}"/>
+          </ac:spMkLst>
+        </pc:spChg>
+      </pc:sldChg>
+    </pc:docChg>
+  </pc:docChgLst>
   <pc:docChgLst>
     <pc:chgData name="Jaclyn Zalesky" userId="9c0b24b4-6ad7-45a7-a9a0-5ba404afed22" providerId="ADAL" clId="{D5ADAA79-0557-4642-B5FA-AC79C44AE176}"/>
     <pc:docChg chg="undo custSel modSld">
@@ -427,14 +466,14 @@
     </pc:docChg>
   </pc:docChgLst>
   <pc:docChgLst>
-    <pc:chgData name="David Baker" userId="S::davbaker@adobe.com::da2b0875-9916-4d44-89d9-e651631ef4de" providerId="AD" clId="Web-{F5354F4D-DB15-A8BC-D7BD-1244B840E560}"/>
-    <pc:docChg chg="mod">
-      <pc:chgData name="David Baker" userId="S::davbaker@adobe.com::da2b0875-9916-4d44-89d9-e651631ef4de" providerId="AD" clId="Web-{F5354F4D-DB15-A8BC-D7BD-1244B840E560}" dt="2022-02-09T19:20:34.744" v="1"/>
+    <pc:chgData name="Jaclyn Zalesky" userId="S::zalesky@adobe.com::9c0b24b4-6ad7-45a7-a9a0-5ba404afed22" providerId="AD" clId="Web-{C425CE26-59BB-E42C-68AA-84C16DB67B9F}"/>
+    <pc:docChg chg="">
+      <pc:chgData name="Jaclyn Zalesky" userId="S::zalesky@adobe.com::9c0b24b4-6ad7-45a7-a9a0-5ba404afed22" providerId="AD" clId="Web-{C425CE26-59BB-E42C-68AA-84C16DB67B9F}" dt="2022-03-01T18:32:49.142" v="0"/>
       <pc:docMkLst>
         <pc:docMk/>
       </pc:docMkLst>
-      <pc:sldChg chg="addCm">
-        <pc:chgData name="David Baker" userId="S::davbaker@adobe.com::da2b0875-9916-4d44-89d9-e651631ef4de" providerId="AD" clId="Web-{F5354F4D-DB15-A8BC-D7BD-1244B840E560}" dt="2022-02-09T19:20:34.744" v="1"/>
+      <pc:sldChg chg="delCm">
+        <pc:chgData name="Jaclyn Zalesky" userId="S::zalesky@adobe.com::9c0b24b4-6ad7-45a7-a9a0-5ba404afed22" providerId="AD" clId="Web-{C425CE26-59BB-E42C-68AA-84C16DB67B9F}" dt="2022-03-01T18:32:49.142" v="0"/>
         <pc:sldMkLst>
           <pc:docMk/>
           <pc:sldMk cId="1050037809" sldId="261"/>
@@ -467,53 +506,14 @@
     </pc:docChg>
   </pc:docChgLst>
   <pc:docChgLst>
-    <pc:chgData name="David Baker" userId="da2b0875-9916-4d44-89d9-e651631ef4de" providerId="ADAL" clId="{15FC2388-40E0-524B-A732-5DC6014C06C9}"/>
-    <pc:docChg chg="modSld">
-      <pc:chgData name="David Baker" userId="da2b0875-9916-4d44-89d9-e651631ef4de" providerId="ADAL" clId="{15FC2388-40E0-524B-A732-5DC6014C06C9}" dt="2022-03-03T22:33:24.090" v="55" actId="20577"/>
+    <pc:chgData name="David Baker" userId="S::davbaker@adobe.com::da2b0875-9916-4d44-89d9-e651631ef4de" providerId="AD" clId="Web-{F5354F4D-DB15-A8BC-D7BD-1244B840E560}"/>
+    <pc:docChg chg="mod">
+      <pc:chgData name="David Baker" userId="S::davbaker@adobe.com::da2b0875-9916-4d44-89d9-e651631ef4de" providerId="AD" clId="Web-{F5354F4D-DB15-A8BC-D7BD-1244B840E560}" dt="2022-02-09T19:20:34.744" v="1"/>
       <pc:docMkLst>
         <pc:docMk/>
       </pc:docMkLst>
-      <pc:sldChg chg="modSp mod">
-        <pc:chgData name="David Baker" userId="da2b0875-9916-4d44-89d9-e651631ef4de" providerId="ADAL" clId="{15FC2388-40E0-524B-A732-5DC6014C06C9}" dt="2022-03-03T22:33:16.092" v="49" actId="20577"/>
-        <pc:sldMkLst>
-          <pc:docMk/>
-          <pc:sldMk cId="0" sldId="256"/>
-        </pc:sldMkLst>
-        <pc:graphicFrameChg chg="modGraphic">
-          <ac:chgData name="David Baker" userId="da2b0875-9916-4d44-89d9-e651631ef4de" providerId="ADAL" clId="{15FC2388-40E0-524B-A732-5DC6014C06C9}" dt="2022-03-03T22:33:16.092" v="49" actId="20577"/>
-          <ac:graphicFrameMkLst>
-            <pc:docMk/>
-            <pc:sldMk cId="0" sldId="256"/>
-            <ac:graphicFrameMk id="13" creationId="{8FC06D05-42C7-D14C-86E4-0F01711669B9}"/>
-          </ac:graphicFrameMkLst>
-        </pc:graphicFrameChg>
-      </pc:sldChg>
-      <pc:sldChg chg="modSp mod">
-        <pc:chgData name="David Baker" userId="da2b0875-9916-4d44-89d9-e651631ef4de" providerId="ADAL" clId="{15FC2388-40E0-524B-A732-5DC6014C06C9}" dt="2022-03-03T22:33:24.090" v="55" actId="20577"/>
-        <pc:sldMkLst>
-          <pc:docMk/>
-          <pc:sldMk cId="3982262141" sldId="262"/>
-        </pc:sldMkLst>
-        <pc:spChg chg="mod">
-          <ac:chgData name="David Baker" userId="da2b0875-9916-4d44-89d9-e651631ef4de" providerId="ADAL" clId="{15FC2388-40E0-524B-A732-5DC6014C06C9}" dt="2022-03-03T22:33:24.090" v="55" actId="20577"/>
-          <ac:spMkLst>
-            <pc:docMk/>
-            <pc:sldMk cId="3982262141" sldId="262"/>
-            <ac:spMk id="63" creationId="{D526F789-D18E-C84B-9754-133D64A670FD}"/>
-          </ac:spMkLst>
-        </pc:spChg>
-      </pc:sldChg>
-    </pc:docChg>
-  </pc:docChgLst>
-  <pc:docChgLst>
-    <pc:chgData name="Jaclyn Zalesky" userId="S::zalesky@adobe.com::9c0b24b4-6ad7-45a7-a9a0-5ba404afed22" providerId="AD" clId="Web-{C425CE26-59BB-E42C-68AA-84C16DB67B9F}"/>
-    <pc:docChg chg="">
-      <pc:chgData name="Jaclyn Zalesky" userId="S::zalesky@adobe.com::9c0b24b4-6ad7-45a7-a9a0-5ba404afed22" providerId="AD" clId="Web-{C425CE26-59BB-E42C-68AA-84C16DB67B9F}" dt="2022-03-01T18:32:49.142" v="0"/>
-      <pc:docMkLst>
-        <pc:docMk/>
-      </pc:docMkLst>
-      <pc:sldChg chg="delCm">
-        <pc:chgData name="Jaclyn Zalesky" userId="S::zalesky@adobe.com::9c0b24b4-6ad7-45a7-a9a0-5ba404afed22" providerId="AD" clId="Web-{C425CE26-59BB-E42C-68AA-84C16DB67B9F}" dt="2022-03-01T18:32:49.142" v="0"/>
+      <pc:sldChg chg="addCm">
+        <pc:chgData name="David Baker" userId="S::davbaker@adobe.com::da2b0875-9916-4d44-89d9-e651631ef4de" providerId="AD" clId="Web-{F5354F4D-DB15-A8BC-D7BD-1244B840E560}" dt="2022-02-09T19:20:34.744" v="1"/>
         <pc:sldMkLst>
           <pc:docMk/>
           <pc:sldMk cId="1050037809" sldId="261"/>
@@ -606,7 +606,7 @@
           <a:p>
             <a:fld id="{C12E57D6-2086-AA47-A7A4-C0CDE7C14E44}" type="datetimeFigureOut">
               <a:rPr lang="en-US" smtClean="0"/>
-              <a:t>3/3/22</a:t>
+              <a:t>3/24/2022</a:t>
             </a:fld>
             <a:endParaRPr lang="en-US"/>
           </a:p>
@@ -1264,7 +1264,7 @@
           <a:p>
             <a:fld id="{1D8BD707-D9CF-40AE-B4C6-C98DA3205C09}" type="datetimeFigureOut">
               <a:rPr lang="en-US"/>
-              <a:t>3/3/22</a:t>
+              <a:t>3/24/2022</a:t>
             </a:fld>
             <a:endParaRPr lang="en-US"/>
           </a:p>
@@ -1509,7 +1509,7 @@
           <a:p>
             <a:fld id="{1D8BD707-D9CF-40AE-B4C6-C98DA3205C09}" type="datetimeFigureOut">
               <a:rPr lang="en-US"/>
-              <a:t>3/3/22</a:t>
+              <a:t>3/24/2022</a:t>
             </a:fld>
             <a:endParaRPr lang="en-US"/>
           </a:p>
@@ -1767,7 +1767,7 @@
           <a:p>
             <a:fld id="{1D8BD707-D9CF-40AE-B4C6-C98DA3205C09}" type="datetimeFigureOut">
               <a:rPr lang="en-US"/>
-              <a:t>3/3/22</a:t>
+              <a:t>3/24/2022</a:t>
             </a:fld>
             <a:endParaRPr lang="en-US"/>
           </a:p>
@@ -1959,7 +1959,7 @@
           <a:p>
             <a:fld id="{1D8BD707-D9CF-40AE-B4C6-C98DA3205C09}" type="datetimeFigureOut">
               <a:rPr lang="en-US"/>
-              <a:t>3/3/22</a:t>
+              <a:t>3/24/2022</a:t>
             </a:fld>
             <a:endParaRPr lang="en-US"/>
           </a:p>
@@ -2122,7 +2122,7 @@
           <a:p>
             <a:fld id="{1D8BD707-D9CF-40AE-B4C6-C98DA3205C09}" type="datetimeFigureOut">
               <a:rPr lang="en-US"/>
-              <a:t>3/3/22</a:t>
+              <a:t>3/24/2022</a:t>
             </a:fld>
             <a:endParaRPr lang="en-US"/>
           </a:p>
@@ -2385,7 +2385,7 @@
           <a:p>
             <a:fld id="{1D8BD707-D9CF-40AE-B4C6-C98DA3205C09}" type="datetimeFigureOut">
               <a:rPr lang="en-US"/>
-              <a:t>3/3/22</a:t>
+              <a:t>3/24/2022</a:t>
             </a:fld>
             <a:endParaRPr lang="en-US"/>
           </a:p>
@@ -2661,7 +2661,7 @@
         <p:spPr>
           <a:xfrm>
             <a:off x="502828" y="65103"/>
-            <a:ext cx="3840572" cy="366767"/>
+            <a:ext cx="5646512" cy="366767"/>
           </a:xfrm>
           <a:prstGeom prst="rect">
             <a:avLst/>
@@ -2682,20 +2682,11 @@
               </a:spcBef>
             </a:pPr>
             <a:r>
-              <a:rPr sz="2300" dirty="0">
+              <a:rPr lang="de-DE" sz="2300" dirty="0">
                 <a:latin typeface="Adobe Clean" panose="020B0503020404020204" pitchFamily="34" charset="0"/>
               </a:rPr>
-              <a:t>ADOBE SUPPORT</a:t>
+              <a:t>SUPPORT-PAKETE VON ADOBE</a:t>
             </a:r>
-            <a:r>
-              <a:rPr lang="en-US" sz="2300" dirty="0">
-                <a:latin typeface="Adobe Clean" panose="020B0503020404020204" pitchFamily="34" charset="0"/>
-              </a:rPr>
-              <a:t> PLANS</a:t>
-            </a:r>
-            <a:endParaRPr sz="2300" dirty="0">
-              <a:latin typeface="Adobe Clean" panose="020B0503020404020204" pitchFamily="34" charset="0"/>
-            </a:endParaRPr>
           </a:p>
         </p:txBody>
       </p:sp>
@@ -2729,107 +2720,17 @@
               </a:spcBef>
             </a:pPr>
             <a:r>
-              <a:rPr lang="en-US" sz="1100" spc="-5" dirty="0">
+              <a:rPr lang="de-DE" sz="1100">
                 <a:solidFill>
                   <a:srgbClr val="FFFFFF"/>
                 </a:solidFill>
                 <a:latin typeface="AdobeClean-Light"/>
                 <a:cs typeface="AdobeClean-Light"/>
               </a:rPr>
-              <a:t>Standard</a:t>
+              <a:t>Standard | Business | Enterprise | </a:t>
             </a:r>
             <a:r>
-              <a:rPr sz="1100" dirty="0">
-                <a:solidFill>
-                  <a:srgbClr val="FFFFFF"/>
-                </a:solidFill>
-                <a:latin typeface="AdobeClean-Light"/>
-                <a:cs typeface="AdobeClean-Light"/>
-              </a:rPr>
-              <a:t> |</a:t>
-            </a:r>
-            <a:r>
-              <a:rPr sz="1100" spc="5" dirty="0">
-                <a:solidFill>
-                  <a:srgbClr val="FFFFFF"/>
-                </a:solidFill>
-                <a:latin typeface="AdobeClean-Light"/>
-                <a:cs typeface="AdobeClean-Light"/>
-              </a:rPr>
-              <a:t> </a:t>
-            </a:r>
-            <a:r>
-              <a:rPr sz="1100" spc="-5" dirty="0">
-                <a:solidFill>
-                  <a:srgbClr val="FFFFFF"/>
-                </a:solidFill>
-                <a:latin typeface="AdobeClean-Light"/>
-                <a:cs typeface="AdobeClean-Light"/>
-              </a:rPr>
-              <a:t>Business</a:t>
-            </a:r>
-            <a:r>
-              <a:rPr sz="1100" dirty="0">
-                <a:solidFill>
-                  <a:srgbClr val="FFFFFF"/>
-                </a:solidFill>
-                <a:latin typeface="AdobeClean-Light"/>
-                <a:cs typeface="AdobeClean-Light"/>
-              </a:rPr>
-              <a:t> |</a:t>
-            </a:r>
-            <a:r>
-              <a:rPr sz="1100" spc="10" dirty="0">
-                <a:solidFill>
-                  <a:srgbClr val="FFFFFF"/>
-                </a:solidFill>
-                <a:latin typeface="AdobeClean-Light"/>
-                <a:cs typeface="AdobeClean-Light"/>
-              </a:rPr>
-              <a:t> </a:t>
-            </a:r>
-            <a:r>
-              <a:rPr sz="1100" spc="-5" dirty="0">
-                <a:solidFill>
-                  <a:srgbClr val="FFFFFF"/>
-                </a:solidFill>
-                <a:latin typeface="AdobeClean-Light"/>
-                <a:cs typeface="AdobeClean-Light"/>
-              </a:rPr>
-              <a:t>Enterprise</a:t>
-            </a:r>
-            <a:r>
-              <a:rPr sz="1100" spc="10" dirty="0">
-                <a:solidFill>
-                  <a:srgbClr val="FFFFFF"/>
-                </a:solidFill>
-                <a:latin typeface="AdobeClean-Light"/>
-                <a:cs typeface="AdobeClean-Light"/>
-              </a:rPr>
-              <a:t> </a:t>
-            </a:r>
-            <a:r>
-              <a:rPr sz="1100" dirty="0">
-                <a:solidFill>
-                  <a:srgbClr val="FFFFFF"/>
-                </a:solidFill>
-                <a:latin typeface="AdobeClean-Light"/>
-                <a:cs typeface="AdobeClean-Light"/>
-              </a:rPr>
-              <a:t>|</a:t>
-            </a:r>
-            <a:r>
-              <a:rPr sz="1100" spc="5" dirty="0">
-                <a:solidFill>
-                  <a:srgbClr val="FFFFFF"/>
-                </a:solidFill>
-                <a:latin typeface="AdobeClean-Light"/>
-                <a:cs typeface="AdobeClean-Light"/>
-              </a:rPr>
-              <a:t> </a:t>
-            </a:r>
-            <a:r>
-              <a:rPr sz="1100" b="1" spc="-65" dirty="0">
+              <a:rPr lang="de-DE" sz="1100" b="1">
                 <a:solidFill>
                   <a:srgbClr val="FFFFFF"/>
                 </a:solidFill>
@@ -2838,10 +2739,6 @@
               </a:rPr>
               <a:t>Elite</a:t>
             </a:r>
-            <a:endParaRPr sz="1100" dirty="0">
-              <a:latin typeface="Arial"/>
-              <a:cs typeface="Arial"/>
-            </a:endParaRPr>
           </a:p>
           <a:p>
             <a:pPr marL="12700" marR="1076325">
@@ -2850,39 +2747,32 @@
               </a:spcBef>
             </a:pPr>
             <a:r>
-              <a:rPr lang="en-US" sz="900" dirty="0">
+              <a:rPr lang="de-DE" sz="900">
                 <a:solidFill>
                   <a:schemeClr val="bg1"/>
                 </a:solidFill>
                 <a:latin typeface="Adobe Clean SemiLight" panose="020B0403020404020204" pitchFamily="34" charset="0"/>
               </a:rPr>
-              <a:t>Adobe provides a comprehensive range of technical resources to help support your business included as part of your Adobe enterprise </a:t>
+              <a:t>Adobe bietet eine umfangreiche Palette an technischen Ressourcen zur Unterstützung Ihres Unternehmens. Diese sind Teil Ihres Adobe Enterprise-</a:t>
             </a:r>
             <a:r>
-              <a:rPr lang="en-US" sz="900" dirty="0">
+              <a:rPr lang="de-DE" sz="900">
                 <a:solidFill>
                   <a:schemeClr val="bg1"/>
                 </a:solidFill>
                 <a:latin typeface="Adobe Clean SemiLight"/>
               </a:rPr>
-              <a:t>subscription. This is enhanced with the ELITE Support Plan</a:t>
+              <a:t>Abonnements. Dies wird durch den ELITE Support Plan ergänzt</a:t>
             </a:r>
             <a:r>
-              <a:rPr lang="en-US" sz="900" dirty="0">
+              <a:rPr lang="de-DE" sz="900">
                 <a:solidFill>
                   <a:schemeClr val="bg1"/>
                 </a:solidFill>
                 <a:latin typeface="Adobe Clean SemiLight" panose="020B0403020404020204" pitchFamily="34" charset="0"/>
               </a:rPr>
-              <a:t>. ELITE customers have access to a Named Support Engineer as well as a Technical Account Manager who work in partnership with you to provide best in class proactive and reactive support while acting as your designated technical contacts within the Adobe Support Team. With deep experience in your applicable Creative Cloud and Document Cloud solutions, your Support Team works to ensure that no matter how complex your support needs are, the Adobe Support Team will be there side by side with you throughout, to ensure you maximize your investment in applicable Adobe solutions and to help you avoid problems before they happen. You can also take advantage of our detailed and in-depth technical product documentation and current release notes. </a:t>
+              <a:t>. ELITE-Kunden erhalten Kontakt zu einem spezifischen Support-Mitarbeiter sowie einem Technical Account Manager. Diese sind Ihre Ansprechpartner für technische Fragen im Adobe-Support-Team und arbeiten gemeinsam mit Ihnen daran, bestmöglichen, reaktionsschnellen Support anzubieten. Mit umfangreicher Expertise in unseren Creative Cloud- und Document Cloud-Lösungen unterstützt Sie das Support-Team von Adobe auch bei den komplexesten Support-Bedürfnissen. So können Sie das Optimum aus Ihren Investitionen in die Adobe-Lösungen herausholen und Probleme vermeiden, bevor sie überhaupt entstehen. Darüber hinaus stehen Ihnen unsere umfangreiche technische Produktdokumentation sowie aktuelle Versionshinweise zur Verfügung. </a:t>
             </a:r>
-            <a:endParaRPr sz="900" dirty="0">
-              <a:solidFill>
-                <a:schemeClr val="bg1"/>
-              </a:solidFill>
-              <a:latin typeface="AdobeClean-Light"/>
-              <a:cs typeface="AdobeClean-Light"/>
-            </a:endParaRPr>
           </a:p>
         </p:txBody>
       </p:sp>
@@ -2894,7 +2784,7 @@
         </p:nvSpPr>
         <p:spPr>
           <a:xfrm>
-            <a:off x="209607" y="7078651"/>
+            <a:off x="209607" y="7048171"/>
             <a:ext cx="2780665" cy="238760"/>
           </a:xfrm>
           <a:prstGeom prst="rect">
@@ -2916,7 +2806,7 @@
               </a:spcBef>
             </a:pPr>
             <a:r>
-              <a:rPr sz="1400" b="1" u="heavy" spc="20">
+              <a:rPr lang="de-DE" sz="1400" b="1" u="heavy" dirty="0">
                 <a:solidFill>
                   <a:srgbClr val="020302"/>
                 </a:solidFill>
@@ -2928,447 +2818,8 @@
                 <a:latin typeface="Adobe Clean"/>
                 <a:cs typeface="Adobe Clean"/>
               </a:rPr>
-              <a:t>S</a:t>
+              <a:t>Service-Level-Ziele: Erste Reaktion</a:t>
             </a:r>
-            <a:r>
-              <a:rPr sz="1400" b="1" u="heavy">
-                <a:solidFill>
-                  <a:srgbClr val="020302"/>
-                </a:solidFill>
-                <a:uFill>
-                  <a:solidFill>
-                    <a:srgbClr val="020302"/>
-                  </a:solidFill>
-                </a:uFill>
-                <a:latin typeface="Adobe Clean"/>
-                <a:cs typeface="Adobe Clean"/>
-              </a:rPr>
-              <a:t>er</a:t>
-            </a:r>
-            <a:r>
-              <a:rPr sz="1400" b="1" u="heavy" spc="10">
-                <a:solidFill>
-                  <a:srgbClr val="020302"/>
-                </a:solidFill>
-                <a:uFill>
-                  <a:solidFill>
-                    <a:srgbClr val="020302"/>
-                  </a:solidFill>
-                </a:uFill>
-                <a:latin typeface="Adobe Clean"/>
-                <a:cs typeface="Adobe Clean"/>
-              </a:rPr>
-              <a:t>vi</a:t>
-            </a:r>
-            <a:r>
-              <a:rPr sz="1400" b="1" u="heavy">
-                <a:solidFill>
-                  <a:srgbClr val="020302"/>
-                </a:solidFill>
-                <a:uFill>
-                  <a:solidFill>
-                    <a:srgbClr val="020302"/>
-                  </a:solidFill>
-                </a:uFill>
-                <a:latin typeface="Adobe Clean"/>
-                <a:cs typeface="Adobe Clean"/>
-              </a:rPr>
-              <a:t>ce</a:t>
-            </a:r>
-            <a:r>
-              <a:rPr sz="1400" b="1" u="heavy" spc="20">
-                <a:solidFill>
-                  <a:srgbClr val="020302"/>
-                </a:solidFill>
-                <a:uFill>
-                  <a:solidFill>
-                    <a:srgbClr val="020302"/>
-                  </a:solidFill>
-                </a:uFill>
-                <a:latin typeface="Adobe Clean"/>
-                <a:cs typeface="Adobe Clean"/>
-              </a:rPr>
-              <a:t> </a:t>
-            </a:r>
-            <a:r>
-              <a:rPr sz="1400" b="1" u="heavy" spc="-20">
-                <a:solidFill>
-                  <a:srgbClr val="020302"/>
-                </a:solidFill>
-                <a:uFill>
-                  <a:solidFill>
-                    <a:srgbClr val="020302"/>
-                  </a:solidFill>
-                </a:uFill>
-                <a:latin typeface="Adobe Clean"/>
-                <a:cs typeface="Adobe Clean"/>
-              </a:rPr>
-              <a:t>Le</a:t>
-            </a:r>
-            <a:r>
-              <a:rPr sz="1400" b="1" u="heavy" spc="-10">
-                <a:solidFill>
-                  <a:srgbClr val="020302"/>
-                </a:solidFill>
-                <a:uFill>
-                  <a:solidFill>
-                    <a:srgbClr val="020302"/>
-                  </a:solidFill>
-                </a:uFill>
-                <a:latin typeface="Adobe Clean"/>
-                <a:cs typeface="Adobe Clean"/>
-              </a:rPr>
-              <a:t>v</a:t>
-            </a:r>
-            <a:r>
-              <a:rPr sz="1400" b="1" u="heavy" spc="-20">
-                <a:solidFill>
-                  <a:srgbClr val="020302"/>
-                </a:solidFill>
-                <a:uFill>
-                  <a:solidFill>
-                    <a:srgbClr val="020302"/>
-                  </a:solidFill>
-                </a:uFill>
-                <a:latin typeface="Adobe Clean"/>
-                <a:cs typeface="Adobe Clean"/>
-              </a:rPr>
-              <a:t>e</a:t>
-            </a:r>
-            <a:r>
-              <a:rPr sz="1400" b="1" u="heavy">
-                <a:solidFill>
-                  <a:srgbClr val="020302"/>
-                </a:solidFill>
-                <a:uFill>
-                  <a:solidFill>
-                    <a:srgbClr val="020302"/>
-                  </a:solidFill>
-                </a:uFill>
-                <a:latin typeface="Adobe Clean"/>
-                <a:cs typeface="Adobe Clean"/>
-              </a:rPr>
-              <a:t>l</a:t>
-            </a:r>
-            <a:r>
-              <a:rPr sz="1400" b="1" u="heavy" spc="-10">
-                <a:solidFill>
-                  <a:srgbClr val="020302"/>
-                </a:solidFill>
-                <a:uFill>
-                  <a:solidFill>
-                    <a:srgbClr val="020302"/>
-                  </a:solidFill>
-                </a:uFill>
-                <a:latin typeface="Adobe Clean"/>
-                <a:cs typeface="Adobe Clean"/>
-              </a:rPr>
-              <a:t> </a:t>
-            </a:r>
-            <a:r>
-              <a:rPr sz="1400" b="1" u="heavy" spc="-65">
-                <a:solidFill>
-                  <a:srgbClr val="020302"/>
-                </a:solidFill>
-                <a:uFill>
-                  <a:solidFill>
-                    <a:srgbClr val="020302"/>
-                  </a:solidFill>
-                </a:uFill>
-                <a:latin typeface="Adobe Clean"/>
-                <a:cs typeface="Adobe Clean"/>
-              </a:rPr>
-              <a:t>T</a:t>
-            </a:r>
-            <a:r>
-              <a:rPr sz="1400" b="1" u="heavy" spc="-35">
-                <a:solidFill>
-                  <a:srgbClr val="020302"/>
-                </a:solidFill>
-                <a:uFill>
-                  <a:solidFill>
-                    <a:srgbClr val="020302"/>
-                  </a:solidFill>
-                </a:uFill>
-                <a:latin typeface="Adobe Clean"/>
-                <a:cs typeface="Adobe Clean"/>
-              </a:rPr>
-              <a:t>a</a:t>
-            </a:r>
-            <a:r>
-              <a:rPr sz="1400" b="1" u="heavy" spc="-45">
-                <a:solidFill>
-                  <a:srgbClr val="020302"/>
-                </a:solidFill>
-                <a:uFill>
-                  <a:solidFill>
-                    <a:srgbClr val="020302"/>
-                  </a:solidFill>
-                </a:uFill>
-                <a:latin typeface="Adobe Clean"/>
-                <a:cs typeface="Adobe Clean"/>
-              </a:rPr>
-              <a:t>r</a:t>
-            </a:r>
-            <a:r>
-              <a:rPr sz="1400" b="1" u="heavy" spc="-35">
-                <a:solidFill>
-                  <a:srgbClr val="020302"/>
-                </a:solidFill>
-                <a:uFill>
-                  <a:solidFill>
-                    <a:srgbClr val="020302"/>
-                  </a:solidFill>
-                </a:uFill>
-                <a:latin typeface="Adobe Clean"/>
-                <a:cs typeface="Adobe Clean"/>
-              </a:rPr>
-              <a:t>g</a:t>
-            </a:r>
-            <a:r>
-              <a:rPr sz="1400" b="1" u="heavy" spc="-55">
-                <a:solidFill>
-                  <a:srgbClr val="020302"/>
-                </a:solidFill>
-                <a:uFill>
-                  <a:solidFill>
-                    <a:srgbClr val="020302"/>
-                  </a:solidFill>
-                </a:uFill>
-                <a:latin typeface="Adobe Clean"/>
-                <a:cs typeface="Adobe Clean"/>
-              </a:rPr>
-              <a:t>et</a:t>
-            </a:r>
-            <a:r>
-              <a:rPr sz="1400" b="1" u="heavy" spc="-45">
-                <a:solidFill>
-                  <a:srgbClr val="020302"/>
-                </a:solidFill>
-                <a:uFill>
-                  <a:solidFill>
-                    <a:srgbClr val="020302"/>
-                  </a:solidFill>
-                </a:uFill>
-                <a:latin typeface="Adobe Clean"/>
-                <a:cs typeface="Adobe Clean"/>
-              </a:rPr>
-              <a:t>s</a:t>
-            </a:r>
-            <a:r>
-              <a:rPr sz="1400" b="1" u="heavy">
-                <a:solidFill>
-                  <a:srgbClr val="020302"/>
-                </a:solidFill>
-                <a:uFill>
-                  <a:solidFill>
-                    <a:srgbClr val="020302"/>
-                  </a:solidFill>
-                </a:uFill>
-                <a:latin typeface="Adobe Clean"/>
-                <a:cs typeface="Adobe Clean"/>
-              </a:rPr>
-              <a:t>:</a:t>
-            </a:r>
-            <a:r>
-              <a:rPr sz="1400" b="1" u="heavy" spc="-80">
-                <a:solidFill>
-                  <a:srgbClr val="020302"/>
-                </a:solidFill>
-                <a:uFill>
-                  <a:solidFill>
-                    <a:srgbClr val="020302"/>
-                  </a:solidFill>
-                </a:uFill>
-                <a:latin typeface="Adobe Clean"/>
-                <a:cs typeface="Adobe Clean"/>
-              </a:rPr>
-              <a:t> </a:t>
-            </a:r>
-            <a:r>
-              <a:rPr sz="1400" b="1" u="heavy" spc="-20">
-                <a:solidFill>
-                  <a:srgbClr val="020302"/>
-                </a:solidFill>
-                <a:uFill>
-                  <a:solidFill>
-                    <a:srgbClr val="020302"/>
-                  </a:solidFill>
-                </a:uFill>
-                <a:latin typeface="Adobe Clean"/>
-                <a:cs typeface="Adobe Clean"/>
-              </a:rPr>
-              <a:t>I</a:t>
-            </a:r>
-            <a:r>
-              <a:rPr sz="1400" b="1" u="heavy" spc="-10">
-                <a:solidFill>
-                  <a:srgbClr val="020302"/>
-                </a:solidFill>
-                <a:uFill>
-                  <a:solidFill>
-                    <a:srgbClr val="020302"/>
-                  </a:solidFill>
-                </a:uFill>
-                <a:latin typeface="Adobe Clean"/>
-                <a:cs typeface="Adobe Clean"/>
-              </a:rPr>
-              <a:t>ni</a:t>
-            </a:r>
-            <a:r>
-              <a:rPr sz="1400" b="1" u="heavy" spc="-20">
-                <a:solidFill>
-                  <a:srgbClr val="020302"/>
-                </a:solidFill>
-                <a:uFill>
-                  <a:solidFill>
-                    <a:srgbClr val="020302"/>
-                  </a:solidFill>
-                </a:uFill>
-                <a:latin typeface="Adobe Clean"/>
-                <a:cs typeface="Adobe Clean"/>
-              </a:rPr>
-              <a:t>t</a:t>
-            </a:r>
-            <a:r>
-              <a:rPr sz="1400" b="1" u="heavy" spc="-10">
-                <a:solidFill>
-                  <a:srgbClr val="020302"/>
-                </a:solidFill>
-                <a:uFill>
-                  <a:solidFill>
-                    <a:srgbClr val="020302"/>
-                  </a:solidFill>
-                </a:uFill>
-                <a:latin typeface="Adobe Clean"/>
-                <a:cs typeface="Adobe Clean"/>
-              </a:rPr>
-              <a:t>i</a:t>
-            </a:r>
-            <a:r>
-              <a:rPr sz="1400" b="1" u="heavy">
-                <a:solidFill>
-                  <a:srgbClr val="020302"/>
-                </a:solidFill>
-                <a:uFill>
-                  <a:solidFill>
-                    <a:srgbClr val="020302"/>
-                  </a:solidFill>
-                </a:uFill>
-                <a:latin typeface="Adobe Clean"/>
-                <a:cs typeface="Adobe Clean"/>
-              </a:rPr>
-              <a:t>al</a:t>
-            </a:r>
-            <a:r>
-              <a:rPr sz="1400" b="1" u="heavy" spc="-140">
-                <a:solidFill>
-                  <a:srgbClr val="020302"/>
-                </a:solidFill>
-                <a:uFill>
-                  <a:solidFill>
-                    <a:srgbClr val="020302"/>
-                  </a:solidFill>
-                </a:uFill>
-                <a:latin typeface="Adobe Clean"/>
-                <a:cs typeface="Adobe Clean"/>
-              </a:rPr>
-              <a:t> </a:t>
-            </a:r>
-            <a:r>
-              <a:rPr sz="1400" b="1" u="heavy" spc="-15">
-                <a:solidFill>
-                  <a:srgbClr val="020302"/>
-                </a:solidFill>
-                <a:uFill>
-                  <a:solidFill>
-                    <a:srgbClr val="020302"/>
-                  </a:solidFill>
-                </a:uFill>
-                <a:latin typeface="Adobe Clean"/>
-                <a:cs typeface="Adobe Clean"/>
-              </a:rPr>
-              <a:t>R</a:t>
-            </a:r>
-            <a:r>
-              <a:rPr sz="1400" b="1" u="heavy" spc="-25">
-                <a:solidFill>
-                  <a:srgbClr val="020302"/>
-                </a:solidFill>
-                <a:uFill>
-                  <a:solidFill>
-                    <a:srgbClr val="020302"/>
-                  </a:solidFill>
-                </a:uFill>
-                <a:latin typeface="Adobe Clean"/>
-                <a:cs typeface="Adobe Clean"/>
-              </a:rPr>
-              <a:t>e</a:t>
-            </a:r>
-            <a:r>
-              <a:rPr sz="1400" b="1" u="heavy" spc="-15">
-                <a:solidFill>
-                  <a:srgbClr val="020302"/>
-                </a:solidFill>
-                <a:uFill>
-                  <a:solidFill>
-                    <a:srgbClr val="020302"/>
-                  </a:solidFill>
-                </a:uFill>
-                <a:latin typeface="Adobe Clean"/>
-                <a:cs typeface="Adobe Clean"/>
-              </a:rPr>
-              <a:t>s</a:t>
-            </a:r>
-            <a:r>
-              <a:rPr sz="1400" b="1" u="heavy" spc="-25">
-                <a:solidFill>
-                  <a:srgbClr val="020302"/>
-                </a:solidFill>
-                <a:uFill>
-                  <a:solidFill>
-                    <a:srgbClr val="020302"/>
-                  </a:solidFill>
-                </a:uFill>
-                <a:latin typeface="Adobe Clean"/>
-                <a:cs typeface="Adobe Clean"/>
-              </a:rPr>
-              <a:t>p</a:t>
-            </a:r>
-            <a:r>
-              <a:rPr sz="1400" b="1" u="heavy" spc="-15">
-                <a:solidFill>
-                  <a:srgbClr val="020302"/>
-                </a:solidFill>
-                <a:uFill>
-                  <a:solidFill>
-                    <a:srgbClr val="020302"/>
-                  </a:solidFill>
-                </a:uFill>
-                <a:latin typeface="Adobe Clean"/>
-                <a:cs typeface="Adobe Clean"/>
-              </a:rPr>
-              <a:t>ons</a:t>
-            </a:r>
-            <a:r>
-              <a:rPr sz="1400" b="1" u="heavy">
-                <a:solidFill>
-                  <a:srgbClr val="020302"/>
-                </a:solidFill>
-                <a:uFill>
-                  <a:solidFill>
-                    <a:srgbClr val="020302"/>
-                  </a:solidFill>
-                </a:uFill>
-                <a:latin typeface="Adobe Clean"/>
-                <a:cs typeface="Adobe Clean"/>
-              </a:rPr>
-              <a:t>e</a:t>
-            </a:r>
-            <a:endParaRPr sz="1400">
-              <a:latin typeface="Adobe Clean"/>
-              <a:cs typeface="Adobe Clean"/>
-            </a:endParaRPr>
           </a:p>
         </p:txBody>
       </p:sp>
@@ -3423,13 +2874,13 @@
           <a:lstStyle/>
           <a:p>
             <a:r>
-              <a:rPr lang="en-US" sz="700" i="1" dirty="0">
+              <a:rPr lang="de-DE" sz="700" i="1">
                 <a:solidFill>
                   <a:schemeClr val="bg1"/>
                 </a:solidFill>
                 <a:latin typeface="Adobe Clean" panose="020B0503020404020204" pitchFamily="34" charset="0"/>
               </a:rPr>
-              <a:t>Adobe Creative Cloud / Adobe Document Cloud (including Adobe Sign)</a:t>
+              <a:t>Adobe Creative Cloud / Adobe Document Cloud (einschließlich Adobe Sign)</a:t>
             </a:r>
           </a:p>
         </p:txBody>
@@ -3449,7 +2900,7 @@
           <p:nvPr>
             <p:extLst>
               <p:ext uri="{D42A27DB-BD31-4B8C-83A1-F6EECF244321}">
-                <p14:modId xmlns:p14="http://schemas.microsoft.com/office/powerpoint/2010/main" val="510994612"/>
+                <p14:modId xmlns:p14="http://schemas.microsoft.com/office/powerpoint/2010/main" val="1602908092"/>
               </p:ext>
             </p:extLst>
           </p:nvPr>
@@ -3472,21 +2923,21 @@
                     </a:ext>
                   </a:extLst>
                 </a:gridCol>
-                <a:gridCol w="2303998">
+                <a:gridCol w="2488717">
                   <a:extLst>
                     <a:ext uri="{9D8B030D-6E8A-4147-A177-3AD203B41FA5}">
                       <a16:colId xmlns:a16="http://schemas.microsoft.com/office/drawing/2014/main" val="20001"/>
                     </a:ext>
                   </a:extLst>
                 </a:gridCol>
-                <a:gridCol w="1754061">
+                <a:gridCol w="1203960">
                   <a:extLst>
                     <a:ext uri="{9D8B030D-6E8A-4147-A177-3AD203B41FA5}">
                       <a16:colId xmlns:a16="http://schemas.microsoft.com/office/drawing/2014/main" val="2563521174"/>
                     </a:ext>
                   </a:extLst>
                 </a:gridCol>
-                <a:gridCol w="1754061">
+                <a:gridCol w="2119443">
                   <a:extLst>
                     <a:ext uri="{9D8B030D-6E8A-4147-A177-3AD203B41FA5}">
                       <a16:colId xmlns:a16="http://schemas.microsoft.com/office/drawing/2014/main" val="20003"/>
@@ -3538,39 +2989,15 @@
                         <a:defRPr/>
                       </a:pPr>
                       <a:r>
-                        <a:rPr lang="en-US" sz="1200" spc="-20" dirty="0">
+                        <a:rPr lang="de-DE" sz="1200">
                           <a:solidFill>
                             <a:srgbClr val="404040"/>
                           </a:solidFill>
                           <a:latin typeface="Adobe Clean"/>
                           <a:cs typeface="Adobe Clean"/>
                         </a:rPr>
-                        <a:t>Standard </a:t>
+                        <a:t>Standard Support</a:t>
                       </a:r>
-                      <a:r>
-                        <a:rPr lang="en-US" sz="1200" spc="-135" dirty="0">
-                          <a:solidFill>
-                            <a:srgbClr val="404040"/>
-                          </a:solidFill>
-                          <a:latin typeface="Adobe Clean"/>
-                          <a:cs typeface="Adobe Clean"/>
-                        </a:rPr>
-                        <a:t> </a:t>
-                      </a:r>
-                      <a:r>
-                        <a:rPr lang="en-US" sz="1200" spc="-20" dirty="0">
-                          <a:solidFill>
-                            <a:srgbClr val="404040"/>
-                          </a:solidFill>
-                          <a:latin typeface="Adobe Clean"/>
-                          <a:cs typeface="Adobe Clean"/>
-                        </a:rPr>
-                        <a:t>Support</a:t>
-                      </a:r>
-                      <a:endParaRPr lang="en-US" sz="1200" dirty="0">
-                        <a:latin typeface="Adobe Clean"/>
-                        <a:cs typeface="Adobe Clean"/>
-                      </a:endParaRPr>
                     </a:p>
                   </a:txBody>
                   <a:tcPr marL="0" marR="0" marT="7620" marB="0" anchor="ctr">
@@ -3611,29 +3038,15 @@
                         </a:spcBef>
                       </a:pPr>
                       <a:r>
-                        <a:rPr lang="en-US" sz="1200" spc="-20" dirty="0">
+                        <a:rPr lang="de-DE" sz="1200" dirty="0">
                           <a:solidFill>
                             <a:srgbClr val="FFFFFF"/>
                           </a:solidFill>
                           <a:latin typeface="Adobe Clean"/>
                           <a:cs typeface="Adobe Clean"/>
                         </a:rPr>
-                        <a:t>Elite </a:t>
+                        <a:t>Elite Support</a:t>
                       </a:r>
-                      <a:r>
-                        <a:rPr sz="1200" spc="-20" dirty="0">
-                          <a:solidFill>
-                            <a:srgbClr val="FFFFFF"/>
-                          </a:solidFill>
-                          <a:latin typeface="Adobe Clean"/>
-                          <a:cs typeface="Adobe Clean"/>
-                        </a:rPr>
-                        <a:t>Support</a:t>
-                      </a:r>
-                      <a:endParaRPr sz="1200" dirty="0">
-                        <a:latin typeface="Adobe Clean"/>
-                        <a:cs typeface="Adobe Clean"/>
-                      </a:endParaRPr>
                     </a:p>
                   </a:txBody>
                   <a:tcPr marL="0" marR="0" marT="7620" marB="0" anchor="ctr">
@@ -3698,7 +3111,7 @@
                     <a:bodyPr/>
                     <a:lstStyle/>
                     <a:p>
-                      <a:pPr marL="0" marR="0" lvl="0" indent="0" algn="ctr" defTabSz="914400" eaLnBrk="1" fontAlgn="auto" latinLnBrk="0" hangingPunct="1">
+                      <a:pPr marL="0" marR="0" lvl="0" indent="0" algn="l" defTabSz="914400" rtl="0" eaLnBrk="1" fontAlgn="auto" latinLnBrk="0" hangingPunct="1">
                         <a:lnSpc>
                           <a:spcPct val="100000"/>
                         </a:lnSpc>
@@ -3779,13 +3192,13 @@
                         <a:defRPr/>
                       </a:pPr>
                       <a:r>
-                        <a:rPr lang="en-US" sz="1200" b="1" i="1" dirty="0">
+                        <a:rPr lang="de-DE" sz="1200" b="1" i="1">
                           <a:solidFill>
                             <a:schemeClr val="bg1"/>
                           </a:solidFill>
                           <a:latin typeface="Adobe Clean" panose="020B0503020404020204" pitchFamily="34" charset="0"/>
                         </a:rPr>
-                        <a:t>Paid Support ($)</a:t>
+                        <a:t>Kostenpflichtiger Support (€)</a:t>
                       </a:r>
                     </a:p>
                   </a:txBody>
@@ -3849,22 +3262,15 @@
                         </a:spcBef>
                       </a:pPr>
                       <a:r>
-                        <a:rPr lang="en-US" sz="1200" b="1" i="0" spc="0">
+                        <a:rPr lang="de-DE" sz="1200" b="1" i="0" dirty="0">
                           <a:solidFill>
                             <a:schemeClr val="bg1"/>
                           </a:solidFill>
                           <a:latin typeface="Adobe Clean" panose="020B0503020404020204" pitchFamily="34" charset="0"/>
                           <a:cs typeface="AdobeClean-Light"/>
                         </a:rPr>
-                        <a:t>Assigned Experts</a:t>
+                        <a:t>Zugewiesene Experten</a:t>
                       </a:r>
-                      <a:endParaRPr sz="1200" b="1" i="0" spc="0">
-                        <a:solidFill>
-                          <a:schemeClr val="bg1"/>
-                        </a:solidFill>
-                        <a:latin typeface="Adobe Clean" panose="020B0503020404020204" pitchFamily="34" charset="0"/>
-                        <a:cs typeface="AdobeClean-Light"/>
-                      </a:endParaRPr>
                     </a:p>
                   </a:txBody>
                   <a:tcPr marL="0" marR="0" marT="58419" marB="0" anchor="ctr">
@@ -3914,7 +3320,7 @@
                         </a:spcBef>
                       </a:pPr>
                       <a:r>
-                        <a:rPr sz="1100" b="0" i="0" spc="0" dirty="0">
+                        <a:rPr lang="de-DE" sz="1100" b="0" i="0">
                           <a:solidFill>
                             <a:srgbClr val="020302"/>
                           </a:solidFill>
@@ -3923,10 +3329,6 @@
                         </a:rPr>
                         <a:t>Account Support Lead</a:t>
                       </a:r>
-                      <a:endParaRPr sz="1100" b="0" i="0" spc="0" dirty="0">
-                        <a:latin typeface="Adobe Clean Light" panose="020B0303020404020204" pitchFamily="34" charset="0"/>
-                        <a:cs typeface="AdobeClean-Light"/>
-                      </a:endParaRPr>
                     </a:p>
                   </a:txBody>
                   <a:tcPr marL="0" marR="0" marT="58419" marB="0">
@@ -3961,7 +3363,7 @@
                     <a:bodyPr/>
                     <a:lstStyle/>
                     <a:p>
-                      <a:pPr algn="ctr">
+                      <a:pPr algn="l" rtl="0">
                         <a:lnSpc>
                           <a:spcPct val="100000"/>
                         </a:lnSpc>
@@ -4002,7 +3404,7 @@
                     <a:bodyPr/>
                     <a:lstStyle/>
                     <a:p>
-                      <a:pPr>
+                      <a:pPr algn="l" rtl="0">
                         <a:lnSpc>
                           <a:spcPct val="100000"/>
                         </a:lnSpc>
@@ -4042,7 +3444,7 @@
                     <a:bodyPr/>
                     <a:lstStyle/>
                     <a:p>
-                      <a:pPr marL="50800">
+                      <a:pPr marL="50800" algn="l" rtl="0">
                         <a:lnSpc>
                           <a:spcPct val="100000"/>
                         </a:lnSpc>
@@ -4072,19 +3474,15 @@
                         </a:spcBef>
                       </a:pPr>
                       <a:r>
-                        <a:rPr sz="1100" b="0" i="0" spc="0" dirty="0">
+                        <a:rPr lang="de-DE" sz="1100" b="0" i="0" baseline="0" dirty="0">
                           <a:solidFill>
                             <a:srgbClr val="020302"/>
                           </a:solidFill>
                           <a:latin typeface="Adobe Clean Light" panose="020B0303020404020204" pitchFamily="34" charset="0"/>
                           <a:cs typeface="AdobeClean-Light"/>
                         </a:rPr>
-                        <a:t>Named Support Engineer</a:t>
+                        <a:t>Spezifischer Support-Mitarbeiter</a:t>
                       </a:r>
-                      <a:endParaRPr sz="1100" b="0" i="0" spc="0" dirty="0">
-                        <a:latin typeface="Adobe Clean Light" panose="020B0303020404020204" pitchFamily="34" charset="0"/>
-                        <a:cs typeface="AdobeClean-Light"/>
-                      </a:endParaRPr>
                     </a:p>
                   </a:txBody>
                   <a:tcPr marL="0" marR="0" marT="58419" marB="0">
@@ -4113,7 +3511,7 @@
                     <a:bodyPr/>
                     <a:lstStyle/>
                     <a:p>
-                      <a:pPr algn="ctr">
+                      <a:pPr algn="l" rtl="0">
                         <a:lnSpc>
                           <a:spcPct val="100000"/>
                         </a:lnSpc>
@@ -4154,7 +3552,7 @@
                         </a:spcBef>
                       </a:pPr>
                       <a:r>
-                        <a:rPr sz="900" spc="0">
+                        <a:rPr lang="de-DE" sz="900">
                           <a:solidFill>
                             <a:srgbClr val="020302"/>
                           </a:solidFill>
@@ -4163,10 +3561,6 @@
                         </a:rPr>
                         <a:t></a:t>
                       </a:r>
-                      <a:endParaRPr sz="900" spc="0">
-                        <a:latin typeface="Wingdings"/>
-                        <a:cs typeface="Wingdings"/>
-                      </a:endParaRPr>
                     </a:p>
                   </a:txBody>
                   <a:tcPr marL="0" marR="0" marT="59055" marB="0">
@@ -4189,7 +3583,7 @@
                     <a:bodyPr/>
                     <a:lstStyle/>
                     <a:p>
-                      <a:pPr marL="50800">
+                      <a:pPr marL="50800" algn="l" rtl="0">
                         <a:lnSpc>
                           <a:spcPct val="100000"/>
                         </a:lnSpc>
@@ -4219,7 +3613,7 @@
                         </a:spcBef>
                       </a:pPr>
                       <a:r>
-                        <a:rPr sz="1100" b="0" i="0" spc="0" dirty="0">
+                        <a:rPr lang="de-DE" sz="1100" b="0" i="0">
                           <a:solidFill>
                             <a:srgbClr val="020302"/>
                           </a:solidFill>
@@ -4228,10 +3622,6 @@
                         </a:rPr>
                         <a:t>Technical Account Manager</a:t>
                       </a:r>
-                      <a:endParaRPr sz="1100" b="0" i="0" spc="0" dirty="0">
-                        <a:latin typeface="Adobe Clean Light" panose="020B0303020404020204" pitchFamily="34" charset="0"/>
-                        <a:cs typeface="AdobeClean-Light"/>
-                      </a:endParaRPr>
                     </a:p>
                   </a:txBody>
                   <a:tcPr marL="0" marR="0" marT="63500" marB="0">
@@ -4269,7 +3659,7 @@
                     <a:bodyPr/>
                     <a:lstStyle/>
                     <a:p>
-                      <a:pPr algn="ctr">
+                      <a:pPr algn="l" rtl="0">
                         <a:lnSpc>
                           <a:spcPct val="100000"/>
                         </a:lnSpc>
@@ -4319,7 +3709,7 @@
                         </a:spcBef>
                       </a:pPr>
                       <a:r>
-                        <a:rPr sz="900" spc="0">
+                        <a:rPr lang="de-DE" sz="900">
                           <a:solidFill>
                             <a:srgbClr val="020302"/>
                           </a:solidFill>
@@ -4328,10 +3718,6 @@
                         </a:rPr>
                         <a:t></a:t>
                       </a:r>
-                      <a:endParaRPr sz="900" spc="0">
-                        <a:latin typeface="Wingdings"/>
-                        <a:cs typeface="Wingdings"/>
-                      </a:endParaRPr>
                     </a:p>
                   </a:txBody>
                   <a:tcPr marL="0" marR="0" marT="64135" marB="0">
@@ -4372,22 +3758,15 @@
                         </a:spcBef>
                       </a:pPr>
                       <a:r>
-                        <a:rPr lang="en-US" sz="1200" b="1" i="0" spc="0">
+                        <a:rPr lang="de-DE" sz="1200" b="1" i="0">
                           <a:solidFill>
                             <a:schemeClr val="bg1"/>
                           </a:solidFill>
                           <a:latin typeface="Adobe Clean" panose="020B0503020404020204" pitchFamily="34" charset="0"/>
                           <a:cs typeface="AdobeClean-Light"/>
                         </a:rPr>
-                        <a:t>Support Services</a:t>
+                        <a:t>Support-Services</a:t>
                       </a:r>
-                      <a:endParaRPr sz="1200" b="1" i="0" spc="0">
-                        <a:solidFill>
-                          <a:schemeClr val="bg1"/>
-                        </a:solidFill>
-                        <a:latin typeface="Adobe Clean" panose="020B0503020404020204" pitchFamily="34" charset="0"/>
-                        <a:cs typeface="AdobeClean-Light"/>
-                      </a:endParaRPr>
                     </a:p>
                   </a:txBody>
                   <a:tcPr marL="0" marR="0" marT="57150" marB="0" anchor="ctr">
@@ -4437,19 +3816,15 @@
                         </a:spcBef>
                       </a:pPr>
                       <a:r>
-                        <a:rPr lang="en-US" sz="1100" b="0" i="0" spc="0" dirty="0">
+                        <a:rPr lang="de-DE" sz="1100" b="0" i="0">
                           <a:solidFill>
                             <a:srgbClr val="020302"/>
                           </a:solidFill>
                           <a:latin typeface="Adobe Clean Light" panose="020B0303020404020204" pitchFamily="34" charset="0"/>
                           <a:cs typeface="AdobeClean-Light"/>
                         </a:rPr>
-                        <a:t>24x7 Self-Help Support </a:t>
+                        <a:t>24x7 Selbsthilfe-Support </a:t>
                       </a:r>
-                      <a:endParaRPr lang="en-US" sz="1100" b="0" i="0" spc="0" dirty="0">
-                        <a:latin typeface="Adobe Clean Light" panose="020B0303020404020204" pitchFamily="34" charset="0"/>
-                        <a:cs typeface="AdobeClean-Light"/>
-                      </a:endParaRPr>
                     </a:p>
                   </a:txBody>
                   <a:tcPr marL="0" marR="0" marT="57150" marB="0">
@@ -4493,7 +3868,7 @@
                         </a:spcBef>
                       </a:pPr>
                       <a:r>
-                        <a:rPr lang="en-US" sz="900">
+                        <a:rPr lang="de-DE" sz="900">
                           <a:solidFill>
                             <a:srgbClr val="020302"/>
                           </a:solidFill>
@@ -4502,10 +3877,6 @@
                         </a:rPr>
                         <a:t></a:t>
                       </a:r>
-                      <a:endParaRPr lang="en-US" sz="900">
-                        <a:latin typeface="Wingdings"/>
-                        <a:cs typeface="Wingdings"/>
-                      </a:endParaRPr>
                     </a:p>
                   </a:txBody>
                   <a:tcPr marL="0" marR="0" marT="58419" marB="0">
@@ -4544,7 +3915,7 @@
                         </a:spcBef>
                       </a:pPr>
                       <a:r>
-                        <a:rPr sz="900" spc="0">
+                        <a:rPr lang="de-DE" sz="900">
                           <a:solidFill>
                             <a:srgbClr val="020302"/>
                           </a:solidFill>
@@ -4553,10 +3924,6 @@
                         </a:rPr>
                         <a:t></a:t>
                       </a:r>
-                      <a:endParaRPr sz="900" spc="0">
-                        <a:latin typeface="Wingdings"/>
-                        <a:cs typeface="Wingdings"/>
-                      </a:endParaRPr>
                     </a:p>
                   </a:txBody>
                   <a:tcPr marL="0" marR="0" marT="59055" marB="0">
@@ -4588,7 +3955,7 @@
                     <a:bodyPr/>
                     <a:lstStyle/>
                     <a:p>
-                      <a:pPr marL="50800">
+                      <a:pPr marL="50800" algn="l" rtl="0">
                         <a:lnSpc>
                           <a:spcPct val="100000"/>
                         </a:lnSpc>
@@ -4646,19 +4013,15 @@
                         </a:spcBef>
                       </a:pPr>
                       <a:r>
-                        <a:rPr lang="en-US" sz="1100" b="0" i="0" spc="0" dirty="0">
+                        <a:rPr lang="de-DE" sz="1100" b="0" i="0">
                           <a:solidFill>
                             <a:srgbClr val="020302"/>
                           </a:solidFill>
                           <a:latin typeface="Adobe Clean Light" panose="020B0303020404020204" pitchFamily="34" charset="0"/>
                           <a:cs typeface="AdobeClean-Light"/>
                         </a:rPr>
-                        <a:t>24x7 Support via Chat / Phone</a:t>
+                        <a:t>24x7 Support per Chat/Telefon</a:t>
                       </a:r>
-                      <a:endParaRPr sz="1100" b="0" i="0" spc="0" dirty="0">
-                        <a:latin typeface="Adobe Clean Light" panose="020B0303020404020204" pitchFamily="34" charset="0"/>
-                        <a:cs typeface="AdobeClean-Light"/>
-                      </a:endParaRPr>
                     </a:p>
                   </a:txBody>
                   <a:tcPr marL="0" marR="0" marT="57785" marB="0">
@@ -4697,7 +4060,7 @@
                         </a:spcBef>
                       </a:pPr>
                       <a:r>
-                        <a:rPr lang="en-US" sz="900">
+                        <a:rPr lang="de-DE" sz="900">
                           <a:solidFill>
                             <a:srgbClr val="020302"/>
                           </a:solidFill>
@@ -4706,10 +4069,6 @@
                         </a:rPr>
                         <a:t></a:t>
                       </a:r>
-                      <a:endParaRPr lang="en-US" sz="900">
-                        <a:latin typeface="Wingdings"/>
-                        <a:cs typeface="Wingdings"/>
-                      </a:endParaRPr>
                     </a:p>
                   </a:txBody>
                   <a:tcPr marL="0" marR="0" marT="58419" marB="0">
@@ -4746,7 +4105,7 @@
                         </a:spcBef>
                       </a:pPr>
                       <a:r>
-                        <a:rPr sz="900" spc="0">
+                        <a:rPr lang="de-DE" sz="900">
                           <a:solidFill>
                             <a:srgbClr val="020302"/>
                           </a:solidFill>
@@ -4755,10 +4114,6 @@
                         </a:rPr>
                         <a:t></a:t>
                       </a:r>
-                      <a:endParaRPr sz="900" spc="0">
-                        <a:latin typeface="Wingdings"/>
-                        <a:cs typeface="Wingdings"/>
-                      </a:endParaRPr>
                     </a:p>
                   </a:txBody>
                   <a:tcPr marL="0" marR="0" marT="64135" marB="0">
@@ -4790,7 +4145,7 @@
                     <a:bodyPr/>
                     <a:lstStyle/>
                     <a:p>
-                      <a:pPr marL="50800">
+                      <a:pPr marL="50800" algn="l" rtl="0">
                         <a:lnSpc>
                           <a:spcPct val="100000"/>
                         </a:lnSpc>
@@ -4857,16 +4212,12 @@
                         </a:spcBef>
                       </a:pPr>
                       <a:r>
-                        <a:rPr lang="en-US" sz="1100" b="0" i="0" spc="0">
+                        <a:rPr lang="de-DE" sz="1100" b="0" i="0">
                           <a:latin typeface="Adobe Clean Light" panose="020B0303020404020204" pitchFamily="34" charset="0"/>
                           <a:cs typeface="AdobeClean-Light"/>
                         </a:rPr>
-                        <a:t>Web Case Submissions </a:t>
+                        <a:t>Fallübermittlung über das Web </a:t>
                       </a:r>
-                      <a:endParaRPr sz="1100" b="0" i="0" spc="0">
-                        <a:latin typeface="Adobe Clean Light" panose="020B0303020404020204" pitchFamily="34" charset="0"/>
-                        <a:cs typeface="AdobeClean-Light"/>
-                      </a:endParaRPr>
                     </a:p>
                   </a:txBody>
                   <a:tcPr marL="0" marR="0" marT="57785" marB="0">
@@ -4905,7 +4256,7 @@
                         </a:spcBef>
                       </a:pPr>
                       <a:r>
-                        <a:rPr sz="900">
+                        <a:rPr lang="de-DE" sz="900">
                           <a:solidFill>
                             <a:srgbClr val="020302"/>
                           </a:solidFill>
@@ -4914,10 +4265,6 @@
                         </a:rPr>
                         <a:t></a:t>
                       </a:r>
-                      <a:endParaRPr sz="900">
-                        <a:latin typeface="Wingdings"/>
-                        <a:cs typeface="Wingdings"/>
-                      </a:endParaRPr>
                     </a:p>
                   </a:txBody>
                   <a:tcPr marL="0" marR="0" marT="58419" marB="0">
@@ -4954,7 +4301,7 @@
                         </a:spcBef>
                       </a:pPr>
                       <a:r>
-                        <a:rPr sz="900" spc="0">
+                        <a:rPr lang="de-DE" sz="900">
                           <a:solidFill>
                             <a:srgbClr val="020302"/>
                           </a:solidFill>
@@ -4963,10 +4310,6 @@
                         </a:rPr>
                         <a:t></a:t>
                       </a:r>
-                      <a:endParaRPr sz="900" spc="0">
-                        <a:latin typeface="Wingdings"/>
-                        <a:cs typeface="Wingdings"/>
-                      </a:endParaRPr>
                     </a:p>
                   </a:txBody>
                   <a:tcPr marL="0" marR="0" marT="58419" marB="0">
@@ -4998,7 +4341,7 @@
                     <a:bodyPr/>
                     <a:lstStyle/>
                     <a:p>
-                      <a:pPr marL="50800">
+                      <a:pPr marL="50800" algn="l" rtl="0">
                         <a:lnSpc>
                           <a:spcPct val="100000"/>
                         </a:lnSpc>
@@ -5047,19 +4390,15 @@
                         </a:spcBef>
                       </a:pPr>
                       <a:r>
-                        <a:rPr lang="en-US" sz="1100" b="0" i="0" spc="0" dirty="0">
+                        <a:rPr lang="de-DE" sz="1100" b="0" i="0">
                           <a:solidFill>
                             <a:srgbClr val="020302"/>
                           </a:solidFill>
                           <a:latin typeface="Adobe Clean Light" panose="020B0303020404020204" pitchFamily="34" charset="0"/>
                           <a:cs typeface="AdobeClean-Light"/>
                         </a:rPr>
-                        <a:t>Priority Case Routing</a:t>
+                        <a:t>Vorrangige Weiterleitung von Fällen</a:t>
                       </a:r>
-                      <a:endParaRPr sz="1100" b="0" i="0" spc="0" dirty="0">
-                        <a:latin typeface="Adobe Clean Light" panose="020B0303020404020204" pitchFamily="34" charset="0"/>
-                        <a:cs typeface="AdobeClean-Light"/>
-                      </a:endParaRPr>
                     </a:p>
                   </a:txBody>
                   <a:tcPr marL="0" marR="0" marT="58419" marB="0">
@@ -5082,7 +4421,7 @@
                     <a:bodyPr/>
                     <a:lstStyle/>
                     <a:p>
-                      <a:pPr algn="ctr">
+                      <a:pPr algn="l" rtl="0">
                         <a:lnSpc>
                           <a:spcPct val="100000"/>
                         </a:lnSpc>
@@ -5123,7 +4462,7 @@
                         </a:spcBef>
                       </a:pPr>
                       <a:r>
-                        <a:rPr sz="900" spc="0">
+                        <a:rPr lang="de-DE" sz="900">
                           <a:solidFill>
                             <a:srgbClr val="020302"/>
                           </a:solidFill>
@@ -5132,10 +4471,6 @@
                         </a:rPr>
                         <a:t></a:t>
                       </a:r>
-                      <a:endParaRPr sz="900" spc="0">
-                        <a:latin typeface="Wingdings"/>
-                        <a:cs typeface="Wingdings"/>
-                      </a:endParaRPr>
                     </a:p>
                   </a:txBody>
                   <a:tcPr marL="0" marR="0" marT="58419" marB="0">
@@ -5158,7 +4493,7 @@
                     <a:bodyPr/>
                     <a:lstStyle/>
                     <a:p>
-                      <a:pPr marL="50800">
+                      <a:pPr marL="50800" algn="l" rtl="0">
                         <a:lnSpc>
                           <a:spcPct val="100000"/>
                         </a:lnSpc>
@@ -5225,11 +4560,11 @@
                         <a:defRPr/>
                       </a:pPr>
                       <a:r>
-                        <a:rPr lang="en-US" sz="1100" b="0" i="0" spc="0" dirty="0">
+                        <a:rPr lang="de-DE" sz="1100" b="0" i="0">
                           <a:latin typeface="Adobe Clean Light" panose="020B0303020404020204" pitchFamily="34" charset="0"/>
                           <a:cs typeface="AdobeClean-Light"/>
                         </a:rPr>
-                        <a:t>Accelerated Issue Prioritization</a:t>
+                        <a:t>Beschleunigte Priorisierung von Problemen</a:t>
                       </a:r>
                     </a:p>
                   </a:txBody>
@@ -5259,7 +4594,7 @@
                     <a:bodyPr/>
                     <a:lstStyle/>
                     <a:p>
-                      <a:pPr algn="ctr">
+                      <a:pPr algn="l" rtl="0">
                         <a:lnSpc>
                           <a:spcPct val="100000"/>
                         </a:lnSpc>
@@ -5300,7 +4635,7 @@
                         </a:spcBef>
                       </a:pPr>
                       <a:r>
-                        <a:rPr sz="900" spc="0">
+                        <a:rPr lang="de-DE" sz="900">
                           <a:solidFill>
                             <a:srgbClr val="020302"/>
                           </a:solidFill>
@@ -5309,10 +4644,6 @@
                         </a:rPr>
                         <a:t></a:t>
                       </a:r>
-                      <a:endParaRPr sz="900" spc="0">
-                        <a:latin typeface="Wingdings"/>
-                        <a:cs typeface="Wingdings"/>
-                      </a:endParaRPr>
                     </a:p>
                   </a:txBody>
                   <a:tcPr marL="0" marR="0" marT="58419" marB="0">
@@ -5373,16 +4704,12 @@
                         </a:spcBef>
                       </a:pPr>
                       <a:r>
-                        <a:rPr lang="en-US" sz="1100" b="0" i="0" spc="0">
+                        <a:rPr lang="de-DE" sz="1100" b="0" i="0">
                           <a:latin typeface="Adobe Clean Light" panose="020B0303020404020204" pitchFamily="34" charset="0"/>
                           <a:cs typeface="AdobeClean-Light"/>
                         </a:rPr>
-                        <a:t>Escalation Management</a:t>
+                        <a:t>Eskalations-Management</a:t>
                       </a:r>
-                      <a:endParaRPr sz="1100" b="0" i="0" spc="0">
-                        <a:latin typeface="Adobe Clean Light" panose="020B0303020404020204" pitchFamily="34" charset="0"/>
-                        <a:cs typeface="AdobeClean-Light"/>
-                      </a:endParaRPr>
                     </a:p>
                   </a:txBody>
                   <a:tcPr marL="0" marR="0" marT="57150" marB="0">
@@ -5405,7 +4732,7 @@
                     <a:bodyPr/>
                     <a:lstStyle/>
                     <a:p>
-                      <a:pPr algn="ctr">
+                      <a:pPr algn="l" rtl="0">
                         <a:lnSpc>
                           <a:spcPct val="100000"/>
                         </a:lnSpc>
@@ -5446,7 +4773,7 @@
                         </a:spcBef>
                       </a:pPr>
                       <a:r>
-                        <a:rPr sz="900" spc="0">
+                        <a:rPr lang="de-DE" sz="900">
                           <a:solidFill>
                             <a:srgbClr val="020302"/>
                           </a:solidFill>
@@ -5455,10 +4782,6 @@
                         </a:rPr>
                         <a:t></a:t>
                       </a:r>
-                      <a:endParaRPr sz="900" spc="0">
-                        <a:latin typeface="Wingdings"/>
-                        <a:cs typeface="Wingdings"/>
-                      </a:endParaRPr>
                     </a:p>
                   </a:txBody>
                   <a:tcPr marL="0" marR="0" marT="59690" marB="0">
@@ -5519,16 +4842,12 @@
                         </a:spcBef>
                       </a:pPr>
                       <a:r>
-                        <a:rPr lang="en-US" sz="1100" b="0" i="0" spc="0" dirty="0">
+                        <a:rPr lang="de-DE" sz="1100" b="0" i="0">
                           <a:latin typeface="Adobe Clean Light" panose="020B0303020404020204" pitchFamily="34" charset="0"/>
                           <a:cs typeface="AdobeClean-Light"/>
                         </a:rPr>
-                        <a:t>Proactive Case Monitoring</a:t>
+                        <a:t>Proaktive Überwachung von Fällen</a:t>
                       </a:r>
-                      <a:endParaRPr sz="1100" b="0" i="0" spc="0" dirty="0">
-                        <a:latin typeface="Adobe Clean Light" panose="020B0303020404020204" pitchFamily="34" charset="0"/>
-                        <a:cs typeface="AdobeClean-Light"/>
-                      </a:endParaRPr>
                     </a:p>
                   </a:txBody>
                   <a:tcPr marL="0" marR="0" marT="57150" marB="0">
@@ -5551,7 +4870,7 @@
                     <a:bodyPr/>
                     <a:lstStyle/>
                     <a:p>
-                      <a:pPr algn="ctr">
+                      <a:pPr algn="l" rtl="0">
                         <a:lnSpc>
                           <a:spcPct val="100000"/>
                         </a:lnSpc>
@@ -5592,7 +4911,7 @@
                         </a:spcBef>
                       </a:pPr>
                       <a:r>
-                        <a:rPr sz="900" spc="0" dirty="0">
+                        <a:rPr lang="de-DE" sz="900">
                           <a:solidFill>
                             <a:srgbClr val="020302"/>
                           </a:solidFill>
@@ -5601,10 +4920,6 @@
                         </a:rPr>
                         <a:t></a:t>
                       </a:r>
-                      <a:endParaRPr sz="900" spc="0" dirty="0">
-                        <a:latin typeface="Wingdings"/>
-                        <a:cs typeface="Wingdings"/>
-                      </a:endParaRPr>
                     </a:p>
                   </a:txBody>
                   <a:tcPr marL="0" marR="0" marT="59690" marB="0">
@@ -5627,7 +4942,7 @@
                     <a:bodyPr/>
                     <a:lstStyle/>
                     <a:p>
-                      <a:pPr marL="48895">
+                      <a:pPr marL="48895" algn="l" rtl="0">
                         <a:lnSpc>
                           <a:spcPct val="100000"/>
                         </a:lnSpc>
@@ -5676,19 +4991,15 @@
                         </a:spcBef>
                       </a:pPr>
                       <a:r>
-                        <a:rPr lang="en-US" sz="1100" b="0" i="0" spc="0" dirty="0">
+                        <a:rPr lang="de-DE" sz="1100" b="0" i="0">
                           <a:solidFill>
                             <a:srgbClr val="020302"/>
                           </a:solidFill>
                           <a:latin typeface="Adobe Clean Light" panose="020B0303020404020204" pitchFamily="34" charset="0"/>
                           <a:cs typeface="AdobeClean-Light"/>
                         </a:rPr>
-                        <a:t>In-Region Support Option</a:t>
+                        <a:t>Option zum Support innerhalb der Region</a:t>
                       </a:r>
-                      <a:endParaRPr sz="1100" b="0" i="0" spc="0" dirty="0">
-                        <a:latin typeface="Adobe Clean Light" panose="020B0303020404020204" pitchFamily="34" charset="0"/>
-                        <a:cs typeface="AdobeClean-Light"/>
-                      </a:endParaRPr>
                     </a:p>
                   </a:txBody>
                   <a:tcPr marL="0" marR="0" marT="58419" marB="0">
@@ -5711,7 +5022,7 @@
                     <a:bodyPr/>
                     <a:lstStyle/>
                     <a:p>
-                      <a:pPr>
+                      <a:pPr algn="l" rtl="0">
                         <a:lnSpc>
                           <a:spcPct val="100000"/>
                         </a:lnSpc>
@@ -5749,7 +5060,7 @@
                         </a:spcBef>
                       </a:pPr>
                       <a:r>
-                        <a:rPr sz="900" spc="0" dirty="0">
+                        <a:rPr lang="de-DE" sz="900">
                           <a:solidFill>
                             <a:srgbClr val="020302"/>
                           </a:solidFill>
@@ -5758,10 +5069,6 @@
                         </a:rPr>
                         <a:t></a:t>
                       </a:r>
-                      <a:endParaRPr sz="900" spc="0" dirty="0">
-                        <a:latin typeface="Wingdings"/>
-                        <a:cs typeface="Wingdings"/>
-                      </a:endParaRPr>
                     </a:p>
                   </a:txBody>
                   <a:tcPr marL="0" marR="0" marT="59690" marB="0">
@@ -5784,7 +5091,7 @@
                     <a:bodyPr/>
                     <a:lstStyle/>
                     <a:p>
-                      <a:pPr marL="48895">
+                      <a:pPr marL="48895" algn="l" rtl="0">
                         <a:lnSpc>
                           <a:spcPct val="100000"/>
                         </a:lnSpc>
@@ -5814,19 +5121,15 @@
                         </a:spcBef>
                       </a:pPr>
                       <a:r>
-                        <a:rPr lang="en-US" sz="1100" b="0" i="0" spc="0">
+                        <a:rPr lang="de-DE" sz="1100" b="0" i="0">
                           <a:solidFill>
                             <a:srgbClr val="020302"/>
                           </a:solidFill>
                           <a:latin typeface="Adobe Clean Light" panose="020B0303020404020204" pitchFamily="34" charset="0"/>
                           <a:cs typeface="AdobeClean-Light"/>
                         </a:rPr>
-                        <a:t>Service Reviews</a:t>
+                        <a:t>Service-Prüfungen</a:t>
                       </a:r>
-                      <a:endParaRPr sz="1100" b="0" i="0" spc="0">
-                        <a:latin typeface="Adobe Clean Light" panose="020B0303020404020204" pitchFamily="34" charset="0"/>
-                        <a:cs typeface="AdobeClean-Light"/>
-                      </a:endParaRPr>
                     </a:p>
                   </a:txBody>
                   <a:tcPr marL="0" marR="0" marT="59055" marB="0">
@@ -5855,7 +5158,7 @@
                     <a:bodyPr/>
                     <a:lstStyle/>
                     <a:p>
-                      <a:pPr>
+                      <a:pPr algn="l" rtl="0">
                         <a:lnSpc>
                           <a:spcPct val="100000"/>
                         </a:lnSpc>
@@ -5893,29 +5196,15 @@
                         </a:spcBef>
                       </a:pPr>
                       <a:r>
-                        <a:rPr sz="900" spc="0" dirty="0">
+                        <a:rPr lang="de-DE" sz="900">
                           <a:solidFill>
                             <a:srgbClr val="020302"/>
                           </a:solidFill>
                           <a:latin typeface="AdobeClean-Light"/>
                           <a:cs typeface="AdobeClean-Light"/>
                         </a:rPr>
-                        <a:t>4</a:t>
+                        <a:t>4 Jahre</a:t>
                       </a:r>
-                      <a:r>
-                        <a:rPr lang="en-US" sz="900" spc="0" dirty="0">
-                          <a:solidFill>
-                            <a:srgbClr val="020302"/>
-                          </a:solidFill>
-                          <a:latin typeface="AdobeClean-Light"/>
-                          <a:cs typeface="AdobeClean-Light"/>
-                        </a:rPr>
-                        <a:t>/year</a:t>
-                      </a:r>
-                      <a:endParaRPr sz="900" spc="0" dirty="0">
-                        <a:latin typeface="AdobeClean-Light"/>
-                        <a:cs typeface="AdobeClean-Light"/>
-                      </a:endParaRPr>
                     </a:p>
                   </a:txBody>
                   <a:tcPr marL="0" marR="0" marT="57150" marB="0">
@@ -5938,7 +5227,7 @@
                     <a:bodyPr/>
                     <a:lstStyle/>
                     <a:p>
-                      <a:pPr marL="49530">
+                      <a:pPr marL="49530" algn="l" rtl="0">
                         <a:lnSpc>
                           <a:spcPct val="100000"/>
                         </a:lnSpc>
@@ -5968,16 +5257,12 @@
                         </a:spcBef>
                       </a:pPr>
                       <a:r>
-                        <a:rPr lang="en-US" sz="1100" b="0" i="0" spc="0">
+                        <a:rPr lang="de-DE" sz="1100" b="0" i="0">
                           <a:latin typeface="Adobe Clean Light" panose="020B0303020404020204" pitchFamily="34" charset="0"/>
                           <a:cs typeface="AdobeClean-Light"/>
                         </a:rPr>
-                        <a:t>Case Reviews</a:t>
+                        <a:t>Fallprüfungen</a:t>
                       </a:r>
-                      <a:endParaRPr sz="1100" b="0" i="0" spc="0">
-                        <a:latin typeface="Adobe Clean Light" panose="020B0303020404020204" pitchFamily="34" charset="0"/>
-                        <a:cs typeface="AdobeClean-Light"/>
-                      </a:endParaRPr>
                     </a:p>
                   </a:txBody>
                   <a:tcPr marL="0" marR="0" marT="63500" marB="0">
@@ -6006,7 +5291,7 @@
                     <a:bodyPr/>
                     <a:lstStyle/>
                     <a:p>
-                      <a:pPr>
+                      <a:pPr algn="l" rtl="0">
                         <a:lnSpc>
                           <a:spcPct val="100000"/>
                         </a:lnSpc>
@@ -6044,16 +5329,12 @@
                         </a:spcBef>
                       </a:pPr>
                       <a:r>
-                        <a:rPr lang="en-US" sz="900" spc="0">
+                        <a:rPr lang="de-DE" sz="900">
                           <a:latin typeface="AdobeClean-Light"/>
                           <a:cs typeface="AdobeClean-Light"/>
                         </a:rPr>
-                        <a:t>2/month</a:t>
+                        <a:t>2 Monate</a:t>
                       </a:r>
-                      <a:endParaRPr sz="900" spc="0">
-                        <a:latin typeface="AdobeClean-Light"/>
-                        <a:cs typeface="AdobeClean-Light"/>
-                      </a:endParaRPr>
                     </a:p>
                   </a:txBody>
                   <a:tcPr marL="0" marR="0" marT="57150" marB="0">
@@ -6132,11 +5413,11 @@
                         <a:defRPr/>
                       </a:pPr>
                       <a:r>
-                        <a:rPr lang="en-US" sz="1100" b="0" i="0" spc="0">
+                        <a:rPr lang="de-DE" sz="1100" b="0" i="0">
                           <a:latin typeface="Adobe Clean Light" panose="020B0303020404020204" pitchFamily="34" charset="0"/>
                           <a:cs typeface="AdobeClean-Light"/>
                         </a:rPr>
-                        <a:t>Solution Review</a:t>
+                        <a:t>Lösungsprüfung</a:t>
                       </a:r>
                     </a:p>
                   </a:txBody>
@@ -6166,7 +5447,7 @@
                     <a:bodyPr/>
                     <a:lstStyle/>
                     <a:p>
-                      <a:pPr>
+                      <a:pPr algn="l" rtl="0">
                         <a:lnSpc>
                           <a:spcPct val="100000"/>
                         </a:lnSpc>
@@ -6204,7 +5485,7 @@
                         </a:spcBef>
                       </a:pPr>
                       <a:r>
-                        <a:rPr sz="900" spc="0">
+                        <a:rPr lang="de-DE" sz="900">
                           <a:solidFill>
                             <a:srgbClr val="020302"/>
                           </a:solidFill>
@@ -6213,10 +5494,6 @@
                         </a:rPr>
                         <a:t></a:t>
                       </a:r>
-                      <a:endParaRPr sz="900" spc="0">
-                        <a:latin typeface="Wingdings"/>
-                        <a:cs typeface="Wingdings"/>
-                      </a:endParaRPr>
                     </a:p>
                   </a:txBody>
                   <a:tcPr marL="0" marR="0" marT="59690" marB="0">
@@ -6286,11 +5563,11 @@
                         <a:defRPr/>
                       </a:pPr>
                       <a:r>
-                        <a:rPr lang="en-US" sz="1100" b="0" i="0" spc="0" dirty="0">
+                        <a:rPr lang="de-DE" sz="1100" b="0" i="0">
                           <a:latin typeface="Adobe Clean Light" panose="020B0303020404020204" pitchFamily="34" charset="0"/>
                           <a:cs typeface="AdobeClean-Light"/>
                         </a:rPr>
-                        <a:t>Roadmap Review </a:t>
+                        <a:t>Roadmap-Prüfung </a:t>
                       </a:r>
                     </a:p>
                   </a:txBody>
@@ -6314,7 +5591,7 @@
                     <a:bodyPr/>
                     <a:lstStyle/>
                     <a:p>
-                      <a:pPr>
+                      <a:pPr algn="l" rtl="0">
                         <a:lnSpc>
                           <a:spcPct val="100000"/>
                         </a:lnSpc>
@@ -6352,7 +5629,7 @@
                         </a:spcBef>
                       </a:pPr>
                       <a:r>
-                        <a:rPr sz="900" spc="0">
+                        <a:rPr lang="de-DE" sz="900">
                           <a:solidFill>
                             <a:srgbClr val="020302"/>
                           </a:solidFill>
@@ -6361,10 +5638,6 @@
                         </a:rPr>
                         <a:t></a:t>
                       </a:r>
-                      <a:endParaRPr sz="900" spc="0">
-                        <a:latin typeface="Wingdings"/>
-                        <a:cs typeface="Wingdings"/>
-                      </a:endParaRPr>
                     </a:p>
                   </a:txBody>
                   <a:tcPr marL="0" marR="0" marT="59690" marB="0">
@@ -6434,19 +5707,15 @@
                         <a:defRPr/>
                       </a:pPr>
                       <a:r>
-                        <a:rPr lang="en-US" sz="1100" b="0" i="0" spc="0">
+                        <a:rPr lang="de-DE" sz="1100" b="0" i="0">
                           <a:solidFill>
                             <a:srgbClr val="020302"/>
                           </a:solidFill>
                           <a:latin typeface="Adobe Clean Light" panose="020B0303020404020204" pitchFamily="34" charset="0"/>
                           <a:cs typeface="AdobeClean-Light"/>
                         </a:rPr>
-                        <a:t>Additional Named Support Contacts </a:t>
+                        <a:t>Zusätzliche ernannte Support-Kontakte </a:t>
                       </a:r>
-                      <a:endParaRPr lang="en-US" sz="1100" b="0" i="0" spc="0">
-                        <a:latin typeface="Adobe Clean Light" panose="020B0303020404020204" pitchFamily="34" charset="0"/>
-                        <a:cs typeface="AdobeClean-Light"/>
-                      </a:endParaRPr>
                     </a:p>
                   </a:txBody>
                   <a:tcPr marL="0" marR="0" marT="63500" marB="0">
@@ -6469,7 +5738,7 @@
                     <a:bodyPr/>
                     <a:lstStyle/>
                     <a:p>
-                      <a:pPr>
+                      <a:pPr algn="l" rtl="0">
                         <a:lnSpc>
                           <a:spcPct val="100000"/>
                         </a:lnSpc>
@@ -6516,7 +5785,7 @@
                         <a:defRPr/>
                       </a:pPr>
                       <a:r>
-                        <a:rPr lang="en-US" sz="900" spc="0">
+                        <a:rPr lang="de-DE" sz="900">
                           <a:solidFill>
                             <a:srgbClr val="020302"/>
                           </a:solidFill>
@@ -6525,10 +5794,6 @@
                         </a:rPr>
                         <a:t></a:t>
                       </a:r>
-                      <a:endParaRPr lang="en-US" sz="900" spc="0">
-                        <a:latin typeface="Wingdings"/>
-                        <a:cs typeface="Wingdings"/>
-                      </a:endParaRPr>
                     </a:p>
                   </a:txBody>
                   <a:tcPr marL="0" marR="0" marT="64135" marB="0">
@@ -6598,16 +5863,12 @@
                         </a:spcBef>
                       </a:pPr>
                       <a:r>
-                        <a:rPr lang="en-US" sz="1100" b="0" i="0" spc="0" dirty="0">
+                        <a:rPr lang="de-DE" sz="1100" b="0" i="0">
                           <a:latin typeface="Adobe Clean Light" panose="020B0303020404020204" pitchFamily="34" charset="0"/>
                           <a:cs typeface="AdobeClean-Light"/>
                         </a:rPr>
-                        <a:t>Upgrade/Migration Planning</a:t>
+                        <a:t>Planung für Upgrades/Migration</a:t>
                       </a:r>
-                      <a:endParaRPr sz="1100" b="0" i="0" spc="0" dirty="0">
-                        <a:latin typeface="Adobe Clean Light" panose="020B0303020404020204" pitchFamily="34" charset="0"/>
-                        <a:cs typeface="AdobeClean-Light"/>
-                      </a:endParaRPr>
                     </a:p>
                   </a:txBody>
                   <a:tcPr marL="0" marR="0" marT="63500" marB="0">
@@ -6639,7 +5900,7 @@
                     <a:bodyPr/>
                     <a:lstStyle/>
                     <a:p>
-                      <a:pPr>
+                      <a:pPr algn="l" rtl="0">
                         <a:lnSpc>
                           <a:spcPct val="100000"/>
                         </a:lnSpc>
@@ -6695,7 +5956,7 @@
                         <a:defRPr/>
                       </a:pPr>
                       <a:r>
-                        <a:rPr lang="en-US" sz="900" spc="0" dirty="0">
+                        <a:rPr lang="de-DE" sz="900">
                           <a:solidFill>
                             <a:srgbClr val="020302"/>
                           </a:solidFill>
@@ -6704,10 +5965,6 @@
                         </a:rPr>
                         <a:t></a:t>
                       </a:r>
-                      <a:endParaRPr lang="en-US" sz="900" spc="0" dirty="0">
-                        <a:latin typeface="Wingdings"/>
-                        <a:cs typeface="Wingdings"/>
-                      </a:endParaRPr>
                     </a:p>
                   </a:txBody>
                   <a:tcPr marL="0" marR="0" marT="64135" marB="0">
@@ -6758,16 +6015,12 @@
                         </a:spcBef>
                       </a:pPr>
                       <a:r>
-                        <a:rPr lang="en-US" sz="1100" b="0" i="0" spc="0" dirty="0">
+                        <a:rPr lang="de-DE" sz="1100" b="0" i="0">
                           <a:latin typeface="Adobe Clean Light" panose="020B0303020404020204" pitchFamily="34" charset="0"/>
                           <a:cs typeface="AdobeClean-Light"/>
                         </a:rPr>
-                        <a:t>Release Preparation and Planning</a:t>
+                        <a:t>Versionsvorbereitung und -planung</a:t>
                       </a:r>
-                      <a:endParaRPr sz="1100" b="0" i="0" spc="0" dirty="0">
-                        <a:latin typeface="Adobe Clean Light" panose="020B0303020404020204" pitchFamily="34" charset="0"/>
-                        <a:cs typeface="AdobeClean-Light"/>
-                      </a:endParaRPr>
                     </a:p>
                   </a:txBody>
                   <a:tcPr marL="0" marR="0" marT="63500" marB="0">
@@ -6814,7 +6067,7 @@
                     <a:bodyPr/>
                     <a:lstStyle/>
                     <a:p>
-                      <a:pPr>
+                      <a:pPr algn="l" rtl="0">
                         <a:lnSpc>
                           <a:spcPct val="100000"/>
                         </a:lnSpc>
@@ -6879,7 +6132,7 @@
                         <a:defRPr/>
                       </a:pPr>
                       <a:r>
-                        <a:rPr lang="en-US" sz="900" spc="0" dirty="0">
+                        <a:rPr lang="de-DE" sz="900">
                           <a:solidFill>
                             <a:srgbClr val="020302"/>
                           </a:solidFill>
@@ -6888,10 +6141,6 @@
                         </a:rPr>
                         <a:t></a:t>
                       </a:r>
-                      <a:endParaRPr lang="en-US" sz="900" spc="0" dirty="0">
-                        <a:latin typeface="Wingdings"/>
-                        <a:cs typeface="Wingdings"/>
-                      </a:endParaRPr>
                     </a:p>
                   </a:txBody>
                   <a:tcPr marL="0" marR="0" marT="64135" marB="0">
@@ -6932,7 +6181,7 @@
                     <a:bodyPr/>
                     <a:lstStyle/>
                     <a:p>
-                      <a:pPr marL="49530">
+                      <a:pPr marL="49530" algn="l" rtl="0">
                         <a:lnSpc>
                           <a:spcPct val="100000"/>
                         </a:lnSpc>
@@ -6996,16 +6245,12 @@
                         </a:spcBef>
                       </a:pPr>
                       <a:r>
-                        <a:rPr lang="en-US" sz="1100" b="0" i="0" spc="0" dirty="0">
+                        <a:rPr lang="de-DE" sz="1100" b="0" i="0" dirty="0">
                           <a:latin typeface="Adobe Clean Light" panose="020B0303020404020204" pitchFamily="34" charset="0"/>
                           <a:cs typeface="AdobeClean-Light"/>
                         </a:rPr>
                         <a:t>Executive Sponsor</a:t>
                       </a:r>
-                      <a:endParaRPr sz="1100" b="0" i="0" spc="0" dirty="0">
-                        <a:latin typeface="Adobe Clean Light" panose="020B0303020404020204" pitchFamily="34" charset="0"/>
-                        <a:cs typeface="AdobeClean-Light"/>
-                      </a:endParaRPr>
                     </a:p>
                   </a:txBody>
                   <a:tcPr marL="0" marR="0" marT="67310" marB="0">
@@ -7049,7 +6294,7 @@
                     <a:bodyPr/>
                     <a:lstStyle/>
                     <a:p>
-                      <a:pPr>
+                      <a:pPr algn="l" rtl="0">
                         <a:lnSpc>
                           <a:spcPct val="100000"/>
                         </a:lnSpc>
@@ -7114,7 +6359,7 @@
                         </a:spcBef>
                       </a:pPr>
                       <a:r>
-                        <a:rPr sz="900" spc="0" dirty="0">
+                        <a:rPr lang="de-DE" sz="900" dirty="0">
                           <a:solidFill>
                             <a:srgbClr val="020302"/>
                           </a:solidFill>
@@ -7123,10 +6368,6 @@
                         </a:rPr>
                         <a:t></a:t>
                       </a:r>
-                      <a:endParaRPr sz="900" spc="0" dirty="0">
-                        <a:latin typeface="Wingdings"/>
-                        <a:cs typeface="Wingdings"/>
-                      </a:endParaRPr>
                     </a:p>
                   </a:txBody>
                   <a:tcPr marL="0" marR="0" marT="62230" marB="0">
@@ -7189,14 +6430,14 @@
           <p:nvPr>
             <p:extLst>
               <p:ext uri="{D42A27DB-BD31-4B8C-83A1-F6EECF244321}">
-                <p14:modId xmlns:p14="http://schemas.microsoft.com/office/powerpoint/2010/main" val="2386093707"/>
+                <p14:modId xmlns:p14="http://schemas.microsoft.com/office/powerpoint/2010/main" val="2764254786"/>
               </p:ext>
             </p:extLst>
           </p:nvPr>
         </p:nvGraphicFramePr>
         <p:xfrm>
-          <a:off x="209607" y="7483227"/>
-          <a:ext cx="7281936" cy="2361428"/>
+          <a:off x="209607" y="7338447"/>
+          <a:ext cx="7281936" cy="2534533"/>
         </p:xfrm>
         <a:graphic>
           <a:graphicData uri="http://schemas.openxmlformats.org/drawingml/2006/table">
@@ -7205,35 +6446,35 @@
                 <a:tableStyleId>{2D5ABB26-0587-4C30-8999-92F81FD0307C}</a:tableStyleId>
               </a:tblPr>
               <a:tblGrid>
-                <a:gridCol w="3640970">
+                <a:gridCol w="3874713">
                   <a:extLst>
                     <a:ext uri="{9D8B030D-6E8A-4147-A177-3AD203B41FA5}">
                       <a16:colId xmlns:a16="http://schemas.microsoft.com/office/drawing/2014/main" val="20000"/>
                     </a:ext>
                   </a:extLst>
                 </a:gridCol>
-                <a:gridCol w="950023">
+                <a:gridCol w="906780">
                   <a:extLst>
                     <a:ext uri="{9D8B030D-6E8A-4147-A177-3AD203B41FA5}">
                       <a16:colId xmlns:a16="http://schemas.microsoft.com/office/drawing/2014/main" val="20001"/>
                     </a:ext>
                   </a:extLst>
                 </a:gridCol>
-                <a:gridCol w="896981">
+                <a:gridCol w="853440">
                   <a:extLst>
                     <a:ext uri="{9D8B030D-6E8A-4147-A177-3AD203B41FA5}">
                       <a16:colId xmlns:a16="http://schemas.microsoft.com/office/drawing/2014/main" val="20002"/>
                     </a:ext>
                   </a:extLst>
                 </a:gridCol>
-                <a:gridCol w="896981">
+                <a:gridCol w="982980">
                   <a:extLst>
                     <a:ext uri="{9D8B030D-6E8A-4147-A177-3AD203B41FA5}">
                       <a16:colId xmlns:a16="http://schemas.microsoft.com/office/drawing/2014/main" val="20003"/>
                     </a:ext>
                   </a:extLst>
                 </a:gridCol>
-                <a:gridCol w="896981">
+                <a:gridCol w="664023">
                   <a:extLst>
                     <a:ext uri="{9D8B030D-6E8A-4147-A177-3AD203B41FA5}">
                       <a16:colId xmlns:a16="http://schemas.microsoft.com/office/drawing/2014/main" val="20004"/>
@@ -7241,7 +6482,7 @@
                   </a:extLst>
                 </a:gridCol>
               </a:tblGrid>
-              <a:tr h="289173">
+              <a:tr h="212973">
                 <a:tc>
                   <a:txBody>
                     <a:bodyPr/>
@@ -7256,19 +6497,15 @@
                         </a:spcBef>
                       </a:pPr>
                       <a:r>
-                        <a:rPr sz="900" spc="0">
+                        <a:rPr lang="de-DE" sz="900" dirty="0">
                           <a:solidFill>
                             <a:srgbClr val="020302"/>
                           </a:solidFill>
                           <a:latin typeface="Adobe Clean"/>
                           <a:cs typeface="Adobe Clean"/>
                         </a:rPr>
-                        <a:t>Priority</a:t>
+                        <a:t>Priorität</a:t>
                       </a:r>
-                      <a:endParaRPr sz="900" spc="0">
-                        <a:latin typeface="Adobe Clean"/>
-                        <a:cs typeface="Adobe Clean"/>
-                      </a:endParaRPr>
                     </a:p>
                   </a:txBody>
                   <a:tcPr marL="0" marR="0" marT="7620" marB="0" anchor="ctr">
@@ -7315,49 +6552,15 @@
                         </a:spcBef>
                       </a:pPr>
                       <a:r>
-                        <a:rPr lang="en-US" sz="900" spc="0">
+                        <a:rPr lang="de-DE" sz="900">
                           <a:solidFill>
                             <a:srgbClr val="020302"/>
                           </a:solidFill>
                           <a:latin typeface="Adobe Clean"/>
                           <a:cs typeface="Adobe Clean"/>
                         </a:rPr>
-                        <a:t>Standard</a:t>
+                        <a:t>Standard Support</a:t>
                       </a:r>
-                      <a:r>
-                        <a:rPr sz="900" spc="0">
-                          <a:solidFill>
-                            <a:srgbClr val="020302"/>
-                          </a:solidFill>
-                          <a:latin typeface="Adobe Clean"/>
-                          <a:cs typeface="Adobe Clean"/>
-                        </a:rPr>
-                        <a:t> </a:t>
-                      </a:r>
-                      <a:r>
-                        <a:rPr lang="en-US" sz="900" spc="0">
-                          <a:solidFill>
-                            <a:srgbClr val="020302"/>
-                          </a:solidFill>
-                          <a:latin typeface="Adobe Clean"/>
-                          <a:cs typeface="Adobe Clean"/>
-                        </a:rPr>
-                        <a:t> </a:t>
-                      </a:r>
-                      <a:r>
-                        <a:rPr sz="900" spc="0">
-                          <a:solidFill>
-                            <a:srgbClr val="020302"/>
-                          </a:solidFill>
-                          <a:latin typeface="Adobe Clean"/>
-                          <a:cs typeface="Adobe Clean"/>
-                        </a:rPr>
-                        <a:t>Support</a:t>
-                      </a:r>
-                      <a:endParaRPr sz="900" spc="0">
-                        <a:latin typeface="Adobe Clean"/>
-                        <a:cs typeface="Adobe Clean"/>
-                      </a:endParaRPr>
                     </a:p>
                   </a:txBody>
                   <a:tcPr marL="0" marR="0" marT="0" marB="0" anchor="ctr">
@@ -7407,39 +6610,15 @@
                         </a:spcBef>
                       </a:pPr>
                       <a:r>
-                        <a:rPr sz="900" spc="0">
+                        <a:rPr lang="de-DE" sz="900">
                           <a:solidFill>
                             <a:srgbClr val="FFFFFF"/>
                           </a:solidFill>
                           <a:latin typeface="Adobe Clean"/>
                           <a:cs typeface="Adobe Clean"/>
                         </a:rPr>
-                        <a:t>Business</a:t>
+                        <a:t>Business Support</a:t>
                       </a:r>
-                      <a:r>
-                        <a:rPr lang="en-US" sz="900" spc="0">
-                          <a:solidFill>
-                            <a:srgbClr val="FFFFFF"/>
-                          </a:solidFill>
-                          <a:latin typeface="Adobe Clean"/>
-                          <a:cs typeface="Adobe Clean"/>
-                        </a:rPr>
-                        <a:t> </a:t>
-                      </a:r>
-                      <a:r>
-                        <a:rPr sz="900" spc="0">
-                          <a:solidFill>
-                            <a:srgbClr val="FFFFFF"/>
-                          </a:solidFill>
-                          <a:latin typeface="Adobe Clean"/>
-                          <a:cs typeface="Adobe Clean"/>
-                        </a:rPr>
-                        <a:t>Support</a:t>
-                      </a:r>
-                      <a:endParaRPr sz="900" spc="0">
-                        <a:latin typeface="Adobe Clean"/>
-                        <a:cs typeface="Adobe Clean"/>
-                      </a:endParaRPr>
                     </a:p>
                   </a:txBody>
                   <a:tcPr marL="0" marR="0" marT="0" marB="0" anchor="ctr">
@@ -7486,39 +6665,15 @@
                         </a:spcBef>
                       </a:pPr>
                       <a:r>
-                        <a:rPr sz="900" spc="0">
+                        <a:rPr lang="de-DE" sz="900" dirty="0">
                           <a:solidFill>
                             <a:srgbClr val="FFFFFF"/>
                           </a:solidFill>
                           <a:latin typeface="Adobe Clean"/>
                           <a:cs typeface="Adobe Clean"/>
                         </a:rPr>
-                        <a:t>Enterprise </a:t>
+                        <a:t>Enterprise Support</a:t>
                       </a:r>
-                      <a:r>
-                        <a:rPr lang="en-US" sz="900" spc="0">
-                          <a:solidFill>
-                            <a:srgbClr val="FFFFFF"/>
-                          </a:solidFill>
-                          <a:latin typeface="Adobe Clean"/>
-                          <a:cs typeface="Adobe Clean"/>
-                        </a:rPr>
-                        <a:t> </a:t>
-                      </a:r>
-                      <a:r>
-                        <a:rPr sz="900" spc="0">
-                          <a:solidFill>
-                            <a:srgbClr val="FFFFFF"/>
-                          </a:solidFill>
-                          <a:latin typeface="Adobe Clean"/>
-                          <a:cs typeface="Adobe Clean"/>
-                        </a:rPr>
-                        <a:t>Support</a:t>
-                      </a:r>
-                      <a:endParaRPr sz="900" spc="0">
-                        <a:latin typeface="Adobe Clean"/>
-                        <a:cs typeface="Adobe Clean"/>
-                      </a:endParaRPr>
                     </a:p>
                   </a:txBody>
                   <a:tcPr marL="0" marR="0" marT="0" marB="0" anchor="ctr">
@@ -7565,39 +6720,15 @@
                         </a:spcBef>
                       </a:pPr>
                       <a:r>
-                        <a:rPr sz="900" spc="0">
+                        <a:rPr lang="de-DE" sz="900" dirty="0">
                           <a:solidFill>
                             <a:srgbClr val="FFFFFF"/>
                           </a:solidFill>
                           <a:latin typeface="Adobe Clean"/>
                           <a:cs typeface="Adobe Clean"/>
                         </a:rPr>
-                        <a:t>Elite</a:t>
+                        <a:t>Elite Support</a:t>
                       </a:r>
-                      <a:r>
-                        <a:rPr lang="en-US" sz="900" spc="0">
-                          <a:solidFill>
-                            <a:srgbClr val="FFFFFF"/>
-                          </a:solidFill>
-                          <a:latin typeface="Adobe Clean"/>
-                          <a:cs typeface="Adobe Clean"/>
-                        </a:rPr>
-                        <a:t> </a:t>
-                      </a:r>
-                      <a:r>
-                        <a:rPr sz="900" spc="0">
-                          <a:solidFill>
-                            <a:srgbClr val="FFFFFF"/>
-                          </a:solidFill>
-                          <a:latin typeface="Adobe Clean"/>
-                          <a:cs typeface="Adobe Clean"/>
-                        </a:rPr>
-                        <a:t>Support</a:t>
-                      </a:r>
-                      <a:endParaRPr sz="900" spc="0">
-                        <a:latin typeface="Adobe Clean"/>
-                        <a:cs typeface="Adobe Clean"/>
-                      </a:endParaRPr>
                     </a:p>
                   </a:txBody>
                   <a:tcPr marL="0" marR="0" marT="0" marB="0" anchor="ctr">
@@ -7651,19 +6782,15 @@
                         </a:spcBef>
                       </a:pPr>
                       <a:r>
-                        <a:rPr sz="900" b="1" spc="0">
+                        <a:rPr lang="de-DE" sz="900" b="1" dirty="0">
                           <a:solidFill>
                             <a:srgbClr val="020302"/>
                           </a:solidFill>
                           <a:latin typeface="Adobe Clean"/>
                           <a:cs typeface="Adobe Clean"/>
                         </a:rPr>
-                        <a:t>PRIORITY 1</a:t>
+                        <a:t>PRIORITÄT 1</a:t>
                       </a:r>
-                      <a:endParaRPr sz="900" spc="0">
-                        <a:latin typeface="Adobe Clean"/>
-                        <a:cs typeface="Adobe Clean"/>
-                      </a:endParaRPr>
                     </a:p>
                     <a:p>
                       <a:pPr marL="50800" marR="387985">
@@ -7671,23 +6798,21 @@
                           <a:spcPts val="1000"/>
                         </a:lnSpc>
                         <a:spcBef>
-                          <a:spcPts val="420"/>
+                          <a:spcPts val="215"/>
                         </a:spcBef>
+                        <a:spcAft>
+                          <a:spcPts val="215"/>
+                        </a:spcAft>
                       </a:pPr>
                       <a:r>
-                        <a:rPr lang="en-US" sz="900" b="0" i="0" spc="0">
+                        <a:rPr lang="de-DE" sz="900" b="0" i="0" dirty="0">
                           <a:solidFill>
                             <a:srgbClr val="000000"/>
                           </a:solidFill>
-                          <a:effectLst/>
                           <a:latin typeface="Adobe Clean Light" panose="020B0303020404020204" pitchFamily="34" charset="0"/>
                         </a:rPr>
-                        <a:t>Customer's production business functions are down or have significant data loss or service degradation and immediate attention is required to restore functionality and usability. </a:t>
+                        <a:t>Die Produktionsfunktionen im Unternehmen des Kunden sind ausgefallen oder weisen einen erheblichen Datenverlust oder eine Beeinträchtigung des Service auf und ein sofortiges Eingreifen ist nötig, um Funktionalität und Nutzbarkeit wiederherzustellen. </a:t>
                       </a:r>
-                      <a:endParaRPr sz="900" spc="0">
-                        <a:latin typeface="AdobeClean-Light"/>
-                        <a:cs typeface="AdobeClean-Light"/>
-                      </a:endParaRPr>
                     </a:p>
                   </a:txBody>
                   <a:tcPr marL="0" marR="0" marT="0" marB="0" anchor="ctr">
@@ -7734,7 +6859,7 @@
                         </a:spcBef>
                       </a:pPr>
                       <a:r>
-                        <a:rPr lang="en-US" sz="900" spc="0">
+                        <a:rPr lang="de-DE" sz="900">
                           <a:solidFill>
                             <a:srgbClr val="020302"/>
                           </a:solidFill>
@@ -7754,19 +6879,15 @@
                         </a:spcBef>
                       </a:pPr>
                       <a:r>
-                        <a:rPr lang="en-US" sz="900" spc="0">
+                        <a:rPr lang="de-DE" sz="900">
                           <a:solidFill>
                             <a:srgbClr val="020302"/>
                           </a:solidFill>
                           <a:latin typeface="AdobeClean-Light"/>
                           <a:cs typeface="AdobeClean-Light"/>
                         </a:rPr>
-                        <a:t> 30 minutes</a:t>
+                        <a:t> 30 Minuten</a:t>
                       </a:r>
-                      <a:endParaRPr lang="en-US" sz="900" spc="0">
-                        <a:latin typeface="AdobeClean-Light"/>
-                        <a:cs typeface="AdobeClean-Light"/>
-                      </a:endParaRPr>
                     </a:p>
                   </a:txBody>
                   <a:tcPr marL="0" marR="0" marT="0" marB="0" anchor="ctr">
@@ -7811,10 +6932,10 @@
                         <a:tabLst/>
                       </a:pPr>
                       <a:r>
-                        <a:rPr lang="en-US" sz="900" i="0" spc="0" dirty="0">
+                        <a:rPr lang="de-DE" sz="900" i="0" dirty="0">
                           <a:latin typeface="AdobeClean-Light"/>
                         </a:rPr>
-                        <a:t>Customers who purchase a Support Plan for applicable Adobe Products and Services receive priority case routing that fast-tracks cases to Adobe’s Support Engineers. </a:t>
+                        <a:t>Kunden, die einen Support-Plan für die entsprechenden Adobe-Produkte und -Services erwerben, erhalten eine bevorzugte Weiterleitung von Fällen an die Support-Techniker von Adobe. </a:t>
                       </a:r>
                     </a:p>
                   </a:txBody>
@@ -7862,7 +6983,7 @@
                         </a:spcBef>
                       </a:pPr>
                       <a:r>
-                        <a:rPr sz="900" spc="0">
+                        <a:rPr lang="de-DE" sz="900">
                           <a:solidFill>
                             <a:srgbClr val="020302"/>
                           </a:solidFill>
@@ -7872,67 +6993,8 @@
                           <a:latin typeface="AdobeClean-Light"/>
                           <a:cs typeface="AdobeClean-Light"/>
                         </a:rPr>
-                        <a:t>24x7 /  </a:t>
+                        <a:t>24x7/30 Minuten</a:t>
                       </a:r>
-                      <a:r>
-                        <a:rPr lang="en-US" sz="900" spc="0">
-                          <a:solidFill>
-                            <a:srgbClr val="020302"/>
-                          </a:solidFill>
-                          <a:highlight>
-                            <a:srgbClr val="FFFF00"/>
-                          </a:highlight>
-                          <a:latin typeface="AdobeClean-Light"/>
-                          <a:cs typeface="AdobeClean-Light"/>
-                        </a:rPr>
-                        <a:t>         </a:t>
-                      </a:r>
-                      <a:r>
-                        <a:rPr sz="900" spc="0">
-                          <a:solidFill>
-                            <a:srgbClr val="020302"/>
-                          </a:solidFill>
-                          <a:highlight>
-                            <a:srgbClr val="FFFF00"/>
-                          </a:highlight>
-                          <a:latin typeface="AdobeClean-Light"/>
-                          <a:cs typeface="AdobeClean-Light"/>
-                        </a:rPr>
-                        <a:t>30</a:t>
-                      </a:r>
-                      <a:r>
-                        <a:rPr lang="en-US" sz="900" spc="0">
-                          <a:solidFill>
-                            <a:srgbClr val="020302"/>
-                          </a:solidFill>
-                          <a:highlight>
-                            <a:srgbClr val="FFFF00"/>
-                          </a:highlight>
-                          <a:latin typeface="AdobeClean-Light"/>
-                          <a:cs typeface="AdobeClean-Light"/>
-                        </a:rPr>
-                        <a:t> </a:t>
-                      </a:r>
-                      <a:r>
-                        <a:rPr sz="900" spc="0">
-                          <a:solidFill>
-                            <a:srgbClr val="020302"/>
-                          </a:solidFill>
-                          <a:highlight>
-                            <a:srgbClr val="FFFF00"/>
-                          </a:highlight>
-                          <a:latin typeface="AdobeClean-Light"/>
-                          <a:cs typeface="AdobeClean-Light"/>
-                        </a:rPr>
-                        <a:t>minutes</a:t>
-                      </a:r>
-                      <a:endParaRPr sz="900" spc="0">
-                        <a:highlight>
-                          <a:srgbClr val="FFFF00"/>
-                        </a:highlight>
-                        <a:latin typeface="AdobeClean-Light"/>
-                        <a:cs typeface="AdobeClean-Light"/>
-                      </a:endParaRPr>
                     </a:p>
                   </a:txBody>
                   <a:tcPr marL="0" marR="0" marT="0" marB="0" anchor="ctr">
@@ -7976,7 +7038,7 @@
                         </a:spcBef>
                       </a:pPr>
                       <a:r>
-                        <a:rPr sz="900" spc="0">
+                        <a:rPr lang="de-DE" sz="900">
                           <a:solidFill>
                             <a:srgbClr val="020302"/>
                           </a:solidFill>
@@ -7986,67 +7048,8 @@
                           <a:latin typeface="AdobeClean-Light"/>
                           <a:cs typeface="AdobeClean-Light"/>
                         </a:rPr>
-                        <a:t>24x7 / </a:t>
+                        <a:t>24x7/15 Minuten</a:t>
                       </a:r>
-                      <a:r>
-                        <a:rPr lang="en-US" sz="900" spc="0">
-                          <a:solidFill>
-                            <a:srgbClr val="020302"/>
-                          </a:solidFill>
-                          <a:highlight>
-                            <a:srgbClr val="FFFF00"/>
-                          </a:highlight>
-                          <a:latin typeface="AdobeClean-Light"/>
-                          <a:cs typeface="AdobeClean-Light"/>
-                        </a:rPr>
-                        <a:t>       </a:t>
-                      </a:r>
-                      <a:r>
-                        <a:rPr sz="900" spc="0">
-                          <a:solidFill>
-                            <a:srgbClr val="020302"/>
-                          </a:solidFill>
-                          <a:highlight>
-                            <a:srgbClr val="FFFF00"/>
-                          </a:highlight>
-                          <a:latin typeface="AdobeClean-Light"/>
-                          <a:cs typeface="AdobeClean-Light"/>
-                        </a:rPr>
-                        <a:t> 15</a:t>
-                      </a:r>
-                      <a:r>
-                        <a:rPr lang="en-US" sz="900" spc="0">
-                          <a:solidFill>
-                            <a:srgbClr val="020302"/>
-                          </a:solidFill>
-                          <a:highlight>
-                            <a:srgbClr val="FFFF00"/>
-                          </a:highlight>
-                          <a:latin typeface="AdobeClean-Light"/>
-                          <a:cs typeface="AdobeClean-Light"/>
-                        </a:rPr>
-                        <a:t> </a:t>
-                      </a:r>
-                      <a:r>
-                        <a:rPr sz="900" spc="0">
-                          <a:solidFill>
-                            <a:srgbClr val="020302"/>
-                          </a:solidFill>
-                          <a:highlight>
-                            <a:srgbClr val="FFFF00"/>
-                          </a:highlight>
-                          <a:latin typeface="AdobeClean-Light"/>
-                          <a:cs typeface="AdobeClean-Light"/>
-                        </a:rPr>
-                        <a:t>minutes</a:t>
-                      </a:r>
-                      <a:endParaRPr sz="900" spc="0">
-                        <a:highlight>
-                          <a:srgbClr val="FFFF00"/>
-                        </a:highlight>
-                        <a:latin typeface="AdobeClean-Light"/>
-                        <a:cs typeface="AdobeClean-Light"/>
-                      </a:endParaRPr>
                     </a:p>
                   </a:txBody>
                   <a:tcPr marL="0" marR="0" marT="0" marB="0" anchor="ctr">
@@ -8097,19 +7100,15 @@
                         </a:spcBef>
                       </a:pPr>
                       <a:r>
-                        <a:rPr sz="900" b="1" spc="0">
+                        <a:rPr lang="de-DE" sz="900" b="1" dirty="0">
                           <a:solidFill>
                             <a:srgbClr val="020302"/>
                           </a:solidFill>
                           <a:latin typeface="Adobe Clean"/>
                           <a:cs typeface="Adobe Clean"/>
                         </a:rPr>
-                        <a:t>PRIORITY 2</a:t>
+                        <a:t>PRIORITÄT 2</a:t>
                       </a:r>
-                      <a:endParaRPr sz="900" spc="0">
-                        <a:latin typeface="Adobe Clean"/>
-                        <a:cs typeface="Adobe Clean"/>
-                      </a:endParaRPr>
                     </a:p>
                     <a:p>
                       <a:pPr marL="50165" marR="203200" indent="0" defTabSz="914400" eaLnBrk="1" fontAlgn="auto" latinLnBrk="0" hangingPunct="1">
@@ -8117,10 +7116,10 @@
                           <a:spcPts val="1000"/>
                         </a:lnSpc>
                         <a:spcBef>
-                          <a:spcPts val="415"/>
+                          <a:spcPts val="215"/>
                         </a:spcBef>
                         <a:spcAft>
-                          <a:spcPts val="0"/>
+                          <a:spcPts val="215"/>
                         </a:spcAft>
                         <a:buClrTx/>
                         <a:buSzTx/>
@@ -8130,19 +7129,14 @@
                         <a:defRPr/>
                       </a:pPr>
                       <a:r>
-                        <a:rPr lang="en-US" sz="900" b="0" i="0" spc="0">
+                        <a:rPr lang="de-DE" sz="900" b="0" i="0" dirty="0">
                           <a:solidFill>
                             <a:srgbClr val="000000"/>
                           </a:solidFill>
-                          <a:effectLst/>
                           <a:latin typeface="Adobe Clean Light" panose="020B0303020404020204" pitchFamily="34" charset="0"/>
                         </a:rPr>
-                        <a:t>Customer's business functions have major service degradation or potential data loss, or a major feature is impacted.  </a:t>
+                        <a:t>Die Unternehmensfunktionen des Kunden weisen erhebliche Beeinträchtigungen des Service oder möglichen Datenverlust auf oder eine zentrale Funktion ist betroffen.  </a:t>
                       </a:r>
-                      <a:endParaRPr sz="900" b="0" i="0" spc="0">
-                        <a:latin typeface="Adobe Clean Light" panose="020B0303020404020204" pitchFamily="34" charset="0"/>
-                        <a:cs typeface="AdobeClean-Light"/>
-                      </a:endParaRPr>
                     </a:p>
                   </a:txBody>
                   <a:tcPr marL="0" marR="0" marT="0" marB="0" anchor="ctr">
@@ -8189,7 +7183,7 @@
                         </a:spcBef>
                       </a:pPr>
                       <a:r>
-                        <a:rPr lang="en-US" sz="900" spc="0">
+                        <a:rPr lang="de-DE" sz="900">
                           <a:solidFill>
                             <a:srgbClr val="020302"/>
                           </a:solidFill>
@@ -8209,19 +7203,15 @@
                         </a:spcBef>
                       </a:pPr>
                       <a:r>
-                        <a:rPr lang="en-US" sz="900" spc="0">
+                        <a:rPr lang="de-DE" sz="900">
                           <a:solidFill>
                             <a:srgbClr val="020302"/>
                           </a:solidFill>
                           <a:latin typeface="AdobeClean-Light"/>
                           <a:cs typeface="AdobeClean-Light"/>
                         </a:rPr>
-                        <a:t>     1 hour</a:t>
+                        <a:t>     1 Stunde</a:t>
                       </a:r>
-                      <a:endParaRPr lang="en-US" sz="900" spc="0">
-                        <a:latin typeface="AdobeClean-Light"/>
-                        <a:cs typeface="AdobeClean-Light"/>
-                      </a:endParaRPr>
                     </a:p>
                   </a:txBody>
                   <a:tcPr marL="0" marR="0" marT="0" marB="0" anchor="ctr">
@@ -8256,7 +7246,7 @@
                     <a:bodyPr/>
                     <a:lstStyle/>
                     <a:p>
-                      <a:pPr marL="0" marR="184785" indent="-194310" algn="ctr">
+                      <a:pPr marL="0" marR="184785" indent="-194310" algn="l" rtl="0">
                         <a:lnSpc>
                           <a:spcPct val="100000"/>
                         </a:lnSpc>
@@ -8308,7 +7298,7 @@
                     <a:bodyPr/>
                     <a:lstStyle/>
                     <a:p>
-                      <a:pPr marL="0" marR="325755" indent="-5715" algn="ctr">
+                      <a:pPr marL="0" marR="325755" indent="-5715" algn="l" rtl="0">
                         <a:lnSpc>
                           <a:spcPct val="100000"/>
                         </a:lnSpc>
@@ -8357,7 +7347,7 @@
                     <a:bodyPr/>
                     <a:lstStyle/>
                     <a:p>
-                      <a:pPr marL="0" marR="259079" indent="111760" algn="ctr">
+                      <a:pPr marL="0" marR="259079" indent="111760" algn="l" rtl="0">
                         <a:lnSpc>
                           <a:spcPct val="100000"/>
                         </a:lnSpc>
@@ -8422,29 +7412,15 @@
                         </a:spcBef>
                       </a:pPr>
                       <a:r>
-                        <a:rPr sz="900" b="1" spc="0">
+                        <a:rPr lang="de-DE" sz="900" b="1" dirty="0">
                           <a:solidFill>
                             <a:srgbClr val="020302"/>
                           </a:solidFill>
                           <a:latin typeface="Adobe Clean"/>
                           <a:cs typeface="Adobe Clean"/>
                         </a:rPr>
-                        <a:t>PRIORITY</a:t>
+                        <a:t>PRIORITÄT 3</a:t>
                       </a:r>
-                      <a:r>
-                        <a:rPr lang="en-US" sz="900" b="1" spc="0">
-                          <a:solidFill>
-                            <a:srgbClr val="020302"/>
-                          </a:solidFill>
-                          <a:latin typeface="Adobe Clean"/>
-                          <a:cs typeface="Adobe Clean"/>
-                        </a:rPr>
-                        <a:t> 3</a:t>
-                      </a:r>
-                      <a:endParaRPr lang="en-US" sz="900" spc="0">
-                        <a:latin typeface="Adobe Clean"/>
-                        <a:cs typeface="Adobe Clean"/>
-                      </a:endParaRPr>
                     </a:p>
                     <a:p>
                       <a:pPr marL="49530" marR="212090" indent="-2540" defTabSz="914400" eaLnBrk="1" fontAlgn="auto" latinLnBrk="0" hangingPunct="1">
@@ -8452,10 +7428,10 @@
                           <a:spcPts val="1000"/>
                         </a:lnSpc>
                         <a:spcBef>
-                          <a:spcPts val="415"/>
+                          <a:spcPts val="215"/>
                         </a:spcBef>
                         <a:spcAft>
-                          <a:spcPts val="0"/>
+                          <a:spcPts val="215"/>
                         </a:spcAft>
                         <a:buClrTx/>
                         <a:buSzTx/>
@@ -8465,26 +7441,21 @@
                         <a:defRPr/>
                       </a:pPr>
                       <a:r>
-                        <a:rPr kumimoji="0" lang="en-US" sz="900" b="0" i="0" u="none" strike="noStrike" kern="1200" cap="none" spc="0" normalizeH="0" baseline="0" noProof="0">
+                        <a:rPr kumimoji="0" lang="de-DE" sz="900" b="0" i="0" u="none" strike="noStrike" cap="none" normalizeH="0" baseline="0" noProof="0" dirty="0">
                           <a:ln>
                             <a:noFill/>
                           </a:ln>
                           <a:solidFill>
                             <a:srgbClr val="000000"/>
                           </a:solidFill>
-                          <a:effectLst/>
                           <a:uLnTx/>
                           <a:uFillTx/>
                           <a:latin typeface="Adobe Clean Light" panose="020B0303020404020204" pitchFamily="34" charset="0"/>
                           <a:ea typeface="+mn-ea"/>
                           <a:cs typeface="+mn-cs"/>
                         </a:rPr>
-                        <a:t>Customer's business functions have minor service degradation but there exists a solution/workaround allowing business functions to continue normally.</a:t>
+                        <a:t>Die Unternehmensfunktionen des Kunden weisen eine geringfügige Beeinträchtigung des Service auf, es gibt jedoch eine Lösung/Problemumgehung, mit der die Unternehmensfunktionen weiterhin normal genutzt werden können</a:t>
                       </a:r>
-                      <a:endParaRPr lang="en-US" sz="900" b="0" i="0" spc="0">
-                        <a:latin typeface="Adobe Clean Light" panose="020B0303020404020204" pitchFamily="34" charset="0"/>
-                        <a:cs typeface="AdobeClean-Light"/>
-                      </a:endParaRPr>
                     </a:p>
                   </a:txBody>
                   <a:tcPr marL="0" marR="0" marT="0" marB="0" anchor="ctr">
@@ -8534,14 +7505,14 @@
                         </a:tabLst>
                       </a:pPr>
                       <a:r>
-                        <a:rPr lang="en-US" sz="900" spc="0" dirty="0">
+                        <a:rPr lang="de-DE" sz="900">
                           <a:solidFill>
                             <a:srgbClr val="020302"/>
                           </a:solidFill>
                           <a:latin typeface="AdobeClean-Light"/>
                           <a:cs typeface="AdobeClean-Light"/>
                         </a:rPr>
-                        <a:t>   Business day /   </a:t>
+                        <a:t>   Geschäftstag /   </a:t>
                       </a:r>
                     </a:p>
                     <a:p>
@@ -8554,19 +7525,15 @@
                         </a:spcBef>
                       </a:pPr>
                       <a:r>
-                        <a:rPr lang="en-US" sz="900" spc="0" dirty="0">
+                        <a:rPr lang="de-DE" sz="900">
                           <a:solidFill>
                             <a:srgbClr val="020302"/>
                           </a:solidFill>
                           <a:latin typeface="AdobeClean-Light"/>
                           <a:cs typeface="AdobeClean-Light"/>
                         </a:rPr>
-                        <a:t>4 hours</a:t>
+                        <a:t>4 Stunden</a:t>
                       </a:r>
-                      <a:endParaRPr lang="en-US" sz="900" spc="0" dirty="0">
-                        <a:latin typeface="AdobeClean-Light"/>
-                        <a:cs typeface="AdobeClean-Light"/>
-                      </a:endParaRPr>
                     </a:p>
                   </a:txBody>
                   <a:tcPr marL="0" marR="0" marT="0" marB="0" anchor="ctr">
@@ -8601,7 +7568,7 @@
                     <a:bodyPr/>
                     <a:lstStyle/>
                     <a:p>
-                      <a:pPr marL="0" marR="185420" indent="-193675" algn="ctr">
+                      <a:pPr marL="0" marR="185420" indent="-193675" algn="l" rtl="0">
                         <a:lnSpc>
                           <a:spcPct val="100000"/>
                         </a:lnSpc>
@@ -8653,7 +7620,7 @@
                     <a:bodyPr/>
                     <a:lstStyle/>
                     <a:p>
-                      <a:pPr marL="0" marR="184785" indent="-194310" algn="ctr">
+                      <a:pPr marL="0" marR="184785" indent="-194310" algn="l" rtl="0">
                         <a:lnSpc>
                           <a:spcPct val="100000"/>
                         </a:lnSpc>
@@ -8702,7 +7669,7 @@
                     <a:bodyPr/>
                     <a:lstStyle/>
                     <a:p>
-                      <a:pPr marL="0" marR="326390" indent="-5715" algn="ctr">
+                      <a:pPr marL="0" marR="326390" indent="-5715" algn="l" rtl="0">
                         <a:lnSpc>
                           <a:spcPct val="100000"/>
                         </a:lnSpc>
@@ -8767,19 +7734,15 @@
                         </a:spcBef>
                       </a:pPr>
                       <a:r>
-                        <a:rPr sz="900" b="1" spc="0">
+                        <a:rPr lang="de-DE" sz="900" b="1" dirty="0">
                           <a:solidFill>
                             <a:srgbClr val="020302"/>
                           </a:solidFill>
                           <a:latin typeface="Adobe Clean"/>
                           <a:cs typeface="Adobe Clean"/>
                         </a:rPr>
-                        <a:t>PRIORITY 4</a:t>
+                        <a:t>PRIORITÄT 4</a:t>
                       </a:r>
-                      <a:endParaRPr sz="900" spc="0">
-                        <a:latin typeface="Adobe Clean"/>
-                        <a:cs typeface="Adobe Clean"/>
-                      </a:endParaRPr>
                     </a:p>
                     <a:p>
                       <a:pPr marL="48895" marR="0" indent="0" defTabSz="914400" eaLnBrk="1" fontAlgn="auto" latinLnBrk="0" hangingPunct="1">
@@ -8787,10 +7750,10 @@
                           <a:spcPct val="100000"/>
                         </a:lnSpc>
                         <a:spcBef>
-                          <a:spcPts val="300"/>
+                          <a:spcPts val="215"/>
                         </a:spcBef>
                         <a:spcAft>
-                          <a:spcPts val="0"/>
+                          <a:spcPts val="215"/>
                         </a:spcAft>
                         <a:buClrTx/>
                         <a:buSzTx/>
@@ -8800,19 +7763,14 @@
                         <a:defRPr/>
                       </a:pPr>
                       <a:r>
-                        <a:rPr lang="en-US" sz="900" b="0" i="0" spc="0">
+                        <a:rPr lang="de-DE" sz="900" b="0" i="0" dirty="0">
                           <a:solidFill>
                             <a:srgbClr val="000000"/>
                           </a:solidFill>
-                          <a:effectLst/>
                           <a:latin typeface="Adobe Clean Light" panose="020B0303020404020204" pitchFamily="34" charset="0"/>
                         </a:rPr>
-                        <a:t>General question regarding current product functionality or an enhancement request. </a:t>
+                        <a:t>Allgemeine Frage zur aktuellen Produktfunktionalität oder Anfrage zu einer Erweiterung. </a:t>
                       </a:r>
-                      <a:endParaRPr sz="900" b="0" i="0" spc="0">
-                        <a:latin typeface="Adobe Clean Light" panose="020B0303020404020204" pitchFamily="34" charset="0"/>
-                        <a:cs typeface="AdobeClean-Light"/>
-                      </a:endParaRPr>
                     </a:p>
                   </a:txBody>
                   <a:tcPr marL="0" marR="0" marT="0" marB="0" anchor="ctr">
@@ -8862,14 +7820,14 @@
                         </a:tabLst>
                       </a:pPr>
                       <a:r>
-                        <a:rPr lang="en-US" sz="900" spc="0" dirty="0">
+                        <a:rPr lang="de-DE" sz="900" dirty="0">
                           <a:solidFill>
                             <a:srgbClr val="020302"/>
                           </a:solidFill>
                           <a:latin typeface="AdobeClean-Light"/>
                           <a:cs typeface="AdobeClean-Light"/>
                         </a:rPr>
-                        <a:t>  Business day /   </a:t>
+                        <a:t>  Geschäftstag /   </a:t>
                       </a:r>
                     </a:p>
                     <a:p>
@@ -8882,19 +7840,15 @@
                         </a:spcBef>
                       </a:pPr>
                       <a:r>
-                        <a:rPr lang="en-US" sz="900" spc="0" dirty="0">
+                        <a:rPr lang="de-DE" sz="900" dirty="0">
                           <a:solidFill>
                             <a:srgbClr val="020302"/>
                           </a:solidFill>
                           <a:latin typeface="AdobeClean-Light"/>
                           <a:cs typeface="AdobeClean-Light"/>
                         </a:rPr>
-                        <a:t>1 day </a:t>
+                        <a:t>1 Tag </a:t>
                       </a:r>
-                      <a:endParaRPr lang="en-US" sz="900" spc="0" dirty="0">
-                        <a:latin typeface="AdobeClean-Light"/>
-                        <a:cs typeface="AdobeClean-Light"/>
-                      </a:endParaRPr>
                     </a:p>
                   </a:txBody>
                   <a:tcPr marL="0" marR="0" marT="0" marB="0" anchor="ctr">
@@ -8929,7 +7883,7 @@
                     <a:bodyPr/>
                     <a:lstStyle/>
                     <a:p>
-                      <a:pPr marL="0" marR="223520" indent="-202565" algn="ctr">
+                      <a:pPr marL="0" marR="223520" indent="-202565" algn="l" rtl="0">
                         <a:lnSpc>
                           <a:spcPct val="100000"/>
                         </a:lnSpc>
@@ -8981,7 +7935,7 @@
                     <a:bodyPr/>
                     <a:lstStyle/>
                     <a:p>
-                      <a:pPr marL="0" marR="223520" indent="-202565" algn="ctr">
+                      <a:pPr marL="0" marR="223520" indent="-202565" algn="l" rtl="0">
                         <a:lnSpc>
                           <a:spcPct val="100000"/>
                         </a:lnSpc>
@@ -9030,7 +7984,7 @@
                     <a:bodyPr/>
                     <a:lstStyle/>
                     <a:p>
-                      <a:pPr marL="0" marR="223520" indent="-202565" algn="ctr">
+                      <a:pPr marL="0" marR="223520" indent="-202565" algn="l" rtl="0">
                         <a:lnSpc>
                           <a:spcPct val="100000"/>
                         </a:lnSpc>
@@ -9100,8 +8054,8 @@
         </p:nvSpPr>
         <p:spPr>
           <a:xfrm>
-            <a:off x="97788" y="9857050"/>
-            <a:ext cx="2245360" cy="133370"/>
+            <a:off x="97788" y="9913620"/>
+            <a:ext cx="3087372" cy="133370"/>
           </a:xfrm>
           <a:prstGeom prst="rect">
             <a:avLst/>
@@ -9213,36 +8167,8 @@
               </a:spcBef>
             </a:pPr>
             <a:r>
-              <a:rPr lang="en-US" spc="-10" dirty="0"/>
-              <a:t>©202</a:t>
-            </a:r>
-            <a:r>
-              <a:rPr lang="en-US" spc="-5" dirty="0"/>
-              <a:t>2 Adobe. All</a:t>
-            </a:r>
-            <a:r>
-              <a:rPr lang="en-US" spc="-10" dirty="0"/>
-              <a:t> Rights</a:t>
-            </a:r>
-            <a:r>
-              <a:rPr lang="en-US" spc="-5" dirty="0"/>
-              <a:t> </a:t>
-            </a:r>
-            <a:r>
-              <a:rPr lang="en-US" spc="-10" dirty="0"/>
-              <a:t>Reserved.</a:t>
-            </a:r>
-            <a:r>
-              <a:rPr lang="en-US" spc="-5" dirty="0"/>
-              <a:t> Adobe</a:t>
-            </a:r>
-            <a:r>
-              <a:rPr lang="en-US" spc="60" dirty="0"/>
-              <a:t> </a:t>
-            </a:r>
-            <a:r>
-              <a:rPr lang="en-US" spc="-10" dirty="0"/>
-              <a:t>Confidential.</a:t>
+              <a:rPr lang="de-DE" dirty="0"/>
+              <a:t>©2022 Adobe. All Rights Reserved. Adobe Confidential.</a:t>
             </a:r>
           </a:p>
         </p:txBody>
@@ -9303,7 +8229,7 @@
         <p:spPr>
           <a:xfrm>
             <a:off x="324341" y="688596"/>
-            <a:ext cx="1647825" cy="45719"/>
+            <a:ext cx="2103120" cy="52717"/>
           </a:xfrm>
           <a:custGeom>
             <a:avLst/>
@@ -9345,7 +8271,7 @@
         <p:spPr>
           <a:xfrm>
             <a:off x="324341" y="405315"/>
-            <a:ext cx="1647825" cy="238760"/>
+            <a:ext cx="2068894" cy="228268"/>
           </a:xfrm>
           <a:prstGeom prst="rect">
             <a:avLst/>
@@ -9366,59 +8292,15 @@
               </a:spcBef>
             </a:pPr>
             <a:r>
-              <a:rPr sz="1400" b="1" spc="-10">
+              <a:rPr lang="de-DE" sz="1400" b="1" dirty="0">
                 <a:solidFill>
                   <a:srgbClr val="020302"/>
                 </a:solidFill>
                 <a:latin typeface="Adobe Clean"/>
                 <a:cs typeface="Adobe Clean"/>
               </a:rPr>
-              <a:t>Elite</a:t>
+              <a:t>Umfang von Elite Support</a:t>
             </a:r>
-            <a:r>
-              <a:rPr sz="1400" b="1" spc="-50">
-                <a:solidFill>
-                  <a:srgbClr val="020302"/>
-                </a:solidFill>
-                <a:latin typeface="Adobe Clean"/>
-                <a:cs typeface="Adobe Clean"/>
-              </a:rPr>
-              <a:t> </a:t>
-            </a:r>
-            <a:r>
-              <a:rPr sz="1400" b="1" spc="-10">
-                <a:solidFill>
-                  <a:srgbClr val="020302"/>
-                </a:solidFill>
-                <a:latin typeface="Adobe Clean"/>
-                <a:cs typeface="Adobe Clean"/>
-              </a:rPr>
-              <a:t>Support</a:t>
-            </a:r>
-            <a:r>
-              <a:rPr sz="1400" b="1" spc="-45">
-                <a:solidFill>
-                  <a:srgbClr val="020302"/>
-                </a:solidFill>
-                <a:latin typeface="Adobe Clean"/>
-                <a:cs typeface="Adobe Clean"/>
-              </a:rPr>
-              <a:t> </a:t>
-            </a:r>
-            <a:r>
-              <a:rPr sz="1400" b="1" spc="-15">
-                <a:solidFill>
-                  <a:srgbClr val="020302"/>
-                </a:solidFill>
-                <a:latin typeface="Adobe Clean"/>
-                <a:cs typeface="Adobe Clean"/>
-              </a:rPr>
-              <a:t>Features</a:t>
-            </a:r>
-            <a:endParaRPr sz="1400">
-              <a:latin typeface="Adobe Clean"/>
-              <a:cs typeface="Adobe Clean"/>
-            </a:endParaRPr>
           </a:p>
         </p:txBody>
       </p:sp>
@@ -9431,7 +8313,7 @@
         <p:spPr>
           <a:xfrm>
             <a:off x="2783950" y="1197324"/>
-            <a:ext cx="2194560" cy="936154"/>
+            <a:ext cx="2194560" cy="982320"/>
           </a:xfrm>
           <a:prstGeom prst="rect">
             <a:avLst/>
@@ -9452,53 +8334,11 @@
               </a:spcBef>
             </a:pPr>
             <a:r>
-              <a:rPr sz="1000" dirty="0">
+              <a:rPr lang="de-DE" sz="900" dirty="0">
                 <a:latin typeface="AdobeClean-Light"/>
                 <a:cs typeface="AdobeClean-Light"/>
               </a:rPr>
-              <a:t>A</a:t>
-            </a:r>
-            <a:r>
-              <a:rPr lang="en-US" sz="1000" dirty="0">
-                <a:latin typeface="AdobeClean-Light"/>
-                <a:cs typeface="AdobeClean-Light"/>
-              </a:rPr>
-              <a:t> designated Su</a:t>
-            </a:r>
-            <a:r>
-              <a:rPr sz="1000" dirty="0">
-                <a:latin typeface="AdobeClean-Light"/>
-                <a:cs typeface="AdobeClean-Light"/>
-              </a:rPr>
-              <a:t>pport </a:t>
-            </a:r>
-            <a:r>
-              <a:rPr lang="en-US" sz="1000" dirty="0">
-                <a:latin typeface="AdobeClean-Light"/>
-                <a:cs typeface="AdobeClean-Light"/>
-              </a:rPr>
-              <a:t>E</a:t>
-            </a:r>
-            <a:r>
-              <a:rPr sz="1000" dirty="0">
-                <a:latin typeface="AdobeClean-Light"/>
-                <a:cs typeface="AdobeClean-Light"/>
-              </a:rPr>
-              <a:t>ngineer who  becomes familiar with your solution  environment and business goals. The NSE  is an experienced support engineer that  helps coordinate your </a:t>
-            </a:r>
-            <a:r>
-              <a:rPr lang="en-US" sz="1000" dirty="0">
-                <a:latin typeface="AdobeClean-Light"/>
-                <a:cs typeface="AdobeClean-Light"/>
-              </a:rPr>
-              <a:t>Elite</a:t>
-            </a:r>
-            <a:r>
-              <a:rPr sz="1000" dirty="0">
-                <a:latin typeface="AdobeClean-Light"/>
-                <a:cs typeface="AdobeClean-Light"/>
-              </a:rPr>
-              <a:t> Support  experience.</a:t>
+              <a:t>Ein spezifischer Support-Mitarbeiter, der sich mit Ihrer Lösungsumgebung und Ihren Unternehmenszielen vertraut macht. Der spezifische Support-Mitarbeiter ist ein erfahrener Support-Engineer, der Sie bei der Koordination Ihres Elite Support-Erlebnisses unterstützt.</a:t>
             </a:r>
           </a:p>
         </p:txBody>
@@ -9512,7 +8352,7 @@
         <p:spPr>
           <a:xfrm>
             <a:off x="398637" y="1209971"/>
-            <a:ext cx="2148839" cy="782265"/>
+            <a:ext cx="2148839" cy="566822"/>
           </a:xfrm>
           <a:prstGeom prst="rect">
             <a:avLst/>
@@ -9533,14 +8373,14 @@
               </a:spcBef>
             </a:pPr>
             <a:r>
-              <a:rPr lang="en-US" sz="1000" dirty="0">
+              <a:rPr lang="de-DE" sz="900" dirty="0">
                 <a:solidFill>
                   <a:srgbClr val="020302"/>
                 </a:solidFill>
                 <a:latin typeface="AdobeClean-Light"/>
                 <a:cs typeface="AdobeClean-Light"/>
               </a:rPr>
-              <a:t>A designated Technical Account Manager to oversee and advocate for your Elite support experience and provide proactive services to maximize your business value.</a:t>
+              <a:t>Ein spezifischer Technical Account Manager, der Ihren Elite-Support überwacht und vorantreibt und proaktiv Services bereitstellt, um Ihren Unternehmenswert zu maximieren.</a:t>
             </a:r>
           </a:p>
         </p:txBody>
@@ -9554,7 +8394,7 @@
         <p:spPr>
           <a:xfrm>
             <a:off x="773188" y="944502"/>
-            <a:ext cx="2194560" cy="184666"/>
+            <a:ext cx="2194560" cy="169277"/>
           </a:xfrm>
           <a:prstGeom prst="rect">
             <a:avLst/>
@@ -9575,7 +8415,7 @@
               </a:spcBef>
             </a:pPr>
             <a:r>
-              <a:rPr sz="1200" b="1" dirty="0">
+              <a:rPr lang="de-DE" sz="1100" b="1" dirty="0">
                 <a:solidFill>
                   <a:srgbClr val="020302"/>
                 </a:solidFill>
@@ -9584,10 +8424,6 @@
               </a:rPr>
               <a:t>Technical Account Manager</a:t>
             </a:r>
-            <a:endParaRPr sz="1200" dirty="0">
-              <a:latin typeface="Adobe Clean" panose="020B0503020404020204" pitchFamily="34" charset="0"/>
-              <a:cs typeface="Arial"/>
-            </a:endParaRPr>
           </a:p>
         </p:txBody>
       </p:sp>
@@ -9599,8 +8435,8 @@
         </p:nvSpPr>
         <p:spPr>
           <a:xfrm>
-            <a:off x="375777" y="5597386"/>
-            <a:ext cx="2194560" cy="615553"/>
+            <a:off x="375777" y="5664061"/>
+            <a:ext cx="2017458" cy="692497"/>
           </a:xfrm>
           <a:prstGeom prst="rect">
             <a:avLst/>
@@ -9618,39 +8454,15 @@
               </a:spcBef>
             </a:pPr>
             <a:r>
-              <a:rPr sz="1000" dirty="0">
+              <a:rPr lang="de-DE" sz="900" dirty="0">
                 <a:solidFill>
                   <a:srgbClr val="020302"/>
                 </a:solidFill>
                 <a:latin typeface="AdobeClean-Light"/>
                 <a:cs typeface="AdobeClean-Light"/>
               </a:rPr>
-              <a:t>Receive personalized guidance</a:t>
+              <a:t>Persönliche Beratung und proaktive Überprüfung für die Planung von Upgrades und Migrationen. Prüfung des Veröffentlichungs- und Aktualisierungsplans durch Adobe-Experten.</a:t>
             </a:r>
-            <a:r>
-              <a:rPr lang="en-US" sz="1000" dirty="0">
-                <a:solidFill>
-                  <a:srgbClr val="020302"/>
-                </a:solidFill>
-                <a:latin typeface="AdobeClean-Light"/>
-                <a:cs typeface="AdobeClean-Light"/>
-              </a:rPr>
-              <a:t> and a proactive review for upgrade and migration planning purposes. Benefit from Adobe</a:t>
-            </a:r>
-            <a:r>
-              <a:rPr sz="1000" dirty="0">
-                <a:solidFill>
-                  <a:srgbClr val="020302"/>
-                </a:solidFill>
-                <a:latin typeface="AdobeClean-Light"/>
-                <a:cs typeface="AdobeClean-Light"/>
-              </a:rPr>
-              <a:t>  experts review release and upgrade plan.</a:t>
-            </a:r>
-            <a:endParaRPr sz="1000" dirty="0">
-              <a:latin typeface="AdobeClean-Light"/>
-              <a:cs typeface="AdobeClean-Light"/>
-            </a:endParaRPr>
           </a:p>
         </p:txBody>
       </p:sp>
@@ -9795,8 +8607,8 @@
         </p:nvSpPr>
         <p:spPr>
           <a:xfrm>
-            <a:off x="5129336" y="5594945"/>
-            <a:ext cx="2442314" cy="615553"/>
+            <a:off x="5129336" y="5661620"/>
+            <a:ext cx="2442314" cy="692497"/>
           </a:xfrm>
           <a:prstGeom prst="rect">
             <a:avLst/>
@@ -9814,28 +8626,22 @@
               </a:spcBef>
             </a:pPr>
             <a:r>
-              <a:rPr lang="en-US" sz="1000" dirty="0">
+              <a:rPr lang="de-DE" sz="900" dirty="0">
                 <a:solidFill>
                   <a:srgbClr val="020302"/>
                 </a:solidFill>
                 <a:latin typeface="AdobeClean-Light"/>
                 <a:cs typeface="AdobeClean-Light"/>
               </a:rPr>
-              <a:t>Additional named support contacts have the benefit of leveraging </a:t>
+              <a:t>Zusätzliche benannte Support-Kontakte haben den Vorteil, </a:t>
             </a:r>
             <a:r>
-              <a:rPr lang="en-US" sz="1000" dirty="0">
+              <a:rPr lang="de-DE" sz="900" dirty="0">
                 <a:latin typeface="Adobe Clean Light" panose="020B0303020404020204" pitchFamily="34" charset="0"/>
+                <a:cs typeface="AdobeClean-Light"/>
               </a:rPr>
-              <a:t>available channels to interact with our technical support team on behalf of your company. </a:t>
+              <a:t>dass sie mehr verfügbare Kanäle nutzen können, um mit unserem technischen Support-Team im Namen Ihres Unternehmens zu kommunizieren. </a:t>
             </a:r>
-            <a:endParaRPr lang="en-US" sz="1000" dirty="0">
-              <a:solidFill>
-                <a:prstClr val="black"/>
-              </a:solidFill>
-              <a:latin typeface="AdobeClean-Light"/>
-              <a:cs typeface="AdobeClean-Light"/>
-            </a:endParaRPr>
           </a:p>
         </p:txBody>
       </p:sp>
@@ -9853,8 +8659,8 @@
         </p:nvSpPr>
         <p:spPr>
           <a:xfrm>
-            <a:off x="3164797" y="948996"/>
-            <a:ext cx="2194560" cy="184666"/>
+            <a:off x="3117172" y="948996"/>
+            <a:ext cx="2194560" cy="169277"/>
           </a:xfrm>
           <a:prstGeom prst="rect">
             <a:avLst/>
@@ -9872,22 +8678,15 @@
               </a:spcBef>
             </a:pPr>
             <a:r>
-              <a:rPr lang="en-US" sz="1200" b="1" dirty="0">
+              <a:rPr lang="de-DE" sz="1100" b="1" dirty="0">
                 <a:solidFill>
                   <a:srgbClr val="020302"/>
                 </a:solidFill>
                 <a:latin typeface="Adobe Clean" panose="020B0503020404020204" pitchFamily="34" charset="0"/>
                 <a:cs typeface="Arial"/>
               </a:rPr>
-              <a:t>Named Support Engineer</a:t>
+              <a:t>Spezifischer Support-Mitarbeiter</a:t>
             </a:r>
-            <a:endParaRPr lang="en-US" sz="1200" dirty="0">
-              <a:solidFill>
-                <a:prstClr val="black"/>
-              </a:solidFill>
-              <a:latin typeface="Adobe Clean" panose="020B0503020404020204" pitchFamily="34" charset="0"/>
-              <a:cs typeface="Arial"/>
-            </a:endParaRPr>
           </a:p>
         </p:txBody>
       </p:sp>
@@ -9905,8 +8704,8 @@
         </p:nvSpPr>
         <p:spPr>
           <a:xfrm>
-            <a:off x="5616494" y="5218925"/>
-            <a:ext cx="1769315" cy="369332"/>
+            <a:off x="5616494" y="5285600"/>
+            <a:ext cx="1769315" cy="338554"/>
           </a:xfrm>
           <a:prstGeom prst="rect">
             <a:avLst/>
@@ -9924,22 +8723,15 @@
               </a:spcBef>
             </a:pPr>
             <a:r>
-              <a:rPr lang="en-US" sz="1200" b="1" dirty="0">
+              <a:rPr lang="de-DE" sz="1100" b="1" dirty="0">
                 <a:solidFill>
                   <a:srgbClr val="020302"/>
                 </a:solidFill>
                 <a:latin typeface="Adobe Clean" panose="020B0503020404020204" pitchFamily="34" charset="0"/>
                 <a:cs typeface="Adobe Clean"/>
               </a:rPr>
-              <a:t>Additional Named Support Contacts</a:t>
+              <a:t>Zusätzliche ernannte Support-Kontakte</a:t>
             </a:r>
-            <a:endParaRPr lang="en-US" sz="1200" dirty="0">
-              <a:solidFill>
-                <a:prstClr val="black"/>
-              </a:solidFill>
-              <a:latin typeface="Adobe Clean" panose="020B0503020404020204" pitchFamily="34" charset="0"/>
-              <a:cs typeface="Adobe Clean"/>
-            </a:endParaRPr>
           </a:p>
         </p:txBody>
       </p:sp>
@@ -9957,8 +8749,8 @@
         </p:nvSpPr>
         <p:spPr>
           <a:xfrm>
-            <a:off x="818833" y="5227865"/>
-            <a:ext cx="1947019" cy="369332"/>
+            <a:off x="818833" y="5294540"/>
+            <a:ext cx="1947019" cy="338554"/>
           </a:xfrm>
           <a:prstGeom prst="rect">
             <a:avLst/>
@@ -9976,22 +8768,15 @@
               </a:spcBef>
             </a:pPr>
             <a:r>
-              <a:rPr lang="en-US" sz="1200" b="1" dirty="0">
+              <a:rPr lang="de-DE" sz="1100" b="1" dirty="0">
                 <a:solidFill>
                   <a:srgbClr val="020302"/>
                 </a:solidFill>
                 <a:latin typeface="Adobe Clean" panose="020B0503020404020204" pitchFamily="34" charset="0"/>
                 <a:cs typeface="Adobe Clean"/>
               </a:rPr>
-              <a:t>Upgrade/Migration     Planning</a:t>
+              <a:t>Planung für Upgrades/Migration</a:t>
             </a:r>
-            <a:endParaRPr lang="en-US" sz="1200" dirty="0">
-              <a:solidFill>
-                <a:prstClr val="black"/>
-              </a:solidFill>
-              <a:latin typeface="Adobe Clean" panose="020B0503020404020204" pitchFamily="34" charset="0"/>
-              <a:cs typeface="Adobe Clean"/>
-            </a:endParaRPr>
           </a:p>
         </p:txBody>
       </p:sp>
@@ -10009,7 +8794,7 @@
         </p:nvSpPr>
         <p:spPr>
           <a:xfrm rot="5400000" flipH="1">
-            <a:off x="3811228" y="975498"/>
+            <a:off x="3811228" y="1061223"/>
             <a:ext cx="45719" cy="5577840"/>
           </a:xfrm>
           <a:custGeom>
@@ -10064,7 +8849,7 @@
         </p:nvSpPr>
         <p:spPr>
           <a:xfrm rot="5400000" flipH="1">
-            <a:off x="3858371" y="-594913"/>
+            <a:off x="3858371" y="-432988"/>
             <a:ext cx="45719" cy="5577840"/>
           </a:xfrm>
           <a:custGeom>
@@ -10119,8 +8904,8 @@
         </p:nvSpPr>
         <p:spPr>
           <a:xfrm>
-            <a:off x="307972" y="6853797"/>
-            <a:ext cx="1985851" cy="77016"/>
+            <a:off x="307971" y="6853797"/>
+            <a:ext cx="2651760" cy="77016"/>
           </a:xfrm>
           <a:custGeom>
             <a:avLst/>
@@ -10189,19 +8974,15 @@
               </a:spcBef>
             </a:pPr>
             <a:r>
-              <a:rPr lang="en-US" sz="1400" b="1" spc="-10" dirty="0">
+              <a:rPr lang="de-DE" sz="1400" b="1">
                 <a:solidFill>
                   <a:srgbClr val="020302"/>
                 </a:solidFill>
                 <a:latin typeface="Adobe Clean"/>
                 <a:cs typeface="Adobe Clean"/>
               </a:rPr>
-              <a:t>Standard Support Features</a:t>
+              <a:t>Standardfunktionen des Supports</a:t>
             </a:r>
-            <a:endParaRPr lang="en-US" sz="1400" dirty="0">
-              <a:latin typeface="Adobe Clean"/>
-              <a:cs typeface="Adobe Clean"/>
-            </a:endParaRPr>
           </a:p>
         </p:txBody>
       </p:sp>
@@ -10276,7 +9057,7 @@
         </p:nvSpPr>
         <p:spPr>
           <a:xfrm>
-            <a:off x="872580" y="7278776"/>
+            <a:off x="872580" y="7183526"/>
             <a:ext cx="1384310" cy="184666"/>
           </a:xfrm>
           <a:prstGeom prst="rect">
@@ -10298,12 +9079,12 @@
               </a:spcAft>
             </a:pPr>
             <a:r>
-              <a:rPr lang="en-US" sz="1200" b="1" dirty="0">
+              <a:rPr lang="de-DE" sz="1200" b="1">
                 <a:latin typeface="Adobe Clean" panose="020B0503020404020204" pitchFamily="34" charset="0"/>
                 <a:ea typeface="Open Sans" pitchFamily="34" charset="0"/>
                 <a:cs typeface="Open Sans" pitchFamily="34" charset="0"/>
               </a:rPr>
-              <a:t>Community Forums</a:t>
+              <a:t>Community-Foren</a:t>
             </a:r>
           </a:p>
         </p:txBody>
@@ -10322,8 +9103,8 @@
         </p:nvSpPr>
         <p:spPr>
           <a:xfrm>
-            <a:off x="445049" y="7520945"/>
-            <a:ext cx="2148840" cy="959237"/>
+            <a:off x="445049" y="7425695"/>
+            <a:ext cx="2237778" cy="959237"/>
           </a:xfrm>
           <a:prstGeom prst="rect">
             <a:avLst/>
@@ -10336,13 +9117,30 @@
           <a:lstStyle/>
           <a:p>
             <a:r>
-              <a:rPr lang="en-US" sz="1000" dirty="0">
+              <a:rPr lang="de-DE" sz="1000" dirty="0">
                 <a:solidFill>
                   <a:srgbClr val="000000"/>
                 </a:solidFill>
                 <a:latin typeface="Adobe Clean Light" panose="020B0303020404020204" pitchFamily="34" charset="0"/>
               </a:rPr>
-              <a:t>Continuous online access to a growing database of technical solutions, product documentation, FAQs and more. Connect with other customers on Adobe Community to share best practices and lessons learned..</a:t>
+              <a:t>Kontinuierlicher Online-Zugriff auf eine wachsende Datenbank technischer Lösungen, Produktdokumentationen, FAQs und mehr. Tauschen Sie sich mit anderen Kunden in der Adobe-Community über </a:t>
+            </a:r>
+            <a:br>
+              <a:rPr lang="de-DE" sz="1000" dirty="0">
+                <a:solidFill>
+                  <a:srgbClr val="000000"/>
+                </a:solidFill>
+                <a:latin typeface="Adobe Clean Light" panose="020B0303020404020204" pitchFamily="34" charset="0"/>
+              </a:rPr>
+            </a:br>
+            <a:r>
+              <a:rPr lang="de-DE" sz="1000" dirty="0">
+                <a:solidFill>
+                  <a:srgbClr val="000000"/>
+                </a:solidFill>
+                <a:latin typeface="Adobe Clean Light" panose="020B0303020404020204" pitchFamily="34" charset="0"/>
+              </a:rPr>
+              <a:t>Best Practices und Erfahrungen aus.</a:t>
             </a:r>
           </a:p>
         </p:txBody>
@@ -10363,7 +9161,7 @@
         </p:nvSpPr>
         <p:spPr>
           <a:xfrm>
-            <a:off x="3379295" y="7277122"/>
+            <a:off x="3379295" y="7181872"/>
             <a:ext cx="1013098" cy="184666"/>
           </a:xfrm>
           <a:prstGeom prst="rect">
@@ -10385,12 +9183,12 @@
               </a:spcAft>
             </a:pPr>
             <a:r>
-              <a:rPr lang="en-US" sz="1200" b="1" dirty="0">
+              <a:rPr lang="de-DE" sz="1200" b="1">
                 <a:latin typeface="Adobe Clean" panose="020B0503020404020204" pitchFamily="34" charset="0"/>
                 <a:ea typeface="Open Sans" pitchFamily="34" charset="0"/>
                 <a:cs typeface="Open Sans" pitchFamily="34" charset="0"/>
               </a:rPr>
-              <a:t>Self-Help Portal</a:t>
+              <a:t>Selbsthilfe-Portal</a:t>
             </a:r>
           </a:p>
         </p:txBody>
@@ -10409,8 +9207,8 @@
         </p:nvSpPr>
         <p:spPr>
           <a:xfrm>
-            <a:off x="2933792" y="7510816"/>
-            <a:ext cx="2148840" cy="805349"/>
+            <a:off x="2933791" y="7415566"/>
+            <a:ext cx="2242685" cy="959237"/>
           </a:xfrm>
           <a:prstGeom prst="rect">
             <a:avLst/>
@@ -10423,13 +9221,13 @@
           <a:lstStyle/>
           <a:p>
             <a:r>
-              <a:rPr lang="en-US" sz="1000" dirty="0">
+              <a:rPr lang="de-DE" sz="1000" dirty="0">
                 <a:solidFill>
                   <a:srgbClr val="000000"/>
                 </a:solidFill>
                 <a:latin typeface="Adobe Clean Light" panose="020B0303020404020204" pitchFamily="34" charset="0"/>
               </a:rPr>
-              <a:t>On-demand access to the online Self-help Support Portal review case status, and browse other resources, like our  news and alerts, knowledge base, featured tips, and more.</a:t>
+              <a:t>On-Demand-Zugriff auf das Online-Selbsthilfe-Support-Portal, um den Fallstatus zu überprüfen und andere Ressourcen zu durchsuchen, z. B. unsere Neuigkeiten und Hinweise, Wissensdatenbank, spezielle Tipps und mehr.</a:t>
             </a:r>
           </a:p>
         </p:txBody>
@@ -10448,8 +9246,8 @@
         </p:nvSpPr>
         <p:spPr>
           <a:xfrm>
-            <a:off x="5422535" y="7486269"/>
-            <a:ext cx="2148840" cy="641201"/>
+            <a:off x="5422534" y="7391019"/>
+            <a:ext cx="2242685" cy="948978"/>
           </a:xfrm>
           <a:prstGeom prst="rect">
             <a:avLst/>
@@ -10473,104 +9271,14 @@
               </a:tabLst>
             </a:pPr>
             <a:r>
-              <a:rPr lang="en-US" sz="1000" spc="-20" dirty="0">
+              <a:rPr lang="de-DE" sz="1000" dirty="0">
                 <a:solidFill>
                   <a:srgbClr val="020302"/>
                 </a:solidFill>
                 <a:latin typeface="AdobeClean-Light"/>
                 <a:cs typeface="AdobeClean-Light"/>
               </a:rPr>
-              <a:t>Authorized Users (Admins) can start a chat session with Adobe Support </a:t>
-            </a:r>
-            <a:r>
-              <a:rPr lang="en-US" sz="1000" spc="-5" dirty="0">
-                <a:solidFill>
-                  <a:srgbClr val="020302"/>
-                </a:solidFill>
-                <a:latin typeface="AdobeClean-Light"/>
-                <a:cs typeface="AdobeClean-Light"/>
-              </a:rPr>
-              <a:t>to </a:t>
-            </a:r>
-            <a:r>
-              <a:rPr lang="en-US" sz="1000" spc="-10" dirty="0">
-                <a:solidFill>
-                  <a:srgbClr val="020302"/>
-                </a:solidFill>
-                <a:latin typeface="AdobeClean-Light"/>
-                <a:cs typeface="AdobeClean-Light"/>
-              </a:rPr>
-              <a:t>get </a:t>
-            </a:r>
-            <a:r>
-              <a:rPr lang="en-US" sz="1000" spc="-20" dirty="0">
-                <a:solidFill>
-                  <a:srgbClr val="020302"/>
-                </a:solidFill>
-                <a:latin typeface="AdobeClean-Light"/>
-                <a:cs typeface="AdobeClean-Light"/>
-              </a:rPr>
-              <a:t>answers</a:t>
-            </a:r>
-            <a:r>
-              <a:rPr lang="en-US" sz="1000" spc="-45" dirty="0">
-                <a:solidFill>
-                  <a:srgbClr val="020302"/>
-                </a:solidFill>
-                <a:latin typeface="AdobeClean-Light"/>
-                <a:cs typeface="AdobeClean-Light"/>
-              </a:rPr>
-              <a:t> and </a:t>
-            </a:r>
-            <a:r>
-              <a:rPr lang="en-US" sz="1000" spc="-15" dirty="0">
-                <a:solidFill>
-                  <a:srgbClr val="020302"/>
-                </a:solidFill>
-                <a:latin typeface="AdobeClean-Light"/>
-                <a:cs typeface="AdobeClean-Light"/>
-              </a:rPr>
-              <a:t>help </a:t>
-            </a:r>
-            <a:r>
-              <a:rPr lang="en-US" sz="1000" spc="-10" dirty="0">
-                <a:solidFill>
-                  <a:srgbClr val="020302"/>
-                </a:solidFill>
-                <a:latin typeface="AdobeClean-Light"/>
-                <a:cs typeface="AdobeClean-Light"/>
-              </a:rPr>
-              <a:t>with</a:t>
-            </a:r>
-            <a:r>
-              <a:rPr lang="en-US" sz="1000" spc="85" dirty="0">
-                <a:solidFill>
-                  <a:srgbClr val="020302"/>
-                </a:solidFill>
-                <a:latin typeface="AdobeClean-Light"/>
-                <a:cs typeface="AdobeClean-Light"/>
-              </a:rPr>
-              <a:t> </a:t>
-            </a:r>
-            <a:r>
-              <a:rPr lang="en-US" sz="1000" spc="-10" dirty="0">
-                <a:solidFill>
-                  <a:srgbClr val="020302"/>
-                </a:solidFill>
-                <a:latin typeface="AdobeClean-Light"/>
-                <a:cs typeface="AdobeClean-Light"/>
-              </a:rPr>
-              <a:t>case </a:t>
-            </a:r>
-            <a:r>
-              <a:rPr lang="en-US" sz="1000" spc="-20" dirty="0">
-                <a:solidFill>
-                  <a:srgbClr val="020302"/>
-                </a:solidFill>
-                <a:latin typeface="AdobeClean-Light"/>
-                <a:cs typeface="AdobeClean-Light"/>
-              </a:rPr>
-              <a:t>submission.</a:t>
+              <a:t>Autorisierte Benutzer (Administratoren) können eine Chat-Sitzung mit dem Adobe-Support beginnen, um Antworten und Hilfe bei der Einreichung von Fällen zu erhalten.</a:t>
             </a:r>
           </a:p>
           <a:p>
@@ -10586,19 +9294,15 @@
               </a:tabLst>
             </a:pPr>
             <a:r>
-              <a:rPr lang="en-US" sz="1000" i="1" spc="-10" dirty="0">
+              <a:rPr lang="de-DE" sz="1000" i="1" dirty="0">
                 <a:solidFill>
                   <a:srgbClr val="7A7A7A"/>
                 </a:solidFill>
                 <a:latin typeface="AdobeClean-LightIt"/>
                 <a:cs typeface="AdobeClean-LightIt"/>
               </a:rPr>
-              <a:t>Subject to local hours</a:t>
+              <a:t>Je nach lokalen Öffnungszeiten</a:t>
             </a:r>
-            <a:endParaRPr lang="en-US" sz="1000" dirty="0">
-              <a:latin typeface="AdobeClean-Light"/>
-              <a:cs typeface="AdobeClean-Light"/>
-            </a:endParaRPr>
           </a:p>
         </p:txBody>
       </p:sp>
@@ -10618,7 +9322,7 @@
         </p:nvSpPr>
         <p:spPr>
           <a:xfrm>
-            <a:off x="5937487" y="7264890"/>
+            <a:off x="5937487" y="7169640"/>
             <a:ext cx="841577" cy="184666"/>
           </a:xfrm>
           <a:prstGeom prst="rect">
@@ -10640,12 +9344,12 @@
               </a:spcAft>
             </a:pPr>
             <a:r>
-              <a:rPr lang="en-US" sz="1200" b="1" dirty="0">
+              <a:rPr lang="de-DE" sz="1200" b="1">
                 <a:latin typeface="Adobe Clean" panose="020B0503020404020204" pitchFamily="34" charset="0"/>
                 <a:ea typeface="Open Sans" pitchFamily="34" charset="0"/>
                 <a:cs typeface="Open Sans" pitchFamily="34" charset="0"/>
               </a:rPr>
-              <a:t>Chat Support</a:t>
+              <a:t>Chat-Support</a:t>
             </a:r>
           </a:p>
         </p:txBody>
@@ -10666,7 +9370,7 @@
         </p:nvSpPr>
         <p:spPr>
           <a:xfrm>
-            <a:off x="2214435" y="8850387"/>
+            <a:off x="2119185" y="8755137"/>
             <a:ext cx="963405" cy="184666"/>
           </a:xfrm>
           <a:prstGeom prst="rect">
@@ -10688,12 +9392,12 @@
               </a:spcAft>
             </a:pPr>
             <a:r>
-              <a:rPr lang="en-US" sz="1200" b="1" dirty="0">
+              <a:rPr lang="de-DE" sz="1200" b="1" dirty="0">
                 <a:latin typeface="Adobe Clean" panose="020B0503020404020204" pitchFamily="34" charset="0"/>
                 <a:ea typeface="Open Sans" pitchFamily="34" charset="0"/>
                 <a:cs typeface="Open Sans" pitchFamily="34" charset="0"/>
               </a:rPr>
-              <a:t>Phone Support</a:t>
+              <a:t>Telefonischer Support</a:t>
             </a:r>
           </a:p>
         </p:txBody>
@@ -10712,8 +9416,8 @@
         </p:nvSpPr>
         <p:spPr>
           <a:xfrm>
-            <a:off x="1896499" y="9097542"/>
-            <a:ext cx="2023834" cy="651460"/>
+            <a:off x="1732246" y="9002292"/>
+            <a:ext cx="2188087" cy="805349"/>
           </a:xfrm>
           <a:prstGeom prst="rect">
             <a:avLst/>
@@ -10726,116 +9430,42 @@
           <a:lstStyle/>
           <a:p>
             <a:r>
-              <a:rPr lang="en-US" sz="1000" dirty="0">
+              <a:rPr lang="de-DE" sz="1000" dirty="0">
                 <a:solidFill>
                   <a:srgbClr val="020302"/>
                 </a:solidFill>
                 <a:latin typeface="AdobeClean-Light"/>
               </a:rPr>
-              <a:t>Authorized Users (Admins) </a:t>
+              <a:t>Autorisierte Benutzer (Administratoren) </a:t>
             </a:r>
             <a:r>
-              <a:rPr lang="en-US" sz="1000" dirty="0">
+              <a:rPr lang="de-DE" sz="1000" dirty="0">
                 <a:latin typeface="Adobe Clean Light"/>
               </a:rPr>
-              <a:t>can call Adobe Support via phone </a:t>
+              <a:t>können den Adobe-Support telefonisch kontaktieren, </a:t>
             </a:r>
             <a:r>
-              <a:rPr lang="en-US" sz="1000" spc="-5" dirty="0">
+              <a:rPr lang="de-DE" sz="1000" dirty="0">
                 <a:solidFill>
                   <a:srgbClr val="020302"/>
                 </a:solidFill>
                 <a:latin typeface="AdobeClean-Light"/>
                 <a:cs typeface="AdobeClean-Light"/>
               </a:rPr>
-              <a:t>to </a:t>
-            </a:r>
-            <a:r>
-              <a:rPr lang="en-US" sz="1000" spc="-10" dirty="0">
-                <a:solidFill>
-                  <a:srgbClr val="020302"/>
-                </a:solidFill>
-                <a:latin typeface="AdobeClean-Light"/>
-                <a:cs typeface="AdobeClean-Light"/>
-              </a:rPr>
-              <a:t>get </a:t>
-            </a:r>
-            <a:r>
-              <a:rPr lang="en-US" sz="1000" spc="-20" dirty="0">
-                <a:solidFill>
-                  <a:srgbClr val="020302"/>
-                </a:solidFill>
-                <a:latin typeface="AdobeClean-Light"/>
-                <a:cs typeface="AdobeClean-Light"/>
-              </a:rPr>
-              <a:t>answers</a:t>
-            </a:r>
-            <a:r>
-              <a:rPr lang="en-US" sz="1000" spc="-45" dirty="0">
-                <a:solidFill>
-                  <a:srgbClr val="020302"/>
-                </a:solidFill>
-                <a:latin typeface="AdobeClean-Light"/>
-                <a:cs typeface="AdobeClean-Light"/>
-              </a:rPr>
-              <a:t> and</a:t>
-            </a:r>
-            <a:r>
-              <a:rPr lang="en-US" sz="1000" dirty="0">
-                <a:solidFill>
-                  <a:srgbClr val="020302"/>
-                </a:solidFill>
-                <a:latin typeface="AdobeClean-Light"/>
-                <a:cs typeface="AdobeClean-Light"/>
-              </a:rPr>
-              <a:t> </a:t>
-            </a:r>
-            <a:r>
-              <a:rPr lang="en-US" sz="1000" spc="-15" dirty="0">
-                <a:solidFill>
-                  <a:srgbClr val="020302"/>
-                </a:solidFill>
-                <a:latin typeface="AdobeClean-Light"/>
-                <a:cs typeface="AdobeClean-Light"/>
-              </a:rPr>
-              <a:t>help </a:t>
-            </a:r>
-            <a:r>
-              <a:rPr lang="en-US" sz="1000" spc="-10" dirty="0">
-                <a:solidFill>
-                  <a:srgbClr val="020302"/>
-                </a:solidFill>
-                <a:latin typeface="AdobeClean-Light"/>
-                <a:cs typeface="AdobeClean-Light"/>
-              </a:rPr>
-              <a:t>with case </a:t>
-            </a:r>
-            <a:r>
-              <a:rPr lang="en-US" sz="1000" spc="-20" dirty="0">
-                <a:solidFill>
-                  <a:srgbClr val="020302"/>
-                </a:solidFill>
-                <a:latin typeface="AdobeClean-Light"/>
-                <a:cs typeface="AdobeClean-Light"/>
-              </a:rPr>
-              <a:t>submission.</a:t>
+              <a:t>um Antworten und Hilfe bei der Einreichung von Fällen zu erhalten.</a:t>
             </a:r>
           </a:p>
           <a:p>
             <a:r>
-              <a:rPr lang="en-US" sz="1000" i="1" spc="-10" dirty="0">
+              <a:rPr lang="de-DE" sz="1000" i="1" dirty="0">
                 <a:solidFill>
                   <a:srgbClr val="7A7A7A"/>
                 </a:solidFill>
                 <a:latin typeface="Adobe Clean Light" panose="020B0303020404020204" pitchFamily="34" charset="0"/>
                 <a:cs typeface="AdobeClean-LightIt"/>
               </a:rPr>
-              <a:t>Subject to local hours</a:t>
+              <a:t>Je nach lokalen Öffnungszeiten</a:t>
             </a:r>
-            <a:endParaRPr lang="en-US" sz="1000" i="1" dirty="0">
-              <a:latin typeface="Adobe Clean Light" panose="020B0303020404020204" pitchFamily="34" charset="0"/>
-              <a:cs typeface="AdobeClean-Light"/>
-            </a:endParaRPr>
           </a:p>
         </p:txBody>
       </p:sp>
@@ -10855,7 +9485,7 @@
         </p:nvSpPr>
         <p:spPr>
           <a:xfrm>
-            <a:off x="4665030" y="8845241"/>
+            <a:off x="4665030" y="8749991"/>
             <a:ext cx="1402628" cy="184666"/>
           </a:xfrm>
           <a:prstGeom prst="rect">
@@ -10877,12 +9507,12 @@
               </a:spcAft>
             </a:pPr>
             <a:r>
-              <a:rPr lang="en-US" sz="1200" b="1" dirty="0">
+              <a:rPr lang="de-DE" sz="1200" b="1">
                 <a:latin typeface="Adobe Clean" panose="020B0503020404020204" pitchFamily="34" charset="0"/>
                 <a:ea typeface="Open Sans" pitchFamily="34" charset="0"/>
                 <a:cs typeface="Open Sans" pitchFamily="34" charset="0"/>
               </a:rPr>
-              <a:t>Web Case Submission</a:t>
+              <a:t>Fallübermittlung über das Web</a:t>
             </a:r>
           </a:p>
         </p:txBody>
@@ -10901,8 +9531,8 @@
         </p:nvSpPr>
         <p:spPr>
           <a:xfrm>
-            <a:off x="4167337" y="9097542"/>
-            <a:ext cx="2148840" cy="707886"/>
+            <a:off x="4167336" y="9002292"/>
+            <a:ext cx="2502813" cy="707886"/>
           </a:xfrm>
           <a:prstGeom prst="rect">
             <a:avLst/>
@@ -10915,26 +9545,20 @@
           <a:lstStyle/>
           <a:p>
             <a:r>
-              <a:rPr lang="en-US" sz="1000" dirty="0">
+              <a:rPr lang="de-DE" sz="1000" dirty="0">
                 <a:solidFill>
                   <a:srgbClr val="020302"/>
                 </a:solidFill>
                 <a:latin typeface="AdobeClean-Light"/>
               </a:rPr>
-              <a:t>Authorized Users (Admins) </a:t>
+              <a:t>Autorisierte Benutzer (Administratoren) </a:t>
             </a:r>
             <a:r>
-              <a:rPr lang="en-US" sz="1000" dirty="0">
+              <a:rPr lang="de-DE" sz="1000" dirty="0">
                 <a:latin typeface="Adobe Clean Light"/>
               </a:rPr>
-              <a:t>can submit unlimited web cases at any time for support issues for review by our technical support team.</a:t>
+              <a:t>können jederzeit eine unbegrenzte Anzahl von Web-Fällen zur Überprüfung durch unser technisches Support-Team einreichen.</a:t>
             </a:r>
-            <a:endParaRPr lang="en-US" sz="1000" dirty="0">
-              <a:solidFill>
-                <a:srgbClr val="000000"/>
-              </a:solidFill>
-              <a:latin typeface="Adobe Clean Light"/>
-            </a:endParaRPr>
           </a:p>
         </p:txBody>
       </p:sp>
@@ -10952,8 +9576,8 @@
         </p:nvSpPr>
         <p:spPr>
           <a:xfrm>
-            <a:off x="5241757" y="1187127"/>
-            <a:ext cx="2280307" cy="805349"/>
+            <a:off x="5241757" y="1349052"/>
+            <a:ext cx="2280307" cy="1005403"/>
           </a:xfrm>
           <a:prstGeom prst="rect">
             <a:avLst/>
@@ -10967,23 +9591,19 @@
           <a:p>
             <a:pPr marL="12700" marR="5080"/>
             <a:r>
-              <a:rPr lang="en-US" sz="1000" dirty="0">
+              <a:rPr lang="de-DE" sz="900" dirty="0">
                 <a:latin typeface="Adobe Clean Light" panose="020B0303020404020204" pitchFamily="34" charset="0"/>
                 <a:cs typeface="AdobeClean-Light"/>
               </a:rPr>
-              <a:t>Receive prioritized routing to ensure faster connection to more senior support resources on submitted cases, as well as </a:t>
+              <a:t>Sie erhalten vorrangige Weiterleitung, um für eingereichte Fälle schnelleren Kontakt zu erfahreneren Support-Mitarbeitern herzustellen, </a:t>
             </a:r>
             <a:r>
-              <a:rPr lang="en-US" sz="1000" dirty="0">
+              <a:rPr lang="de-DE" sz="900" dirty="0">
                 <a:latin typeface="Adobe Clean Light" panose="020B0303020404020204" pitchFamily="34" charset="0"/>
                 <a:cs typeface="Adobe Clean Light"/>
               </a:rPr>
-              <a:t>higher prioritization on support case work through facilitated engagement with Engineering.</a:t>
+              <a:t>sowie eine höhere Priorisierung bei der Bearbeitung von Support-Fällen durch die verbesserte Zusammenarbeit mit dem Engineering-Team.</a:t>
             </a:r>
-            <a:endParaRPr lang="en-US" sz="1000" dirty="0">
-              <a:latin typeface="Adobe Clean Light" panose="020B0303020404020204" pitchFamily="34" charset="0"/>
-              <a:cs typeface="AdobeClean-Light"/>
-            </a:endParaRPr>
           </a:p>
         </p:txBody>
       </p:sp>
@@ -11004,7 +9624,7 @@
         <p:spPr>
           <a:xfrm>
             <a:off x="5570691" y="832185"/>
-            <a:ext cx="1976242" cy="369332"/>
+            <a:ext cx="1976242" cy="507831"/>
           </a:xfrm>
           <a:prstGeom prst="rect">
             <a:avLst/>
@@ -11025,13 +9645,13 @@
               </a:spcAft>
             </a:pPr>
             <a:r>
-              <a:rPr lang="en-US" sz="1200" b="1" spc="-10" dirty="0">
+              <a:rPr lang="de-DE" sz="1100" b="1" dirty="0">
                 <a:solidFill>
                   <a:srgbClr val="020302"/>
                 </a:solidFill>
                 <a:latin typeface="Adobe Clean" panose="020B0503020404020204" pitchFamily="34" charset="0"/>
               </a:rPr>
-              <a:t>Priority Case Routing &amp; Accelerated Issue Prioritization</a:t>
+              <a:t>Vorrangige Weiterleitung von Fällen und beschleunigte Priorisierung von Problemen</a:t>
             </a:r>
           </a:p>
         </p:txBody>
@@ -11050,8 +9670,8 @@
         </p:nvSpPr>
         <p:spPr>
           <a:xfrm>
-            <a:off x="358574" y="2781808"/>
-            <a:ext cx="2140042" cy="959237"/>
+            <a:off x="358574" y="2981833"/>
+            <a:ext cx="2140042" cy="866904"/>
           </a:xfrm>
           <a:prstGeom prst="rect">
             <a:avLst/>
@@ -11072,15 +9692,11 @@
               </a:spcBef>
             </a:pPr>
             <a:r>
-              <a:rPr lang="en-US" sz="1000" dirty="0">
+              <a:rPr lang="de-DE" sz="900" dirty="0">
                 <a:latin typeface="Adobe Clean Light" panose="020B0303020404020204" pitchFamily="34" charset="0"/>
               </a:rPr>
-              <a:t>A designated point of contact within Adobe who will actively monitor open cases and can provide escalation assistance, regular updates and ensure priority is given to your most critical open support requests.</a:t>
+              <a:t>Ein spezifischer Ansprechpartner innerhalb von Adobe, der aktiv offene Fälle überwacht und Unterstützung bei Eskalation und regelmäßigen Updates bietet und sicherstellt, dass die wichtigsten offenen Support-Anfragen priorisiert werden.</a:t>
             </a:r>
-            <a:endParaRPr lang="en-US" sz="1000" dirty="0">
-              <a:latin typeface="Adobe Clean Light" panose="020B0303020404020204" pitchFamily="34" charset="0"/>
-              <a:cs typeface="AdobeClean-Light"/>
-            </a:endParaRPr>
           </a:p>
         </p:txBody>
       </p:sp>
@@ -11100,8 +9716,8 @@
         </p:nvSpPr>
         <p:spPr>
           <a:xfrm>
-            <a:off x="764873" y="2390174"/>
-            <a:ext cx="1797891" cy="369332"/>
+            <a:off x="764873" y="2494949"/>
+            <a:ext cx="1797891" cy="507831"/>
           </a:xfrm>
           <a:prstGeom prst="rect">
             <a:avLst/>
@@ -11122,13 +9738,13 @@
               </a:spcAft>
             </a:pPr>
             <a:r>
-              <a:rPr lang="en-US" sz="1200" b="1" spc="-10" dirty="0">
+              <a:rPr lang="de-DE" sz="1100" b="1">
                 <a:solidFill>
                   <a:srgbClr val="020302"/>
                 </a:solidFill>
                 <a:latin typeface="Adobe Clean" panose="020B0503020404020204" pitchFamily="34" charset="0"/>
               </a:rPr>
-              <a:t>Proactive Case Monitoring and Escalation Management</a:t>
+              <a:t>Proaktive Überwachung von Fällen und Eskalations-Management</a:t>
             </a:r>
           </a:p>
         </p:txBody>
@@ -11147,8 +9763,8 @@
         </p:nvSpPr>
         <p:spPr>
           <a:xfrm>
-            <a:off x="5583949" y="2474957"/>
-            <a:ext cx="1036205" cy="197490"/>
+            <a:off x="5583949" y="2579732"/>
+            <a:ext cx="1578467" cy="182101"/>
           </a:xfrm>
           <a:prstGeom prst="rect">
             <a:avLst/>
@@ -11169,149 +9785,15 @@
               </a:spcBef>
             </a:pPr>
             <a:r>
-              <a:rPr sz="1200" b="1" spc="-20" dirty="0">
+              <a:rPr lang="de-DE" sz="1100" b="1" dirty="0">
                 <a:solidFill>
                   <a:srgbClr val="020302"/>
                 </a:solidFill>
                 <a:latin typeface="Adobe Clean"/>
                 <a:cs typeface="Adobe Clean"/>
               </a:rPr>
-              <a:t>S</a:t>
+              <a:t>Service-Prüfungen</a:t>
             </a:r>
-            <a:r>
-              <a:rPr sz="1200" b="1" spc="-25" dirty="0">
-                <a:solidFill>
-                  <a:srgbClr val="020302"/>
-                </a:solidFill>
-                <a:latin typeface="Adobe Clean"/>
-                <a:cs typeface="Adobe Clean"/>
-              </a:rPr>
-              <a:t>e</a:t>
-            </a:r>
-            <a:r>
-              <a:rPr sz="1200" b="1" spc="-20" dirty="0">
-                <a:solidFill>
-                  <a:srgbClr val="020302"/>
-                </a:solidFill>
-                <a:latin typeface="Adobe Clean"/>
-                <a:cs typeface="Adobe Clean"/>
-              </a:rPr>
-              <a:t>r</a:t>
-            </a:r>
-            <a:r>
-              <a:rPr sz="1200" b="1" spc="-25" dirty="0">
-                <a:solidFill>
-                  <a:srgbClr val="020302"/>
-                </a:solidFill>
-                <a:latin typeface="Adobe Clean"/>
-                <a:cs typeface="Adobe Clean"/>
-              </a:rPr>
-              <a:t>v</a:t>
-            </a:r>
-            <a:r>
-              <a:rPr sz="1200" b="1" spc="-20" dirty="0">
-                <a:solidFill>
-                  <a:srgbClr val="020302"/>
-                </a:solidFill>
-                <a:latin typeface="Adobe Clean"/>
-                <a:cs typeface="Adobe Clean"/>
-              </a:rPr>
-              <a:t>i</a:t>
-            </a:r>
-            <a:r>
-              <a:rPr sz="1200" b="1" spc="-30" dirty="0">
-                <a:solidFill>
-                  <a:srgbClr val="020302"/>
-                </a:solidFill>
-                <a:latin typeface="Adobe Clean"/>
-                <a:cs typeface="Adobe Clean"/>
-              </a:rPr>
-              <a:t>c</a:t>
-            </a:r>
-            <a:r>
-              <a:rPr sz="1200" b="1" dirty="0">
-                <a:solidFill>
-                  <a:srgbClr val="020302"/>
-                </a:solidFill>
-                <a:latin typeface="Adobe Clean"/>
-                <a:cs typeface="Adobe Clean"/>
-              </a:rPr>
-              <a:t>e</a:t>
-            </a:r>
-            <a:r>
-              <a:rPr sz="1200" b="1" spc="-80" dirty="0">
-                <a:solidFill>
-                  <a:srgbClr val="020302"/>
-                </a:solidFill>
-                <a:latin typeface="Adobe Clean"/>
-                <a:cs typeface="Adobe Clean"/>
-              </a:rPr>
-              <a:t> </a:t>
-            </a:r>
-            <a:r>
-              <a:rPr sz="1200" b="1" spc="-20" dirty="0">
-                <a:solidFill>
-                  <a:srgbClr val="020302"/>
-                </a:solidFill>
-                <a:latin typeface="Adobe Clean"/>
-                <a:cs typeface="Adobe Clean"/>
-              </a:rPr>
-              <a:t>R</a:t>
-            </a:r>
-            <a:r>
-              <a:rPr sz="1200" b="1" spc="-25" dirty="0">
-                <a:solidFill>
-                  <a:srgbClr val="020302"/>
-                </a:solidFill>
-                <a:latin typeface="Adobe Clean"/>
-                <a:cs typeface="Adobe Clean"/>
-              </a:rPr>
-              <a:t>e</a:t>
-            </a:r>
-            <a:r>
-              <a:rPr sz="1200" b="1" spc="-30" dirty="0">
-                <a:solidFill>
-                  <a:srgbClr val="020302"/>
-                </a:solidFill>
-                <a:latin typeface="Adobe Clean"/>
-                <a:cs typeface="Adobe Clean"/>
-              </a:rPr>
-              <a:t>v</a:t>
-            </a:r>
-            <a:r>
-              <a:rPr sz="1200" b="1" spc="-20" dirty="0">
-                <a:solidFill>
-                  <a:srgbClr val="020302"/>
-                </a:solidFill>
-                <a:latin typeface="Adobe Clean"/>
-                <a:cs typeface="Adobe Clean"/>
-              </a:rPr>
-              <a:t>i</a:t>
-            </a:r>
-            <a:r>
-              <a:rPr sz="1200" b="1" spc="-25" dirty="0">
-                <a:solidFill>
-                  <a:srgbClr val="020302"/>
-                </a:solidFill>
-                <a:latin typeface="Adobe Clean"/>
-                <a:cs typeface="Adobe Clean"/>
-              </a:rPr>
-              <a:t>ew</a:t>
-            </a:r>
-            <a:r>
-              <a:rPr sz="1200" b="1" dirty="0">
-                <a:solidFill>
-                  <a:srgbClr val="020302"/>
-                </a:solidFill>
-                <a:latin typeface="Adobe Clean"/>
-                <a:cs typeface="Adobe Clean"/>
-              </a:rPr>
-              <a:t>s</a:t>
-            </a:r>
-            <a:endParaRPr sz="1200" dirty="0">
-              <a:latin typeface="Adobe Clean"/>
-              <a:cs typeface="Adobe Clean"/>
-            </a:endParaRPr>
           </a:p>
         </p:txBody>
       </p:sp>
@@ -11329,8 +9811,8 @@
         </p:nvSpPr>
         <p:spPr>
           <a:xfrm>
-            <a:off x="5217782" y="2759013"/>
-            <a:ext cx="2194560" cy="628377"/>
+            <a:off x="5217782" y="2863788"/>
+            <a:ext cx="2194560" cy="843821"/>
           </a:xfrm>
           <a:prstGeom prst="rect">
             <a:avLst/>
@@ -11351,15 +9833,11 @@
               </a:spcBef>
             </a:pPr>
             <a:r>
-              <a:rPr lang="en-US" sz="1000" dirty="0">
+              <a:rPr lang="de-DE" sz="900" dirty="0">
                 <a:latin typeface="Adobe Clean Light" panose="020B0303020404020204" pitchFamily="34" charset="0"/>
               </a:rPr>
-              <a:t>Comprehensive quarterly review of Elite program services, benefits and support performance. May be combined with other strategic business reviews held with Adobe.</a:t>
+              <a:t>Umfassende vierteljährliche Überprüfung der Leistungen, der Vorteile und des Supports des Elite-Programms. Kann mit anderen in Zusammenarbeit mit Adobe durchgeführten strategischen Unternehmensüberprüfungen kombiniert werden.</a:t>
             </a:r>
-            <a:endParaRPr sz="1000" dirty="0">
-              <a:latin typeface="Adobe Clean Light" panose="020B0303020404020204" pitchFamily="34" charset="0"/>
-              <a:cs typeface="AdobeClean-Light"/>
-            </a:endParaRPr>
           </a:p>
         </p:txBody>
       </p:sp>
@@ -11377,8 +9855,8 @@
         </p:nvSpPr>
         <p:spPr>
           <a:xfrm>
-            <a:off x="3138045" y="2474957"/>
-            <a:ext cx="1036205" cy="197490"/>
+            <a:off x="3138045" y="2579732"/>
+            <a:ext cx="1036205" cy="182101"/>
           </a:xfrm>
           <a:prstGeom prst="rect">
             <a:avLst/>
@@ -11399,99 +9877,15 @@
               </a:spcBef>
             </a:pPr>
             <a:r>
-              <a:rPr lang="en-US" sz="1200" b="1" spc="-20" dirty="0">
+              <a:rPr lang="de-DE" sz="1100" b="1">
                 <a:solidFill>
                   <a:srgbClr val="020302"/>
                 </a:solidFill>
                 <a:latin typeface="Adobe Clean"/>
                 <a:cs typeface="Adobe Clean"/>
               </a:rPr>
-              <a:t>Cas</a:t>
+              <a:t>Fallprüfungen</a:t>
             </a:r>
-            <a:r>
-              <a:rPr sz="1200" b="1" dirty="0">
-                <a:solidFill>
-                  <a:srgbClr val="020302"/>
-                </a:solidFill>
-                <a:latin typeface="Adobe Clean"/>
-                <a:cs typeface="Adobe Clean"/>
-              </a:rPr>
-              <a:t>e</a:t>
-            </a:r>
-            <a:r>
-              <a:rPr sz="1200" b="1" spc="-80" dirty="0">
-                <a:solidFill>
-                  <a:srgbClr val="020302"/>
-                </a:solidFill>
-                <a:latin typeface="Adobe Clean"/>
-                <a:cs typeface="Adobe Clean"/>
-              </a:rPr>
-              <a:t> </a:t>
-            </a:r>
-            <a:r>
-              <a:rPr sz="1200" b="1" spc="-20" dirty="0">
-                <a:solidFill>
-                  <a:srgbClr val="020302"/>
-                </a:solidFill>
-                <a:latin typeface="Adobe Clean"/>
-                <a:cs typeface="Adobe Clean"/>
-              </a:rPr>
-              <a:t>R</a:t>
-            </a:r>
-            <a:r>
-              <a:rPr sz="1200" b="1" spc="-25" dirty="0">
-                <a:solidFill>
-                  <a:srgbClr val="020302"/>
-                </a:solidFill>
-                <a:latin typeface="Adobe Clean"/>
-                <a:cs typeface="Adobe Clean"/>
-              </a:rPr>
-              <a:t>e</a:t>
-            </a:r>
-            <a:r>
-              <a:rPr sz="1200" b="1" spc="-30" dirty="0">
-                <a:solidFill>
-                  <a:srgbClr val="020302"/>
-                </a:solidFill>
-                <a:latin typeface="Adobe Clean"/>
-                <a:cs typeface="Adobe Clean"/>
-              </a:rPr>
-              <a:t>v</a:t>
-            </a:r>
-            <a:r>
-              <a:rPr sz="1200" b="1" spc="-20" dirty="0">
-                <a:solidFill>
-                  <a:srgbClr val="020302"/>
-                </a:solidFill>
-                <a:latin typeface="Adobe Clean"/>
-                <a:cs typeface="Adobe Clean"/>
-              </a:rPr>
-              <a:t>i</a:t>
-            </a:r>
-            <a:r>
-              <a:rPr sz="1200" b="1" spc="-25" dirty="0">
-                <a:solidFill>
-                  <a:srgbClr val="020302"/>
-                </a:solidFill>
-                <a:latin typeface="Adobe Clean"/>
-                <a:cs typeface="Adobe Clean"/>
-              </a:rPr>
-              <a:t>ew</a:t>
-            </a:r>
-            <a:r>
-              <a:rPr sz="1200" b="1" dirty="0">
-                <a:solidFill>
-                  <a:srgbClr val="020302"/>
-                </a:solidFill>
-                <a:latin typeface="Adobe Clean"/>
-                <a:cs typeface="Adobe Clean"/>
-              </a:rPr>
-              <a:t>s</a:t>
-            </a:r>
-            <a:endParaRPr sz="1200" dirty="0">
-              <a:latin typeface="Adobe Clean"/>
-              <a:cs typeface="Adobe Clean"/>
-            </a:endParaRPr>
           </a:p>
         </p:txBody>
       </p:sp>
@@ -11509,8 +9903,8 @@
         </p:nvSpPr>
         <p:spPr>
           <a:xfrm>
-            <a:off x="2762004" y="2778693"/>
-            <a:ext cx="2252540" cy="782265"/>
+            <a:off x="2762004" y="2883468"/>
+            <a:ext cx="2252540" cy="843821"/>
           </a:xfrm>
           <a:prstGeom prst="rect">
             <a:avLst/>
@@ -11531,13 +9925,13 @@
               </a:spcBef>
             </a:pPr>
             <a:r>
-              <a:rPr lang="en-US" sz="1000" dirty="0">
+              <a:rPr lang="de-DE" sz="900" dirty="0">
                 <a:latin typeface="Adobe Clean Light" panose="020B0303020404020204" pitchFamily="34" charset="0"/>
               </a:rPr>
-              <a:t>Regularly scheduled reviews of open support requests, ensuring customer alignment on case description, business impact, status, priority and agreement on next steps required to ensure a timely resolution</a:t>
+              <a:t>Fortlaufende planmäßige Prüfung offener Support-Anfragen, um sicherzustellen, dass Kunden über Fallbeschreibung, geschäftliche Auswirkungen, Status, Priorität und die nächsten Schritte für eine zeitnahe Lösung auf dem Laufenden sind</a:t>
             </a:r>
             <a:r>
-              <a:rPr lang="en-US" sz="1000" dirty="0">
+              <a:rPr lang="de-DE" sz="900" dirty="0">
                 <a:solidFill>
                   <a:srgbClr val="4B4B4B"/>
                 </a:solidFill>
@@ -11545,10 +9939,6 @@
               </a:rPr>
               <a:t>.</a:t>
             </a:r>
-            <a:endParaRPr sz="1000" dirty="0">
-              <a:latin typeface="Adobe Clean Light" panose="020B0303020404020204" pitchFamily="34" charset="0"/>
-              <a:cs typeface="AdobeClean-Light"/>
-            </a:endParaRPr>
           </a:p>
         </p:txBody>
       </p:sp>
@@ -11566,8 +9956,8 @@
         </p:nvSpPr>
         <p:spPr>
           <a:xfrm>
-            <a:off x="2762004" y="4269935"/>
-            <a:ext cx="2507536" cy="961802"/>
+            <a:off x="2762004" y="4365185"/>
+            <a:ext cx="2507536" cy="1007968"/>
           </a:xfrm>
           <a:prstGeom prst="rect">
             <a:avLst/>
@@ -11585,19 +9975,15 @@
               </a:spcBef>
             </a:pPr>
             <a:r>
-              <a:rPr lang="en-US" sz="1000" dirty="0">
+              <a:rPr lang="de-DE" sz="900" dirty="0">
                 <a:solidFill>
                   <a:srgbClr val="020302"/>
                 </a:solidFill>
                 <a:latin typeface="AdobeClean-Light"/>
                 <a:cs typeface="AdobeClean-Light"/>
               </a:rPr>
-              <a:t>Proactive review of your solution  deployment, configuration, and overall  architecture, including integrations. Align your solution and project roadmap to  mitigate risk and prepare for the future.</a:t>
+              <a:t>Proaktive Prüfung Ihrer Lösungsimplementierung, -konfiguration und -architektur, einschließlich Integrationen. Ausrichtung Ihrer Lösung und der Projekt-Roadmap, um Risiken zu minimieren und sich auf die Zukunft vorzubereiten.</a:t>
             </a:r>
-            <a:endParaRPr lang="en-US" sz="1000" dirty="0">
-              <a:latin typeface="AdobeClean-Light"/>
-              <a:cs typeface="AdobeClean-Light"/>
-            </a:endParaRPr>
           </a:p>
           <a:p>
             <a:pPr marL="18415" marR="262255" lvl="0">
@@ -11605,7 +9991,7 @@
                 <a:spcPts val="315"/>
               </a:spcBef>
             </a:pPr>
-            <a:endParaRPr lang="en-US" sz="1000" dirty="0">
+            <a:endParaRPr lang="en-US" sz="900" dirty="0">
               <a:solidFill>
                 <a:prstClr val="black"/>
               </a:solidFill>
@@ -11629,8 +10015,8 @@
         </p:nvSpPr>
         <p:spPr>
           <a:xfrm>
-            <a:off x="5586196" y="3849542"/>
-            <a:ext cx="1576220" cy="369332"/>
+            <a:off x="5586196" y="3935267"/>
+            <a:ext cx="1576220" cy="338554"/>
           </a:xfrm>
           <a:prstGeom prst="rect">
             <a:avLst/>
@@ -11648,22 +10034,15 @@
               </a:spcBef>
             </a:pPr>
             <a:r>
-              <a:rPr lang="en-US" sz="1200" b="1" dirty="0">
+              <a:rPr lang="de-DE" sz="1100" b="1">
                 <a:solidFill>
                   <a:srgbClr val="020302"/>
                 </a:solidFill>
                 <a:latin typeface="Adobe Clean" panose="020B0503020404020204" pitchFamily="34" charset="0"/>
                 <a:cs typeface="Adobe Clean"/>
               </a:rPr>
-              <a:t>Release Preparation and Planning </a:t>
+              <a:t>Versionsvorbereitung und -planung </a:t>
             </a:r>
-            <a:endParaRPr lang="en-US" sz="1200" dirty="0">
-              <a:solidFill>
-                <a:prstClr val="black"/>
-              </a:solidFill>
-              <a:latin typeface="Adobe Clean" panose="020B0503020404020204" pitchFamily="34" charset="0"/>
-              <a:cs typeface="Adobe Clean"/>
-            </a:endParaRPr>
           </a:p>
         </p:txBody>
       </p:sp>
@@ -11681,8 +10060,8 @@
         </p:nvSpPr>
         <p:spPr>
           <a:xfrm>
-            <a:off x="3131123" y="3878097"/>
-            <a:ext cx="2194560" cy="369332"/>
+            <a:off x="3131123" y="3982872"/>
+            <a:ext cx="2194560" cy="338554"/>
           </a:xfrm>
           <a:prstGeom prst="rect">
             <a:avLst/>
@@ -11696,35 +10075,28 @@
           <a:p>
             <a:pPr lvl="0"/>
             <a:r>
-              <a:rPr lang="en-US" sz="1200" b="1" dirty="0">
+              <a:rPr lang="de-DE" sz="1100" b="1" dirty="0">
                 <a:solidFill>
                   <a:srgbClr val="020302"/>
                 </a:solidFill>
                 <a:latin typeface="Adobe Clean" panose="020B0503020404020204" pitchFamily="34" charset="0"/>
                 <a:cs typeface="Adobe Clean"/>
               </a:rPr>
-              <a:t>Solution and Roadmap </a:t>
+              <a:t>Lösung und Roadmap </a:t>
             </a:r>
           </a:p>
           <a:p>
             <a:pPr lvl="0"/>
             <a:r>
-              <a:rPr lang="en-US" sz="1200" b="1" dirty="0">
+              <a:rPr lang="de-DE" sz="1100" b="1" dirty="0">
                 <a:solidFill>
                   <a:srgbClr val="020302"/>
                 </a:solidFill>
                 <a:latin typeface="Adobe Clean" panose="020B0503020404020204" pitchFamily="34" charset="0"/>
                 <a:cs typeface="Adobe Clean"/>
               </a:rPr>
-              <a:t>Review</a:t>
+              <a:t>Überprüfung</a:t>
             </a:r>
-            <a:endParaRPr lang="en-US" sz="1200" dirty="0">
-              <a:solidFill>
-                <a:prstClr val="black"/>
-              </a:solidFill>
-              <a:latin typeface="Adobe Clean" panose="020B0503020404020204" pitchFamily="34" charset="0"/>
-              <a:cs typeface="Adobe Clean"/>
-            </a:endParaRPr>
           </a:p>
         </p:txBody>
       </p:sp>
@@ -11742,8 +10114,8 @@
         </p:nvSpPr>
         <p:spPr>
           <a:xfrm>
-            <a:off x="5182084" y="4238132"/>
-            <a:ext cx="2282011" cy="461665"/>
+            <a:off x="5182084" y="4333382"/>
+            <a:ext cx="2282011" cy="553998"/>
           </a:xfrm>
           <a:prstGeom prst="rect">
             <a:avLst/>
@@ -11761,19 +10133,15 @@
               </a:spcBef>
             </a:pPr>
             <a:r>
-              <a:rPr lang="en-US" sz="1000" dirty="0">
+              <a:rPr lang="de-DE" sz="900" dirty="0">
                 <a:solidFill>
                   <a:srgbClr val="020302"/>
                 </a:solidFill>
                 <a:latin typeface="AdobeClean-Light"/>
                 <a:cs typeface="AdobeClean-Light"/>
               </a:rPr>
-              <a:t>Benefit from tailored release information based on product configuration and use case(s). </a:t>
+              <a:t>Profitieren von maßgeschneiderten Release-Informationen auf der Grundlage von Produktkonfigurationen und Anwendungsfällen. </a:t>
             </a:r>
-            <a:endParaRPr lang="en-US" sz="1000" dirty="0">
-              <a:latin typeface="AdobeClean-Light"/>
-              <a:cs typeface="AdobeClean-Light"/>
-            </a:endParaRPr>
           </a:p>
         </p:txBody>
       </p:sp>
@@ -11791,7 +10159,7 @@
         </p:nvSpPr>
         <p:spPr>
           <a:xfrm rot="5400000" flipH="1">
-            <a:off x="3811229" y="2339665"/>
+            <a:off x="3811229" y="2415865"/>
             <a:ext cx="45719" cy="5577840"/>
           </a:xfrm>
           <a:custGeom>
@@ -11846,8 +10214,8 @@
         </p:nvSpPr>
         <p:spPr>
           <a:xfrm>
-            <a:off x="375777" y="4352804"/>
-            <a:ext cx="2194560" cy="615553"/>
+            <a:off x="375777" y="4429004"/>
+            <a:ext cx="2194560" cy="692497"/>
           </a:xfrm>
           <a:prstGeom prst="rect">
             <a:avLst/>
@@ -11865,10 +10233,10 @@
               </a:spcBef>
             </a:pPr>
             <a:r>
-              <a:rPr lang="en-US" sz="1000" dirty="0">
+              <a:rPr lang="de-DE" sz="900" dirty="0">
                 <a:latin typeface="Adobe Clean Light" panose="020B0303020404020204" pitchFamily="34" charset="0"/>
               </a:rPr>
-              <a:t>Receive support from members of our Adobe Support Team located within your global region. This may include in-country and/or in-language support. </a:t>
+              <a:t>Unterstützung von Mitgliedern des Adobe-Supportteams, die in Ihrer Region ansässig sind. Dies kann Unterstützung im Land und/oder in der Landessprache beinhalten. </a:t>
             </a:r>
           </a:p>
         </p:txBody>
@@ -11887,8 +10255,8 @@
         </p:nvSpPr>
         <p:spPr>
           <a:xfrm>
-            <a:off x="773188" y="4074058"/>
-            <a:ext cx="2194560" cy="184666"/>
+            <a:off x="773188" y="4026433"/>
+            <a:ext cx="2194560" cy="338554"/>
           </a:xfrm>
           <a:prstGeom prst="rect">
             <a:avLst/>
@@ -11906,22 +10274,34 @@
               </a:spcBef>
             </a:pPr>
             <a:r>
-              <a:rPr lang="en-US" sz="1200" b="1" dirty="0">
+              <a:rPr lang="de-DE" sz="1100" b="1" dirty="0">
                 <a:solidFill>
                   <a:srgbClr val="020302"/>
                 </a:solidFill>
                 <a:latin typeface="Adobe Clean" panose="020B0503020404020204" pitchFamily="34" charset="0"/>
                 <a:cs typeface="Adobe Clean"/>
               </a:rPr>
-              <a:t>In-Region Support Option</a:t>
+              <a:t>Option zum Support </a:t>
             </a:r>
-            <a:endParaRPr lang="en-US" sz="1200" dirty="0">
-              <a:solidFill>
-                <a:prstClr val="black"/>
-              </a:solidFill>
-              <a:latin typeface="Adobe Clean" panose="020B0503020404020204" pitchFamily="34" charset="0"/>
-              <a:cs typeface="Adobe Clean"/>
-            </a:endParaRPr>
+            <a:br>
+              <a:rPr lang="de-DE" sz="1100" b="1" dirty="0">
+                <a:solidFill>
+                  <a:srgbClr val="020302"/>
+                </a:solidFill>
+                <a:latin typeface="Adobe Clean" panose="020B0503020404020204" pitchFamily="34" charset="0"/>
+                <a:cs typeface="Adobe Clean"/>
+              </a:rPr>
+            </a:br>
+            <a:r>
+              <a:rPr lang="de-DE" sz="1100" b="1" dirty="0">
+                <a:solidFill>
+                  <a:srgbClr val="020302"/>
+                </a:solidFill>
+                <a:latin typeface="Adobe Clean" panose="020B0503020404020204" pitchFamily="34" charset="0"/>
+                <a:cs typeface="Adobe Clean"/>
+              </a:rPr>
+              <a:t>innerhalb der Region</a:t>
+            </a:r>
           </a:p>
         </p:txBody>
       </p:sp>
@@ -11939,8 +10319,8 @@
         </p:nvSpPr>
         <p:spPr>
           <a:xfrm>
-            <a:off x="2682827" y="5587536"/>
-            <a:ext cx="2194560" cy="461665"/>
+            <a:off x="2682827" y="5682786"/>
+            <a:ext cx="2194560" cy="415498"/>
           </a:xfrm>
           <a:prstGeom prst="rect">
             <a:avLst/>
@@ -11958,16 +10338,12 @@
               </a:spcBef>
             </a:pPr>
             <a:r>
-              <a:rPr lang="en-US" sz="1000" dirty="0">
+              <a:rPr lang="de-DE" sz="900">
                 <a:latin typeface="AdobeClean-Light"/>
                 <a:cs typeface="AdobeClean-Light"/>
               </a:rPr>
-              <a:t>Benefit from the partnership of an Executive Sponsor from Adobe’s Support Leadership Team. </a:t>
+              <a:t>Vorteile der Partnerschaft eines Executive Sponsor aus dem Support Leadership Team von Adobe. </a:t>
             </a:r>
-            <a:endParaRPr sz="1000" dirty="0">
-              <a:latin typeface="AdobeClean-Light"/>
-              <a:cs typeface="AdobeClean-Light"/>
-            </a:endParaRPr>
           </a:p>
         </p:txBody>
       </p:sp>
@@ -11985,8 +10361,8 @@
         </p:nvSpPr>
         <p:spPr>
           <a:xfrm>
-            <a:off x="3112402" y="5331306"/>
-            <a:ext cx="1680344" cy="184666"/>
+            <a:off x="3112402" y="5397981"/>
+            <a:ext cx="1680344" cy="169277"/>
           </a:xfrm>
           <a:prstGeom prst="rect">
             <a:avLst/>
@@ -12004,7 +10380,7 @@
               </a:spcBef>
             </a:pPr>
             <a:r>
-              <a:rPr lang="en-US" sz="1200" b="1" dirty="0">
+              <a:rPr lang="de-DE" sz="1100" b="1" dirty="0">
                 <a:solidFill>
                   <a:srgbClr val="020302"/>
                 </a:solidFill>
@@ -12013,13 +10389,6 @@
               </a:rPr>
               <a:t>Executive Sponsor </a:t>
             </a:r>
-            <a:endParaRPr lang="en-US" sz="1200" dirty="0">
-              <a:solidFill>
-                <a:prstClr val="black"/>
-              </a:solidFill>
-              <a:latin typeface="Adobe Clean" panose="020B0503020404020204" pitchFamily="34" charset="0"/>
-              <a:cs typeface="Adobe Clean"/>
-            </a:endParaRPr>
           </a:p>
         </p:txBody>
       </p:sp>
@@ -12054,7 +10423,7 @@
         </p:blipFill>
         <p:spPr>
           <a:xfrm>
-            <a:off x="4221490" y="8791806"/>
+            <a:off x="4221490" y="8696556"/>
             <a:ext cx="365760" cy="365760"/>
           </a:xfrm>
           <a:prstGeom prst="rect">
@@ -12093,7 +10462,7 @@
         </p:blipFill>
         <p:spPr>
           <a:xfrm>
-            <a:off x="1827496" y="8728287"/>
+            <a:off x="1732246" y="8633037"/>
             <a:ext cx="365760" cy="365760"/>
           </a:xfrm>
           <a:prstGeom prst="rect">
@@ -12132,7 +10501,7 @@
         </p:blipFill>
         <p:spPr>
           <a:xfrm>
-            <a:off x="5492755" y="7114984"/>
+            <a:off x="5492755" y="7019734"/>
             <a:ext cx="365760" cy="365760"/>
           </a:xfrm>
           <a:prstGeom prst="rect">
@@ -12171,7 +10540,7 @@
         </p:blipFill>
         <p:spPr>
           <a:xfrm>
-            <a:off x="441761" y="7170953"/>
+            <a:off x="441761" y="7075703"/>
             <a:ext cx="365760" cy="365760"/>
           </a:xfrm>
           <a:prstGeom prst="rect">
@@ -12210,7 +10579,7 @@
         </p:blipFill>
         <p:spPr>
           <a:xfrm>
-            <a:off x="2929522" y="7170953"/>
+            <a:off x="2929522" y="7075703"/>
             <a:ext cx="365760" cy="365760"/>
           </a:xfrm>
           <a:prstGeom prst="rect">
@@ -12371,7 +10740,7 @@
         </p:blipFill>
         <p:spPr>
           <a:xfrm>
-            <a:off x="350473" y="2374396"/>
+            <a:off x="350473" y="2479171"/>
             <a:ext cx="365760" cy="365760"/>
           </a:xfrm>
           <a:prstGeom prst="rect">
@@ -12413,7 +10782,7 @@
         </p:blipFill>
         <p:spPr>
           <a:xfrm>
-            <a:off x="2730573" y="2398871"/>
+            <a:off x="2730573" y="2503646"/>
             <a:ext cx="365760" cy="365760"/>
           </a:xfrm>
           <a:prstGeom prst="rect">
@@ -12452,7 +10821,7 @@
         </p:blipFill>
         <p:spPr>
           <a:xfrm>
-            <a:off x="5176477" y="2383541"/>
+            <a:off x="5176477" y="2488316"/>
             <a:ext cx="365760" cy="365760"/>
           </a:xfrm>
           <a:prstGeom prst="rect">
@@ -12491,7 +10860,7 @@
         </p:blipFill>
         <p:spPr>
           <a:xfrm>
-            <a:off x="351215" y="3967424"/>
+            <a:off x="351215" y="4005524"/>
             <a:ext cx="365760" cy="365760"/>
           </a:xfrm>
           <a:prstGeom prst="rect">
@@ -12530,7 +10899,7 @@
         </p:blipFill>
         <p:spPr>
           <a:xfrm>
-            <a:off x="2718539" y="3888922"/>
+            <a:off x="2718539" y="3974647"/>
             <a:ext cx="365760" cy="365760"/>
           </a:xfrm>
           <a:prstGeom prst="rect">
@@ -12569,7 +10938,7 @@
         </p:blipFill>
         <p:spPr>
           <a:xfrm>
-            <a:off x="375777" y="5221776"/>
+            <a:off x="375777" y="5288451"/>
             <a:ext cx="365760" cy="365760"/>
           </a:xfrm>
           <a:prstGeom prst="rect">
@@ -12608,7 +10977,7 @@
         </p:blipFill>
         <p:spPr>
           <a:xfrm>
-            <a:off x="5201260" y="3878097"/>
+            <a:off x="5201260" y="3963822"/>
             <a:ext cx="365760" cy="365760"/>
           </a:xfrm>
           <a:prstGeom prst="rect">
@@ -12647,7 +11016,7 @@
         </p:blipFill>
         <p:spPr>
           <a:xfrm>
-            <a:off x="2682827" y="5244698"/>
+            <a:off x="2682827" y="5311373"/>
             <a:ext cx="365760" cy="365760"/>
           </a:xfrm>
           <a:prstGeom prst="rect">
@@ -12680,7 +11049,7 @@
         </p:blipFill>
         <p:spPr>
           <a:xfrm>
-            <a:off x="5145556" y="5227253"/>
+            <a:off x="5145556" y="5293928"/>
             <a:ext cx="365760" cy="365760"/>
           </a:xfrm>
           <a:prstGeom prst="rect">
@@ -12705,7 +11074,7 @@
         <p:spPr>
           <a:xfrm>
             <a:off x="97788" y="9857050"/>
-            <a:ext cx="2245360" cy="133370"/>
+            <a:ext cx="2377440" cy="133370"/>
           </a:xfrm>
           <a:prstGeom prst="rect">
             <a:avLst/>
@@ -12817,36 +11186,8 @@
               </a:spcBef>
             </a:pPr>
             <a:r>
-              <a:rPr lang="en-US" spc="-10" dirty="0"/>
-              <a:t>©202</a:t>
-            </a:r>
-            <a:r>
-              <a:rPr lang="en-US" spc="-5" dirty="0"/>
-              <a:t>2 Adobe. All</a:t>
-            </a:r>
-            <a:r>
-              <a:rPr lang="en-US" spc="-10" dirty="0"/>
-              <a:t> Rights</a:t>
-            </a:r>
-            <a:r>
-              <a:rPr lang="en-US" spc="-5" dirty="0"/>
-              <a:t> </a:t>
-            </a:r>
-            <a:r>
-              <a:rPr lang="en-US" spc="-10" dirty="0"/>
-              <a:t>Reserved.</a:t>
-            </a:r>
-            <a:r>
-              <a:rPr lang="en-US" spc="-5" dirty="0"/>
-              <a:t> Adobe</a:t>
-            </a:r>
-            <a:r>
-              <a:rPr lang="en-US" spc="60" dirty="0"/>
-              <a:t> </a:t>
-            </a:r>
-            <a:r>
-              <a:rPr lang="en-US" spc="-10" dirty="0"/>
-              <a:t>Confidential.</a:t>
+              <a:rPr lang="de-DE" dirty="0"/>
+              <a:t>©2022 Adobe. All Rights Reserved. Adobe Confidential.</a:t>
             </a:r>
           </a:p>
         </p:txBody>
@@ -12908,49 +11249,15 @@
               </a:lnSpc>
             </a:pPr>
             <a:r>
-              <a:rPr sz="500" spc="-5">
+              <a:rPr lang="de-DE" sz="500">
                 <a:solidFill>
                   <a:srgbClr val="6C6C6C"/>
                 </a:solidFill>
                 <a:latin typeface="Adobe Clean"/>
                 <a:cs typeface="Adobe Clean"/>
               </a:rPr>
-              <a:t>©2020 Adobe. All Rights Reserved. </a:t>
+              <a:t>©2020 Adobe. All Rights Reserved. Adobe Confidential.</a:t>
             </a:r>
-            <a:r>
-              <a:rPr sz="500">
-                <a:solidFill>
-                  <a:srgbClr val="6C6C6C"/>
-                </a:solidFill>
-                <a:latin typeface="Adobe Clean"/>
-                <a:cs typeface="Adobe Clean"/>
-              </a:rPr>
-              <a:t>Adobe</a:t>
-            </a:r>
-            <a:r>
-              <a:rPr sz="500" spc="5">
-                <a:solidFill>
-                  <a:srgbClr val="6C6C6C"/>
-                </a:solidFill>
-                <a:latin typeface="Adobe Clean"/>
-                <a:cs typeface="Adobe Clean"/>
-              </a:rPr>
-              <a:t> </a:t>
-            </a:r>
-            <a:r>
-              <a:rPr sz="500" spc="-5">
-                <a:solidFill>
-                  <a:srgbClr val="6C6C6C"/>
-                </a:solidFill>
-                <a:latin typeface="Adobe Clean"/>
-                <a:cs typeface="Adobe Clean"/>
-              </a:rPr>
-              <a:t>Confidential.</a:t>
-            </a:r>
-            <a:endParaRPr sz="500">
-              <a:latin typeface="Adobe Clean"/>
-              <a:cs typeface="Adobe Clean"/>
-            </a:endParaRPr>
           </a:p>
           <a:p>
             <a:pPr>
@@ -12976,39 +11283,15 @@
               </a:spcBef>
             </a:pPr>
             <a:r>
-              <a:rPr sz="800" spc="-5">
+              <a:rPr lang="de-DE" sz="800">
                 <a:solidFill>
                   <a:srgbClr val="6D6D6D"/>
                 </a:solidFill>
                 <a:latin typeface="Adobe Clean"/>
                 <a:cs typeface="Adobe Clean"/>
               </a:rPr>
-              <a:t>©2020 Adobe. All Rights Reserved. Adobe</a:t>
+              <a:t>©2020 Adobe. All Rights Reserved. Adobe Confidential.</a:t>
             </a:r>
-            <a:r>
-              <a:rPr sz="800" spc="75">
-                <a:solidFill>
-                  <a:srgbClr val="6D6D6D"/>
-                </a:solidFill>
-                <a:latin typeface="Adobe Clean"/>
-                <a:cs typeface="Adobe Clean"/>
-              </a:rPr>
-              <a:t> </a:t>
-            </a:r>
-            <a:r>
-              <a:rPr sz="800" spc="-5">
-                <a:solidFill>
-                  <a:srgbClr val="6D6D6D"/>
-                </a:solidFill>
-                <a:latin typeface="Adobe Clean"/>
-                <a:cs typeface="Adobe Clean"/>
-              </a:rPr>
-              <a:t>Confidential.</a:t>
-            </a:r>
-            <a:endParaRPr sz="800">
-              <a:latin typeface="Adobe Clean"/>
-              <a:cs typeface="Adobe Clean"/>
-            </a:endParaRPr>
           </a:p>
         </p:txBody>
       </p:sp>
@@ -13092,19 +11375,15 @@
               </a:spcBef>
             </a:pPr>
             <a:r>
-              <a:rPr lang="en-US" sz="1400" b="1" spc="-15">
+              <a:rPr lang="de-DE" sz="1400" b="1">
                 <a:solidFill>
                   <a:srgbClr val="020302"/>
                 </a:solidFill>
                 <a:latin typeface="Adobe Clean"/>
                 <a:cs typeface="Adobe Clean"/>
               </a:rPr>
-              <a:t>Resources</a:t>
+              <a:t>Ressourcen</a:t>
             </a:r>
-            <a:endParaRPr sz="1400">
-              <a:latin typeface="Adobe Clean"/>
-              <a:cs typeface="Adobe Clean"/>
-            </a:endParaRPr>
           </a:p>
         </p:txBody>
       </p:sp>
@@ -13138,7 +11417,7 @@
               </a:spcBef>
             </a:pPr>
             <a:r>
-              <a:rPr sz="800" spc="-15">
+              <a:rPr lang="de-DE" sz="800">
                 <a:solidFill>
                   <a:srgbClr val="777879"/>
                 </a:solidFill>
@@ -13147,10 +11426,6 @@
               </a:rPr>
               <a:t>Adobe</a:t>
             </a:r>
-            <a:endParaRPr sz="800">
-              <a:latin typeface="Adobe Clean"/>
-              <a:cs typeface="Adobe Clean"/>
-            </a:endParaRPr>
           </a:p>
           <a:p>
             <a:pPr marL="12700">
@@ -13159,39 +11434,15 @@
               </a:lnSpc>
             </a:pPr>
             <a:r>
-              <a:rPr sz="800" spc="-15">
+              <a:rPr lang="de-DE" sz="800">
                 <a:solidFill>
                   <a:srgbClr val="777879"/>
                 </a:solidFill>
                 <a:latin typeface="Adobe Clean"/>
                 <a:cs typeface="Adobe Clean"/>
               </a:rPr>
-              <a:t>345 Park</a:t>
+              <a:t>345 Park Avenue</a:t>
             </a:r>
-            <a:r>
-              <a:rPr sz="800" spc="-100">
-                <a:solidFill>
-                  <a:srgbClr val="777879"/>
-                </a:solidFill>
-                <a:latin typeface="Adobe Clean"/>
-                <a:cs typeface="Adobe Clean"/>
-              </a:rPr>
-              <a:t> </a:t>
-            </a:r>
-            <a:r>
-              <a:rPr sz="800" spc="-15">
-                <a:solidFill>
-                  <a:srgbClr val="777879"/>
-                </a:solidFill>
-                <a:latin typeface="Adobe Clean"/>
-                <a:cs typeface="Adobe Clean"/>
-              </a:rPr>
-              <a:t>Avenue</a:t>
-            </a:r>
-            <a:endParaRPr sz="800">
-              <a:latin typeface="Adobe Clean"/>
-              <a:cs typeface="Adobe Clean"/>
-            </a:endParaRPr>
           </a:p>
           <a:p>
             <a:pPr marL="12700">
@@ -13200,49 +11451,15 @@
               </a:lnSpc>
             </a:pPr>
             <a:r>
-              <a:rPr sz="800" spc="-10">
+              <a:rPr lang="de-DE" sz="800">
                 <a:solidFill>
                   <a:srgbClr val="777879"/>
                 </a:solidFill>
                 <a:latin typeface="Adobe Clean"/>
                 <a:cs typeface="Adobe Clean"/>
               </a:rPr>
-              <a:t>San </a:t>
+              <a:t>San Jose, CA95110-2704</a:t>
             </a:r>
-            <a:r>
-              <a:rPr sz="800" spc="-15">
-                <a:solidFill>
-                  <a:srgbClr val="777879"/>
-                </a:solidFill>
-                <a:latin typeface="Adobe Clean"/>
-                <a:cs typeface="Adobe Clean"/>
-              </a:rPr>
-              <a:t>Jose,</a:t>
-            </a:r>
-            <a:r>
-              <a:rPr sz="800" spc="-140">
-                <a:solidFill>
-                  <a:srgbClr val="777879"/>
-                </a:solidFill>
-                <a:latin typeface="Adobe Clean"/>
-                <a:cs typeface="Adobe Clean"/>
-              </a:rPr>
-              <a:t> </a:t>
-            </a:r>
-            <a:r>
-              <a:rPr sz="800" spc="-20">
-                <a:solidFill>
-                  <a:srgbClr val="777879"/>
-                </a:solidFill>
-                <a:latin typeface="Adobe Clean"/>
-                <a:cs typeface="Adobe Clean"/>
-              </a:rPr>
-              <a:t>CA95110-2704</a:t>
-            </a:r>
-            <a:endParaRPr sz="800">
-              <a:latin typeface="Adobe Clean"/>
-              <a:cs typeface="Adobe Clean"/>
-            </a:endParaRPr>
           </a:p>
           <a:p>
             <a:pPr marL="12700">
@@ -13254,7 +11471,7 @@
               </a:spcBef>
             </a:pPr>
             <a:r>
-              <a:rPr sz="800" spc="-10">
+              <a:rPr lang="de-DE" sz="800">
                 <a:solidFill>
                   <a:srgbClr val="777879"/>
                 </a:solidFill>
@@ -13263,10 +11480,6 @@
               </a:rPr>
               <a:t>USA</a:t>
             </a:r>
-            <a:endParaRPr sz="800">
-              <a:latin typeface="Adobe Clean"/>
-              <a:cs typeface="Adobe Clean"/>
-            </a:endParaRPr>
           </a:p>
           <a:p>
             <a:pPr marL="12700">
@@ -13278,7 +11491,7 @@
               </a:spcBef>
             </a:pPr>
             <a:r>
-              <a:rPr sz="800" u="sng" spc="-25">
+              <a:rPr lang="de-DE" sz="800" u="sng">
                 <a:solidFill>
                   <a:srgbClr val="5F5F5F"/>
                 </a:solidFill>
@@ -13293,10 +11506,6 @@
               </a:rPr>
               <a:t>www.adobe.com</a:t>
             </a:r>
-            <a:endParaRPr sz="800">
-              <a:latin typeface="Adobe Clean"/>
-              <a:cs typeface="Adobe Clean"/>
-            </a:endParaRPr>
           </a:p>
         </p:txBody>
       </p:sp>
@@ -13449,7 +11658,7 @@
         </p:nvSpPr>
         <p:spPr>
           <a:xfrm>
-            <a:off x="75947" y="9437110"/>
+            <a:off x="75947" y="9284710"/>
             <a:ext cx="5466715" cy="570865"/>
           </a:xfrm>
           <a:prstGeom prst="rect">
@@ -13471,439 +11680,15 @@
               </a:spcBef>
             </a:pPr>
             <a:r>
-              <a:rPr sz="1100" i="1" spc="-10" dirty="0">
+              <a:rPr lang="de-DE" sz="1100" i="1" dirty="0">
                 <a:solidFill>
                   <a:srgbClr val="777879"/>
                 </a:solidFill>
                 <a:latin typeface="AdobeClean-LightIt"/>
                 <a:cs typeface="AdobeClean-LightIt"/>
               </a:rPr>
-              <a:t>To</a:t>
+              <a:t>Weitere Informationen zum Support-Angebot von Adobe sowie zum für Ihre Bedürfnisse geeigneten Support-Level erhalten Sie bei Ihrem spezifischen Account-Manager (NAM) oder Ihrem Customer Success Manager (CSM).</a:t>
             </a:r>
-            <a:r>
-              <a:rPr sz="1100" i="1" spc="-50" dirty="0">
-                <a:solidFill>
-                  <a:srgbClr val="777879"/>
-                </a:solidFill>
-                <a:latin typeface="AdobeClean-LightIt"/>
-                <a:cs typeface="AdobeClean-LightIt"/>
-              </a:rPr>
-              <a:t> </a:t>
-            </a:r>
-            <a:r>
-              <a:rPr sz="1100" i="1" spc="-15" dirty="0">
-                <a:solidFill>
-                  <a:srgbClr val="777879"/>
-                </a:solidFill>
-                <a:latin typeface="AdobeClean-LightIt"/>
-                <a:cs typeface="AdobeClean-LightIt"/>
-              </a:rPr>
-              <a:t>learn</a:t>
-            </a:r>
-            <a:r>
-              <a:rPr sz="1100" i="1" spc="-40" dirty="0">
-                <a:solidFill>
-                  <a:srgbClr val="777879"/>
-                </a:solidFill>
-                <a:latin typeface="AdobeClean-LightIt"/>
-                <a:cs typeface="AdobeClean-LightIt"/>
-              </a:rPr>
-              <a:t> </a:t>
-            </a:r>
-            <a:r>
-              <a:rPr sz="1100" i="1" spc="-15" dirty="0">
-                <a:solidFill>
-                  <a:srgbClr val="777879"/>
-                </a:solidFill>
-                <a:latin typeface="AdobeClean-LightIt"/>
-                <a:cs typeface="AdobeClean-LightIt"/>
-              </a:rPr>
-              <a:t>more</a:t>
-            </a:r>
-            <a:r>
-              <a:rPr sz="1100" i="1" spc="-45" dirty="0">
-                <a:solidFill>
-                  <a:srgbClr val="777879"/>
-                </a:solidFill>
-                <a:latin typeface="AdobeClean-LightIt"/>
-                <a:cs typeface="AdobeClean-LightIt"/>
-              </a:rPr>
-              <a:t> </a:t>
-            </a:r>
-            <a:r>
-              <a:rPr sz="1100" i="1" spc="-15" dirty="0">
-                <a:solidFill>
-                  <a:srgbClr val="777879"/>
-                </a:solidFill>
-                <a:latin typeface="AdobeClean-LightIt"/>
-                <a:cs typeface="AdobeClean-LightIt"/>
-              </a:rPr>
-              <a:t>about</a:t>
-            </a:r>
-            <a:r>
-              <a:rPr sz="1100" i="1" spc="-45" dirty="0">
-                <a:solidFill>
-                  <a:srgbClr val="777879"/>
-                </a:solidFill>
-                <a:latin typeface="AdobeClean-LightIt"/>
-                <a:cs typeface="AdobeClean-LightIt"/>
-              </a:rPr>
-              <a:t> </a:t>
-            </a:r>
-            <a:r>
-              <a:rPr sz="1100" i="1" spc="-15" dirty="0">
-                <a:solidFill>
-                  <a:srgbClr val="777879"/>
-                </a:solidFill>
-                <a:latin typeface="AdobeClean-LightIt"/>
-                <a:cs typeface="AdobeClean-LightIt"/>
-              </a:rPr>
-              <a:t>Adobe</a:t>
-            </a:r>
-            <a:r>
-              <a:rPr sz="1100" i="1" spc="-60" dirty="0">
-                <a:solidFill>
-                  <a:srgbClr val="777879"/>
-                </a:solidFill>
-                <a:latin typeface="AdobeClean-LightIt"/>
-                <a:cs typeface="AdobeClean-LightIt"/>
-              </a:rPr>
-              <a:t> </a:t>
-            </a:r>
-            <a:r>
-              <a:rPr sz="1100" i="1" spc="-15" dirty="0">
-                <a:solidFill>
-                  <a:srgbClr val="777879"/>
-                </a:solidFill>
-                <a:latin typeface="AdobeClean-LightIt"/>
-                <a:cs typeface="AdobeClean-LightIt"/>
-              </a:rPr>
-              <a:t>Support</a:t>
-            </a:r>
-            <a:r>
-              <a:rPr lang="en-US" sz="1100" i="1" spc="-15" dirty="0">
-                <a:solidFill>
-                  <a:srgbClr val="777879"/>
-                </a:solidFill>
-                <a:latin typeface="AdobeClean-LightIt"/>
-                <a:cs typeface="AdobeClean-LightIt"/>
-              </a:rPr>
-              <a:t> Offerings</a:t>
-            </a:r>
-            <a:r>
-              <a:rPr sz="1100" i="1" spc="-75" dirty="0">
-                <a:solidFill>
-                  <a:srgbClr val="777879"/>
-                </a:solidFill>
-                <a:latin typeface="AdobeClean-LightIt"/>
-                <a:cs typeface="AdobeClean-LightIt"/>
-              </a:rPr>
-              <a:t> </a:t>
-            </a:r>
-            <a:r>
-              <a:rPr sz="1100" i="1" spc="-15" dirty="0">
-                <a:solidFill>
-                  <a:srgbClr val="777879"/>
-                </a:solidFill>
-                <a:latin typeface="AdobeClean-LightIt"/>
-                <a:cs typeface="AdobeClean-LightIt"/>
-              </a:rPr>
-              <a:t>and</a:t>
-            </a:r>
-            <a:r>
-              <a:rPr sz="1100" i="1" spc="-50" dirty="0">
-                <a:solidFill>
-                  <a:srgbClr val="777879"/>
-                </a:solidFill>
-                <a:latin typeface="AdobeClean-LightIt"/>
-                <a:cs typeface="AdobeClean-LightIt"/>
-              </a:rPr>
-              <a:t> </a:t>
-            </a:r>
-            <a:r>
-              <a:rPr sz="1100" i="1" spc="-15" dirty="0">
-                <a:solidFill>
-                  <a:srgbClr val="777879"/>
-                </a:solidFill>
-                <a:latin typeface="AdobeClean-LightIt"/>
-                <a:cs typeface="AdobeClean-LightIt"/>
-              </a:rPr>
-              <a:t>the</a:t>
-            </a:r>
-            <a:r>
-              <a:rPr sz="1100" i="1" spc="-55" dirty="0">
-                <a:solidFill>
-                  <a:srgbClr val="777879"/>
-                </a:solidFill>
-                <a:latin typeface="AdobeClean-LightIt"/>
-                <a:cs typeface="AdobeClean-LightIt"/>
-              </a:rPr>
-              <a:t> </a:t>
-            </a:r>
-            <a:r>
-              <a:rPr sz="1100" i="1" spc="-15" dirty="0">
-                <a:solidFill>
-                  <a:srgbClr val="777879"/>
-                </a:solidFill>
-                <a:latin typeface="AdobeClean-LightIt"/>
-                <a:cs typeface="AdobeClean-LightIt"/>
-              </a:rPr>
-              <a:t>right</a:t>
-            </a:r>
-            <a:r>
-              <a:rPr sz="1100" i="1" spc="-95" dirty="0">
-                <a:solidFill>
-                  <a:srgbClr val="777879"/>
-                </a:solidFill>
-                <a:latin typeface="AdobeClean-LightIt"/>
-                <a:cs typeface="AdobeClean-LightIt"/>
-              </a:rPr>
-              <a:t> </a:t>
-            </a:r>
-            <a:r>
-              <a:rPr sz="1100" i="1" spc="-15" dirty="0">
-                <a:solidFill>
-                  <a:srgbClr val="777879"/>
-                </a:solidFill>
-                <a:latin typeface="AdobeClean-LightIt"/>
-                <a:cs typeface="AdobeClean-LightIt"/>
-              </a:rPr>
-              <a:t>level</a:t>
-            </a:r>
-            <a:r>
-              <a:rPr sz="1100" i="1" spc="-55" dirty="0">
-                <a:solidFill>
-                  <a:srgbClr val="777879"/>
-                </a:solidFill>
-                <a:latin typeface="AdobeClean-LightIt"/>
-                <a:cs typeface="AdobeClean-LightIt"/>
-              </a:rPr>
-              <a:t> </a:t>
-            </a:r>
-            <a:r>
-              <a:rPr sz="1100" i="1" spc="-15" dirty="0">
-                <a:solidFill>
-                  <a:srgbClr val="777879"/>
-                </a:solidFill>
-                <a:latin typeface="AdobeClean-LightIt"/>
-                <a:cs typeface="AdobeClean-LightIt"/>
-              </a:rPr>
-              <a:t>for</a:t>
-            </a:r>
-            <a:r>
-              <a:rPr sz="1100" i="1" spc="-85" dirty="0">
-                <a:solidFill>
-                  <a:srgbClr val="777879"/>
-                </a:solidFill>
-                <a:latin typeface="AdobeClean-LightIt"/>
-                <a:cs typeface="AdobeClean-LightIt"/>
-              </a:rPr>
-              <a:t> </a:t>
-            </a:r>
-            <a:r>
-              <a:rPr sz="1100" i="1" spc="-15" dirty="0">
-                <a:solidFill>
-                  <a:srgbClr val="777879"/>
-                </a:solidFill>
-                <a:latin typeface="AdobeClean-LightIt"/>
-                <a:cs typeface="AdobeClean-LightIt"/>
-              </a:rPr>
-              <a:t>you,</a:t>
-            </a:r>
-            <a:r>
-              <a:rPr sz="1100" i="1" spc="-65" dirty="0">
-                <a:solidFill>
-                  <a:srgbClr val="777879"/>
-                </a:solidFill>
-                <a:latin typeface="AdobeClean-LightIt"/>
-                <a:cs typeface="AdobeClean-LightIt"/>
-              </a:rPr>
-              <a:t> </a:t>
-            </a:r>
-            <a:r>
-              <a:rPr sz="1100" i="1" spc="-15" dirty="0">
-                <a:solidFill>
-                  <a:srgbClr val="777879"/>
-                </a:solidFill>
-                <a:latin typeface="AdobeClean-LightIt"/>
-                <a:cs typeface="AdobeClean-LightIt"/>
-              </a:rPr>
-              <a:t>contact</a:t>
-            </a:r>
-            <a:r>
-              <a:rPr sz="1100" i="1" spc="-85" dirty="0">
-                <a:solidFill>
-                  <a:srgbClr val="777879"/>
-                </a:solidFill>
-                <a:latin typeface="AdobeClean-LightIt"/>
-                <a:cs typeface="AdobeClean-LightIt"/>
-              </a:rPr>
-              <a:t> </a:t>
-            </a:r>
-            <a:r>
-              <a:rPr sz="1100" i="1" spc="-15" dirty="0">
-                <a:solidFill>
-                  <a:srgbClr val="777879"/>
-                </a:solidFill>
-                <a:latin typeface="AdobeClean-LightIt"/>
-                <a:cs typeface="AdobeClean-LightIt"/>
-              </a:rPr>
-              <a:t>your</a:t>
-            </a:r>
-            <a:r>
-              <a:rPr sz="1100" i="1" spc="-70" dirty="0">
-                <a:solidFill>
-                  <a:srgbClr val="777879"/>
-                </a:solidFill>
-                <a:latin typeface="AdobeClean-LightIt"/>
-                <a:cs typeface="AdobeClean-LightIt"/>
-              </a:rPr>
-              <a:t> </a:t>
-            </a:r>
-            <a:r>
-              <a:rPr sz="1100" i="1" spc="-15" dirty="0">
-                <a:solidFill>
-                  <a:srgbClr val="777879"/>
-                </a:solidFill>
-                <a:latin typeface="AdobeClean-LightIt"/>
-                <a:cs typeface="AdobeClean-LightIt"/>
-              </a:rPr>
-              <a:t>Named</a:t>
-            </a:r>
-            <a:r>
-              <a:rPr sz="1100" i="1" spc="-55" dirty="0">
-                <a:solidFill>
-                  <a:srgbClr val="777879"/>
-                </a:solidFill>
-                <a:latin typeface="AdobeClean-LightIt"/>
-                <a:cs typeface="AdobeClean-LightIt"/>
-              </a:rPr>
-              <a:t> </a:t>
-            </a:r>
-            <a:r>
-              <a:rPr sz="1100" i="1" spc="-25" dirty="0">
-                <a:solidFill>
-                  <a:srgbClr val="777879"/>
-                </a:solidFill>
-                <a:latin typeface="AdobeClean-LightIt"/>
-                <a:cs typeface="AdobeClean-LightIt"/>
-              </a:rPr>
-              <a:t>Account</a:t>
-            </a:r>
-            <a:r>
-              <a:rPr sz="1100" i="1" spc="-120" dirty="0">
-                <a:solidFill>
-                  <a:srgbClr val="777879"/>
-                </a:solidFill>
-                <a:latin typeface="AdobeClean-LightIt"/>
-                <a:cs typeface="AdobeClean-LightIt"/>
-              </a:rPr>
-              <a:t> </a:t>
-            </a:r>
-            <a:r>
-              <a:rPr sz="1100" i="1" spc="-20" dirty="0">
-                <a:solidFill>
-                  <a:srgbClr val="777879"/>
-                </a:solidFill>
-                <a:latin typeface="AdobeClean-LightIt"/>
-                <a:cs typeface="AdobeClean-LightIt"/>
-              </a:rPr>
-              <a:t>Manager </a:t>
-            </a:r>
-            <a:r>
-              <a:rPr sz="1100" i="1" spc="-15" dirty="0">
-                <a:solidFill>
-                  <a:srgbClr val="777879"/>
-                </a:solidFill>
-                <a:latin typeface="AdobeClean-LightIt"/>
-                <a:cs typeface="AdobeClean-LightIt"/>
-              </a:rPr>
-              <a:t>(NAM) </a:t>
-            </a:r>
-            <a:r>
-              <a:rPr sz="1100" i="1" spc="-10" dirty="0">
-                <a:solidFill>
-                  <a:srgbClr val="777879"/>
-                </a:solidFill>
-                <a:latin typeface="AdobeClean-LightIt"/>
-                <a:cs typeface="AdobeClean-LightIt"/>
-              </a:rPr>
-              <a:t>or </a:t>
-            </a:r>
-            <a:r>
-              <a:rPr sz="1100" i="1" spc="-15" dirty="0">
-                <a:solidFill>
-                  <a:srgbClr val="777879"/>
-                </a:solidFill>
-                <a:latin typeface="AdobeClean-LightIt"/>
-                <a:cs typeface="AdobeClean-LightIt"/>
-              </a:rPr>
-              <a:t>Customer </a:t>
-            </a:r>
-            <a:r>
-              <a:rPr sz="1100" i="1" spc="-20" dirty="0">
-                <a:solidFill>
-                  <a:srgbClr val="777879"/>
-                </a:solidFill>
-                <a:latin typeface="AdobeClean-LightIt"/>
-                <a:cs typeface="AdobeClean-LightIt"/>
-              </a:rPr>
-              <a:t>Success</a:t>
-            </a:r>
-            <a:r>
-              <a:rPr sz="1100" i="1" spc="-180" dirty="0">
-                <a:solidFill>
-                  <a:srgbClr val="777879"/>
-                </a:solidFill>
-                <a:latin typeface="AdobeClean-LightIt"/>
-                <a:cs typeface="AdobeClean-LightIt"/>
-              </a:rPr>
-              <a:t> </a:t>
-            </a:r>
-            <a:r>
-              <a:rPr sz="1100" i="1" spc="-15" dirty="0">
-                <a:solidFill>
-                  <a:srgbClr val="777879"/>
-                </a:solidFill>
-                <a:latin typeface="AdobeClean-LightIt"/>
-                <a:cs typeface="AdobeClean-LightIt"/>
-              </a:rPr>
-              <a:t>Manager</a:t>
-            </a:r>
-            <a:r>
-              <a:rPr lang="en-US" sz="1100" i="1" spc="-15" dirty="0">
-                <a:solidFill>
-                  <a:srgbClr val="777879"/>
-                </a:solidFill>
-                <a:latin typeface="AdobeClean-LightIt"/>
-                <a:cs typeface="AdobeClean-LightIt"/>
-              </a:rPr>
-              <a:t> </a:t>
-            </a:r>
-            <a:r>
-              <a:rPr sz="1100" i="1" spc="-15" dirty="0">
-                <a:solidFill>
-                  <a:srgbClr val="777879"/>
-                </a:solidFill>
-                <a:latin typeface="AdobeClean-LightIt"/>
-                <a:cs typeface="AdobeClean-LightIt"/>
-              </a:rPr>
-              <a:t>(CSM)</a:t>
-            </a:r>
-            <a:r>
-              <a:rPr lang="en-US" sz="1100" i="1" spc="-15" dirty="0">
-                <a:solidFill>
-                  <a:srgbClr val="777879"/>
-                </a:solidFill>
-                <a:latin typeface="AdobeClean-LightIt"/>
-                <a:cs typeface="AdobeClean-LightIt"/>
-              </a:rPr>
-              <a:t>.</a:t>
-            </a:r>
-            <a:endParaRPr sz="1100" dirty="0">
-              <a:latin typeface="AdobeClean-LightIt"/>
-              <a:cs typeface="AdobeClean-LightIt"/>
-            </a:endParaRPr>
           </a:p>
           <a:p>
             <a:pPr marL="34290">
@@ -13915,59 +11700,15 @@
               </a:spcBef>
             </a:pPr>
             <a:r>
-              <a:rPr sz="800" spc="-5" dirty="0">
+              <a:rPr lang="de-DE" sz="800" dirty="0">
                 <a:solidFill>
                   <a:srgbClr val="6D6D6D"/>
                 </a:solidFill>
                 <a:latin typeface="Adobe Clean"/>
                 <a:cs typeface="Adobe Clean"/>
               </a:rPr>
-              <a:t>©202</a:t>
+              <a:t>©2022 Adobe. All Rights Reserved. Adobe Confidential.</a:t>
             </a:r>
-            <a:r>
-              <a:rPr lang="en-US" sz="800" spc="-5" dirty="0">
-                <a:solidFill>
-                  <a:srgbClr val="6D6D6D"/>
-                </a:solidFill>
-                <a:latin typeface="Adobe Clean"/>
-                <a:cs typeface="Adobe Clean"/>
-              </a:rPr>
-              <a:t>2</a:t>
-            </a:r>
-            <a:r>
-              <a:rPr sz="800" spc="-5" dirty="0">
-                <a:solidFill>
-                  <a:srgbClr val="6D6D6D"/>
-                </a:solidFill>
-                <a:latin typeface="Adobe Clean"/>
-                <a:cs typeface="Adobe Clean"/>
-              </a:rPr>
-              <a:t> Adobe. All Rights Reserved. Adobe</a:t>
-            </a:r>
-            <a:r>
-              <a:rPr sz="800" spc="75" dirty="0">
-                <a:solidFill>
-                  <a:srgbClr val="6D6D6D"/>
-                </a:solidFill>
-                <a:latin typeface="Adobe Clean"/>
-                <a:cs typeface="Adobe Clean"/>
-              </a:rPr>
-              <a:t> </a:t>
-            </a:r>
-            <a:r>
-              <a:rPr sz="800" spc="-5" dirty="0">
-                <a:solidFill>
-                  <a:srgbClr val="6D6D6D"/>
-                </a:solidFill>
-                <a:latin typeface="Adobe Clean"/>
-                <a:cs typeface="Adobe Clean"/>
-              </a:rPr>
-              <a:t>Confidential.</a:t>
-            </a:r>
-            <a:endParaRPr sz="800" dirty="0">
-              <a:latin typeface="Adobe Clean"/>
-              <a:cs typeface="Adobe Clean"/>
-            </a:endParaRPr>
           </a:p>
         </p:txBody>
       </p:sp>
@@ -14004,19 +11745,15 @@
               </a:spcBef>
             </a:pPr>
             <a:r>
-              <a:rPr lang="en-US" sz="1400" b="1" spc="-15" dirty="0">
+              <a:rPr lang="de-DE" sz="1400" b="1">
                 <a:solidFill>
                   <a:srgbClr val="020302"/>
                 </a:solidFill>
                 <a:latin typeface="Adobe Clean"/>
                 <a:cs typeface="Adobe Clean"/>
               </a:rPr>
-              <a:t>Regional scope of Adobe Support, Local Hours Of Operation And Language Support</a:t>
+              <a:t>Regionales Support-Angebot von Adobe, örtliche Geschäftszeiten und unterstützte Sprachen</a:t>
             </a:r>
-            <a:endParaRPr lang="en-US" sz="1400" spc="-15" dirty="0">
-              <a:ea typeface="+mn-lt"/>
-              <a:cs typeface="+mn-lt"/>
-            </a:endParaRPr>
           </a:p>
           <a:p>
             <a:pPr lvl="0">
@@ -14025,13 +11762,13 @@
               </a:spcBef>
             </a:pPr>
             <a:r>
-              <a:rPr lang="en-US" sz="1000" spc="-15" dirty="0">
+              <a:rPr lang="de-DE" sz="1000">
                 <a:solidFill>
                   <a:srgbClr val="1F1F1F"/>
                 </a:solidFill>
                 <a:latin typeface="AdobeClean-Light"/>
               </a:rPr>
-              <a:t>Adobe’s local business hours align to the customer’s billing region.</a:t>
+              <a:t>Die örtlichen Geschäftszeiten von Adobe richten sich nach der Region der Kundenabrechnung.</a:t>
             </a:r>
           </a:p>
         </p:txBody>
@@ -14134,8 +11871,8 @@
         </p:nvSpPr>
         <p:spPr>
           <a:xfrm>
-            <a:off x="2840871" y="8528519"/>
-            <a:ext cx="810895" cy="385445"/>
+            <a:off x="2565401" y="8528519"/>
+            <a:ext cx="1320800" cy="382797"/>
           </a:xfrm>
           <a:prstGeom prst="rect">
             <a:avLst/>
@@ -14147,7 +11884,7 @@
           </a:bodyPr>
           <a:lstStyle/>
           <a:p>
-            <a:pPr marL="139065" marR="5080" indent="-139065">
+            <a:pPr marL="139065" marR="5080" indent="-139065" algn="ctr">
               <a:lnSpc>
                 <a:spcPts val="1390"/>
               </a:lnSpc>
@@ -14156,129 +11893,15 @@
               </a:spcBef>
             </a:pPr>
             <a:r>
-              <a:rPr sz="1200" b="1" spc="-15">
+              <a:rPr lang="de-DE" sz="1200" b="1" dirty="0">
                 <a:solidFill>
                   <a:srgbClr val="FFFFFF"/>
                 </a:solidFill>
                 <a:latin typeface="Adobe Clean"/>
                 <a:cs typeface="Adobe Clean"/>
               </a:rPr>
-              <a:t>U</a:t>
+              <a:t>Unübertroffenes Know-how</a:t>
             </a:r>
-            <a:r>
-              <a:rPr sz="1200" b="1" spc="-20">
-                <a:solidFill>
-                  <a:srgbClr val="FFFFFF"/>
-                </a:solidFill>
-                <a:latin typeface="Adobe Clean"/>
-                <a:cs typeface="Adobe Clean"/>
-              </a:rPr>
-              <a:t>n</a:t>
-            </a:r>
-            <a:r>
-              <a:rPr sz="1200" b="1" spc="-25">
-                <a:solidFill>
-                  <a:srgbClr val="FFFFFF"/>
-                </a:solidFill>
-                <a:latin typeface="Adobe Clean"/>
-                <a:cs typeface="Adobe Clean"/>
-              </a:rPr>
-              <a:t>p</a:t>
-            </a:r>
-            <a:r>
-              <a:rPr sz="1200" b="1" spc="-15">
-                <a:solidFill>
-                  <a:srgbClr val="FFFFFF"/>
-                </a:solidFill>
-                <a:latin typeface="Adobe Clean"/>
-                <a:cs typeface="Adobe Clean"/>
-              </a:rPr>
-              <a:t>a</a:t>
-            </a:r>
-            <a:r>
-              <a:rPr sz="1200" b="1" spc="-25">
-                <a:solidFill>
-                  <a:srgbClr val="FFFFFF"/>
-                </a:solidFill>
-                <a:latin typeface="Adobe Clean"/>
-                <a:cs typeface="Adobe Clean"/>
-              </a:rPr>
-              <a:t>r</a:t>
-            </a:r>
-            <a:r>
-              <a:rPr sz="1200" b="1" spc="-15">
-                <a:solidFill>
-                  <a:srgbClr val="FFFFFF"/>
-                </a:solidFill>
-                <a:latin typeface="Adobe Clean"/>
-                <a:cs typeface="Adobe Clean"/>
-              </a:rPr>
-              <a:t>a</a:t>
-            </a:r>
-            <a:r>
-              <a:rPr sz="1200" b="1" spc="-30">
-                <a:solidFill>
-                  <a:srgbClr val="FFFFFF"/>
-                </a:solidFill>
-                <a:latin typeface="Adobe Clean"/>
-                <a:cs typeface="Adobe Clean"/>
-              </a:rPr>
-              <a:t>ll</a:t>
-            </a:r>
-            <a:r>
-              <a:rPr sz="1200" b="1" spc="-25">
-                <a:solidFill>
-                  <a:srgbClr val="FFFFFF"/>
-                </a:solidFill>
-                <a:latin typeface="Adobe Clean"/>
-                <a:cs typeface="Adobe Clean"/>
-              </a:rPr>
-              <a:t>e</a:t>
-            </a:r>
-            <a:r>
-              <a:rPr sz="1200" b="1" spc="-30">
-                <a:solidFill>
-                  <a:srgbClr val="FFFFFF"/>
-                </a:solidFill>
-                <a:latin typeface="Adobe Clean"/>
-                <a:cs typeface="Adobe Clean"/>
-              </a:rPr>
-              <a:t>l</a:t>
-            </a:r>
-            <a:r>
-              <a:rPr sz="1200" b="1" spc="-25">
-                <a:solidFill>
-                  <a:srgbClr val="FFFFFF"/>
-                </a:solidFill>
-                <a:latin typeface="Adobe Clean"/>
-                <a:cs typeface="Adobe Clean"/>
-              </a:rPr>
-              <a:t>e</a:t>
-            </a:r>
-            <a:r>
-              <a:rPr sz="1200" b="1">
-                <a:solidFill>
-                  <a:srgbClr val="FFFFFF"/>
-                </a:solidFill>
-                <a:latin typeface="Adobe Clean"/>
-                <a:cs typeface="Adobe Clean"/>
-              </a:rPr>
-              <a:t>d  </a:t>
-            </a:r>
-            <a:r>
-              <a:rPr sz="1200" b="1" spc="-25">
-                <a:solidFill>
-                  <a:srgbClr val="FFFFFF"/>
-                </a:solidFill>
-                <a:latin typeface="Adobe Clean"/>
-                <a:cs typeface="Adobe Clean"/>
-              </a:rPr>
-              <a:t>Expertise</a:t>
-            </a:r>
-            <a:endParaRPr sz="1200">
-              <a:latin typeface="Adobe Clean"/>
-              <a:cs typeface="Adobe Clean"/>
-            </a:endParaRPr>
           </a:p>
         </p:txBody>
       </p:sp>
@@ -14296,8 +11919,8 @@
         </p:nvSpPr>
         <p:spPr>
           <a:xfrm>
-            <a:off x="4732495" y="8541244"/>
-            <a:ext cx="810895" cy="382797"/>
+            <a:off x="4502151" y="8568825"/>
+            <a:ext cx="1236172" cy="203261"/>
           </a:xfrm>
           <a:prstGeom prst="rect">
             <a:avLst/>
@@ -14309,7 +11932,7 @@
           </a:bodyPr>
           <a:lstStyle/>
           <a:p>
-            <a:pPr marL="139065" marR="5080" indent="-139065">
+            <a:pPr marL="139065" marR="5080" indent="-139065" algn="ctr">
               <a:lnSpc>
                 <a:spcPts val="1390"/>
               </a:lnSpc>
@@ -14318,19 +11941,15 @@
               </a:spcBef>
             </a:pPr>
             <a:r>
-              <a:rPr lang="en-US" sz="1200" b="1" spc="-15">
+              <a:rPr lang="de-DE" sz="1200" b="1" dirty="0">
                 <a:solidFill>
                   <a:srgbClr val="FFFFFF"/>
                 </a:solidFill>
                 <a:latin typeface="Adobe Clean"/>
                 <a:cs typeface="Adobe Clean"/>
               </a:rPr>
-              <a:t>Accelerated Support</a:t>
+              <a:t>Schneller Support</a:t>
             </a:r>
-            <a:endParaRPr sz="1200">
-              <a:latin typeface="Adobe Clean"/>
-              <a:cs typeface="Adobe Clean"/>
-            </a:endParaRPr>
           </a:p>
         </p:txBody>
       </p:sp>
@@ -14348,8 +11967,8 @@
         </p:nvSpPr>
         <p:spPr>
           <a:xfrm>
-            <a:off x="6624119" y="8543943"/>
-            <a:ext cx="510540" cy="385445"/>
+            <a:off x="6254920" y="8543943"/>
+            <a:ext cx="1236173" cy="385445"/>
           </a:xfrm>
           <a:prstGeom prst="rect">
             <a:avLst/>
@@ -14361,7 +11980,7 @@
           </a:bodyPr>
           <a:lstStyle/>
           <a:p>
-            <a:pPr marL="50800" marR="5080" indent="-51435">
+            <a:pPr marL="50800" marR="5080" indent="-51435" algn="ctr">
               <a:lnSpc>
                 <a:spcPts val="1390"/>
               </a:lnSpc>
@@ -14370,109 +11989,15 @@
               </a:spcBef>
             </a:pPr>
             <a:r>
-              <a:rPr sz="1200" b="1" spc="-50">
+              <a:rPr lang="de-DE" sz="1200" b="1" dirty="0">
                 <a:solidFill>
                   <a:srgbClr val="FFFFFF"/>
                 </a:solidFill>
                 <a:latin typeface="Adobe Clean"/>
                 <a:cs typeface="Adobe Clean"/>
               </a:rPr>
-              <a:t>S</a:t>
+              <a:t>Strategische Beratung</a:t>
             </a:r>
-            <a:r>
-              <a:rPr sz="1200" b="1" spc="-20">
-                <a:solidFill>
-                  <a:srgbClr val="FFFFFF"/>
-                </a:solidFill>
-                <a:latin typeface="Adobe Clean"/>
-                <a:cs typeface="Adobe Clean"/>
-              </a:rPr>
-              <a:t>t</a:t>
-            </a:r>
-            <a:r>
-              <a:rPr sz="1200" b="1" spc="-75">
-                <a:solidFill>
-                  <a:srgbClr val="FFFFFF"/>
-                </a:solidFill>
-                <a:latin typeface="Adobe Clean"/>
-                <a:cs typeface="Adobe Clean"/>
-              </a:rPr>
-              <a:t>r</a:t>
-            </a:r>
-            <a:r>
-              <a:rPr sz="1200" b="1" spc="-90">
-                <a:solidFill>
-                  <a:srgbClr val="FFFFFF"/>
-                </a:solidFill>
-                <a:latin typeface="Adobe Clean"/>
-                <a:cs typeface="Adobe Clean"/>
-              </a:rPr>
-              <a:t>a</a:t>
-            </a:r>
-            <a:r>
-              <a:rPr sz="1200" b="1" spc="-55">
-                <a:solidFill>
-                  <a:srgbClr val="FFFFFF"/>
-                </a:solidFill>
-                <a:latin typeface="Adobe Clean"/>
-                <a:cs typeface="Adobe Clean"/>
-              </a:rPr>
-              <a:t>t</a:t>
-            </a:r>
-            <a:r>
-              <a:rPr sz="1200" b="1" spc="-100">
-                <a:solidFill>
-                  <a:srgbClr val="FFFFFF"/>
-                </a:solidFill>
-                <a:latin typeface="Adobe Clean"/>
-                <a:cs typeface="Adobe Clean"/>
-              </a:rPr>
-              <a:t>e</a:t>
-            </a:r>
-            <a:r>
-              <a:rPr sz="1200" b="1" spc="-80">
-                <a:solidFill>
-                  <a:srgbClr val="FFFFFF"/>
-                </a:solidFill>
-                <a:latin typeface="Adobe Clean"/>
-                <a:cs typeface="Adobe Clean"/>
-              </a:rPr>
-              <a:t>g</a:t>
-            </a:r>
-            <a:r>
-              <a:rPr sz="1200" b="1" spc="-35">
-                <a:solidFill>
-                  <a:srgbClr val="FFFFFF"/>
-                </a:solidFill>
-                <a:latin typeface="Adobe Clean"/>
-                <a:cs typeface="Adobe Clean"/>
-              </a:rPr>
-              <a:t>i</a:t>
-            </a:r>
-            <a:r>
-              <a:rPr sz="1200" b="1">
-                <a:solidFill>
-                  <a:srgbClr val="FFFFFF"/>
-                </a:solidFill>
-                <a:latin typeface="Adobe Clean"/>
-                <a:cs typeface="Adobe Clean"/>
-              </a:rPr>
-              <a:t>c  </a:t>
-            </a:r>
-            <a:r>
-              <a:rPr sz="1200" b="1" spc="-45">
-                <a:solidFill>
-                  <a:srgbClr val="FFFFFF"/>
-                </a:solidFill>
-                <a:latin typeface="Adobe Clean"/>
-                <a:cs typeface="Adobe Clean"/>
-              </a:rPr>
-              <a:t>Advice</a:t>
-            </a:r>
-            <a:endParaRPr sz="1200">
-              <a:latin typeface="Adobe Clean"/>
-              <a:cs typeface="Adobe Clean"/>
-            </a:endParaRPr>
           </a:p>
         </p:txBody>
       </p:sp>
@@ -14608,14 +12133,14 @@
           <p:nvPr>
             <p:extLst>
               <p:ext uri="{D42A27DB-BD31-4B8C-83A1-F6EECF244321}">
-                <p14:modId xmlns:p14="http://schemas.microsoft.com/office/powerpoint/2010/main" val="2432001740"/>
+                <p14:modId xmlns:p14="http://schemas.microsoft.com/office/powerpoint/2010/main" val="1474453068"/>
               </p:ext>
             </p:extLst>
           </p:nvPr>
         </p:nvGraphicFramePr>
         <p:xfrm>
           <a:off x="152369" y="5825070"/>
-          <a:ext cx="7391400" cy="1336040"/>
+          <a:ext cx="7391400" cy="1280160"/>
         </p:xfrm>
         <a:graphic>
           <a:graphicData uri="http://schemas.openxmlformats.org/drawingml/2006/table">
@@ -14631,21 +12156,21 @@
                     </a:ext>
                   </a:extLst>
                 </a:gridCol>
-                <a:gridCol w="1847850">
+                <a:gridCol w="2292381">
                   <a:extLst>
                     <a:ext uri="{9D8B030D-6E8A-4147-A177-3AD203B41FA5}">
                       <a16:colId xmlns:a16="http://schemas.microsoft.com/office/drawing/2014/main" val="1545335406"/>
                     </a:ext>
                   </a:extLst>
                 </a:gridCol>
-                <a:gridCol w="1847850">
+                <a:gridCol w="1651000">
                   <a:extLst>
                     <a:ext uri="{9D8B030D-6E8A-4147-A177-3AD203B41FA5}">
                       <a16:colId xmlns:a16="http://schemas.microsoft.com/office/drawing/2014/main" val="4165218250"/>
                     </a:ext>
                   </a:extLst>
                 </a:gridCol>
-                <a:gridCol w="1847850">
+                <a:gridCol w="1600169">
                   <a:extLst>
                     <a:ext uri="{9D8B030D-6E8A-4147-A177-3AD203B41FA5}">
                       <a16:colId xmlns:a16="http://schemas.microsoft.com/office/drawing/2014/main" val="215044337"/>
@@ -14661,16 +12186,16 @@
                     <a:p>
                       <a:pPr algn="ctr"/>
                       <a:r>
-                        <a:rPr lang="en-US" sz="1100">
+                        <a:rPr lang="de-DE" sz="1100">
                           <a:solidFill>
                             <a:schemeClr val="tx1"/>
                           </a:solidFill>
                           <a:latin typeface="Adobe Clean" panose="020B0503020404020204" pitchFamily="34" charset="0"/>
                         </a:rPr>
-                        <a:t>Americas </a:t>
+                        <a:t>Nord- und Südamerika </a:t>
                       </a:r>
                       <a:r>
-                        <a:rPr lang="en-US" sz="1100" baseline="30000">
+                        <a:rPr lang="de-DE" sz="1100" baseline="30000">
                           <a:solidFill>
                             <a:schemeClr val="tx1"/>
                           </a:solidFill>
@@ -14735,13 +12260,13 @@
                     <a:p>
                       <a:pPr algn="ctr"/>
                       <a:r>
-                        <a:rPr lang="en-US" sz="1100">
+                        <a:rPr lang="de-DE" sz="1100">
                           <a:solidFill>
                             <a:schemeClr val="tx1"/>
                           </a:solidFill>
                           <a:latin typeface="Adobe Clean" panose="020B0503020404020204" pitchFamily="34" charset="0"/>
                         </a:rPr>
-                        <a:t>Europe, Middle East &amp; Africa</a:t>
+                        <a:t>Europa, Naher Osten und Afrika</a:t>
                       </a:r>
                     </a:p>
                   </a:txBody>
@@ -14800,13 +12325,13 @@
                     <a:p>
                       <a:pPr algn="ctr"/>
                       <a:r>
-                        <a:rPr lang="en-US" sz="1100">
+                        <a:rPr lang="de-DE" sz="1100">
                           <a:solidFill>
                             <a:schemeClr val="tx1"/>
                           </a:solidFill>
                           <a:latin typeface="Adobe Clean" panose="020B0503020404020204" pitchFamily="34" charset="0"/>
                         </a:rPr>
-                        <a:t>Asia Pacific</a:t>
+                        <a:t>Asien-Pazifik</a:t>
                       </a:r>
                     </a:p>
                   </a:txBody>
@@ -14865,7 +12390,7 @@
                     <a:p>
                       <a:pPr algn="ctr"/>
                       <a:r>
-                        <a:rPr lang="en-US" sz="1100">
+                        <a:rPr lang="de-DE" sz="1100" dirty="0">
                           <a:solidFill>
                             <a:schemeClr val="tx1"/>
                           </a:solidFill>
@@ -14937,7 +12462,7 @@
                     <a:p>
                       <a:pPr algn="ctr"/>
                       <a:r>
-                        <a:rPr lang="en-US" sz="1100">
+                        <a:rPr lang="de-DE" sz="1100">
                           <a:solidFill>
                             <a:schemeClr val="tx1"/>
                           </a:solidFill>
@@ -15002,13 +12527,13 @@
                     <a:p>
                       <a:pPr algn="ctr"/>
                       <a:r>
-                        <a:rPr lang="en-US" sz="1100">
+                        <a:rPr lang="de-DE" sz="1100">
                           <a:solidFill>
                             <a:schemeClr val="tx1"/>
                           </a:solidFill>
                           <a:latin typeface="Adobe Clean" panose="020B0503020404020204" pitchFamily="34" charset="0"/>
                         </a:rPr>
-                        <a:t>9 am – 5 pm</a:t>
+                        <a:t>9:00–17:00 Uhr</a:t>
                       </a:r>
                     </a:p>
                   </a:txBody>
@@ -15067,13 +12592,13 @@
                     <a:p>
                       <a:pPr algn="ctr"/>
                       <a:r>
-                        <a:rPr lang="en-US" sz="1100">
+                        <a:rPr lang="de-DE" sz="1100">
                           <a:solidFill>
                             <a:schemeClr val="tx1"/>
                           </a:solidFill>
                           <a:latin typeface="Adobe Clean" panose="020B0503020404020204" pitchFamily="34" charset="0"/>
                         </a:rPr>
-                        <a:t>9 am – 5 pm</a:t>
+                        <a:t>9:00–17:00 Uhr</a:t>
                       </a:r>
                     </a:p>
                   </a:txBody>
@@ -15132,13 +12657,13 @@
                     <a:p>
                       <a:pPr algn="ctr"/>
                       <a:r>
-                        <a:rPr lang="en-US" sz="1100">
+                        <a:rPr lang="de-DE" sz="1100">
                           <a:solidFill>
                             <a:schemeClr val="tx1"/>
                           </a:solidFill>
                           <a:latin typeface="Adobe Clean" panose="020B0503020404020204" pitchFamily="34" charset="0"/>
                         </a:rPr>
-                        <a:t>9 am – 5:30 pm</a:t>
+                        <a:t>9:00–17:30 Uhr</a:t>
                       </a:r>
                     </a:p>
                   </a:txBody>
@@ -15202,7 +12727,7 @@
                     <a:bodyPr/>
                     <a:lstStyle/>
                     <a:p>
-                      <a:pPr marL="0" marR="0" lvl="0" indent="0" algn="ctr" defTabSz="914400" eaLnBrk="1" fontAlgn="auto" latinLnBrk="0" hangingPunct="1">
+                      <a:pPr marL="0" marR="0" lvl="0" indent="0" algn="l" defTabSz="914400" rtl="0" eaLnBrk="1" fontAlgn="auto" latinLnBrk="0" hangingPunct="1">
                         <a:lnSpc>
                           <a:spcPct val="100000"/>
                         </a:lnSpc>
@@ -15245,7 +12770,7 @@
                         <a:defRPr/>
                       </a:pPr>
                       <a:r>
-                        <a:rPr lang="en-US" sz="1100" baseline="30000" dirty="0">
+                        <a:rPr lang="de-DE" sz="1100" baseline="30000" dirty="0">
                           <a:solidFill>
                             <a:schemeClr val="tx1"/>
                           </a:solidFill>
@@ -15254,17 +12779,17 @@
                         <a:t>1</a:t>
                       </a:r>
                       <a:r>
-                        <a:rPr lang="en-US" sz="1100" dirty="0">
+                        <a:rPr lang="de-DE" sz="1100" dirty="0">
                           <a:solidFill>
                             <a:schemeClr val="tx1"/>
                           </a:solidFill>
                           <a:latin typeface="Adobe Clean" panose="020B0503020404020204" pitchFamily="34" charset="0"/>
                         </a:rPr>
-                        <a:t>Americas Language support available in English only.</a:t>
+                        <a:t>Für Nord- und Südamerika ist der Support nur auf Englisch verfügbar.</a:t>
                       </a:r>
                     </a:p>
                     <a:p>
-                      <a:pPr marL="0" marR="0" lvl="0" indent="0" algn="ctr" defTabSz="914400" eaLnBrk="1" fontAlgn="auto" latinLnBrk="0" hangingPunct="1">
+                      <a:pPr marL="0" marR="0" lvl="0" indent="0" algn="l" defTabSz="914400" rtl="0" eaLnBrk="1" fontAlgn="auto" latinLnBrk="0" hangingPunct="1">
                         <a:lnSpc>
                           <a:spcPct val="100000"/>
                         </a:lnSpc>
@@ -15560,7 +13085,7 @@
         </p:nvGraphicFramePr>
         <p:xfrm>
           <a:off x="194237" y="1272353"/>
-          <a:ext cx="7368291" cy="2473960"/>
+          <a:ext cx="7368291" cy="2804160"/>
         </p:xfrm>
         <a:graphic>
           <a:graphicData uri="http://schemas.openxmlformats.org/drawingml/2006/table">
@@ -15594,7 +13119,7 @@
                         <a:buNone/>
                       </a:pPr>
                       <a:r>
-                        <a:rPr lang="en-US" sz="1200" b="0" strike="noStrike" dirty="0">
+                        <a:rPr lang="de-DE" sz="1200" b="0" strike="noStrike">
                           <a:solidFill>
                             <a:srgbClr val="5F5F5F"/>
                           </a:solidFill>
@@ -15603,9 +13128,8 @@
                           <a:cs typeface="+mn-cs"/>
                           <a:hlinkClick r:id="rId13"/>
                         </a:rPr>
-                        <a:t>Enterprise Learn &amp; Support</a:t>
+                        <a:t>Enterprise: Lernen und Support</a:t>
                       </a:r>
-                      <a:endParaRPr lang="en-US"/>
                     </a:p>
                   </a:txBody>
                   <a:tcPr marL="47625" marR="47625" marT="0" marB="0" anchor="ctr">
@@ -15677,7 +13201,7 @@
                         <a:buNone/>
                       </a:pPr>
                       <a:r>
-                        <a:rPr lang="en-US" sz="1000" b="0" strike="noStrike" kern="1200" dirty="0">
+                        <a:rPr lang="de-DE" sz="1000" b="0" strike="noStrike">
                           <a:solidFill>
                             <a:schemeClr val="tx1"/>
                           </a:solidFill>
@@ -15685,7 +13209,7 @@
                           <a:ea typeface="+mn-ea"/>
                           <a:cs typeface="+mn-cs"/>
                         </a:rPr>
-                        <a:t>Enterprise Learn &amp; Support is a place where Adobe customers can find self-help tutorials, product documentation, instructor-led training, community and support for select Adobe Creative Cloud and Document products.</a:t>
+                        <a:t>Enterprise: Lernen und Support ist ein Ort, an dem Adobe-Kunden Selbsthilfe-Tutorials, Produktdokumentation, von Kursleitern geführte Schulungen sowie eine Community und Support für ausgewählte Adobe Creative Cloud- und Document-Produkte finden.</a:t>
                       </a:r>
                     </a:p>
                   </a:txBody>
@@ -15767,11 +13291,10 @@
                         <a:defRPr/>
                       </a:pPr>
                       <a:r>
-                        <a:rPr lang="en-US" sz="1200" strike="noStrike" dirty="0">
+                        <a:rPr lang="de-DE" sz="1200" strike="noStrike">
                           <a:solidFill>
                             <a:srgbClr val="5F5F5F"/>
                           </a:solidFill>
-                          <a:effectLst/>
                           <a:latin typeface="Adobe Clean"/>
                           <a:ea typeface="+mn-ea"/>
                           <a:cs typeface="+mn-cs"/>
@@ -15785,15 +13308,6 @@
                         </a:rPr>
                         <a:t>Adobe Support Community </a:t>
                       </a:r>
-                      <a:endParaRPr lang="en-US" sz="1200" strike="noStrike" dirty="0">
-                        <a:solidFill>
-                          <a:srgbClr val="5F5F5F"/>
-                        </a:solidFill>
-                        <a:effectLst/>
-                        <a:latin typeface="Adobe Clean"/>
-                        <a:ea typeface="+mn-ea"/>
-                        <a:cs typeface="+mn-cs"/>
-                      </a:endParaRPr>
                     </a:p>
                   </a:txBody>
                   <a:tcPr anchor="ctr">
@@ -15867,7 +13381,7 @@
                         <a:defRPr/>
                       </a:pPr>
                       <a:r>
-                        <a:rPr lang="en-US" sz="1000" strike="noStrike" kern="1200" dirty="0">
+                        <a:rPr lang="de-DE" sz="1000" strike="noStrike">
                           <a:solidFill>
                             <a:schemeClr val="tx1"/>
                           </a:solidFill>
@@ -15875,19 +13389,8 @@
                           <a:ea typeface="+mn-ea"/>
                           <a:cs typeface="+mn-cs"/>
                         </a:rPr>
-                        <a:t>The Adobe Support Community is the place to ask questions, find answers, learn from experts and share your knowledge.</a:t>
+                        <a:t>In der Adobe Support Community können Sie Fragen stellen, Antworten finden, von Experten lernen und Erfahrungen austauschen.</a:t>
                       </a:r>
-                      <a:endParaRPr lang="en-US" sz="1000" strike="noStrike" kern="1200" dirty="0">
-                        <a:solidFill>
-                          <a:schemeClr val="tx1"/>
-                        </a:solidFill>
-                        <a:highlight>
-                          <a:srgbClr val="FFFF00"/>
-                        </a:highlight>
-                        <a:latin typeface="Adobe Clean Light" panose="020B0303020404020204" pitchFamily="34" charset="0"/>
-                        <a:ea typeface="+mn-ea"/>
-                        <a:cs typeface="+mn-cs"/>
-                      </a:endParaRPr>
                     </a:p>
                   </a:txBody>
                   <a:tcPr anchor="ctr">
@@ -15968,11 +13471,10 @@
                         <a:defRPr/>
                       </a:pPr>
                       <a:r>
-                        <a:rPr lang="en-US" sz="1200" dirty="0">
+                        <a:rPr lang="de-DE" sz="1200">
                           <a:solidFill>
                             <a:srgbClr val="5F5F5F"/>
                           </a:solidFill>
-                          <a:effectLst/>
                           <a:latin typeface="Adobe Clean"/>
                           <a:ea typeface="+mn-ea"/>
                           <a:cs typeface="+mn-cs"/>
@@ -15984,17 +13486,8 @@
                             </a:extLst>
                           </a:hlinkClick>
                         </a:rPr>
-                        <a:t>Production Issues &amp; System Outages</a:t>
+                        <a:t>Produktionsprobleme und Systemausfälle</a:t>
                       </a:r>
-                      <a:endParaRPr lang="en-US" sz="1200" dirty="0">
-                        <a:solidFill>
-                          <a:srgbClr val="5F5F5F"/>
-                        </a:solidFill>
-                        <a:effectLst/>
-                        <a:latin typeface="Adobe Clean"/>
-                        <a:ea typeface="+mn-ea"/>
-                        <a:cs typeface="+mn-cs"/>
-                      </a:endParaRPr>
                     </a:p>
                   </a:txBody>
                   <a:tcPr anchor="ctr">
@@ -16068,7 +13561,7 @@
                         <a:defRPr/>
                       </a:pPr>
                       <a:r>
-                        <a:rPr lang="en-US" sz="1000" kern="1200" dirty="0">
+                        <a:rPr lang="de-DE" sz="1000">
                           <a:solidFill>
                             <a:schemeClr val="tx1"/>
                           </a:solidFill>
@@ -16076,7 +13569,7 @@
                           <a:ea typeface="+mn-ea"/>
                           <a:cs typeface="+mn-cs"/>
                         </a:rPr>
-                        <a:t>Status.adobe.com conveys the health information of all Adobe products and services that are deployed in multi-tenant environments. Customers can choose their subscription preferences to get email notifications whenever Adobe creates, updates or resolves a product event. This can include scheduled maintenance or service issues of varying levels of severity. </a:t>
+                        <a:t>Status.adobe.com übermittelt die Statusinformationen sämtlicher Adobe-Produkte und -Services, die in Umgebungen mit mehreren Mandanten implementiert sind. Kunden können Voreinstellungen für ihr Abonnement auswählen und E-Mail-Benachrichtigungen erhalten, wenn Adobe ein Produktereignis erstellt, aktualisiert oder löst. Dies kann geplante Wartungen oder Service-Probleme unterschiedlichen Schweregrads umfassen. </a:t>
                       </a:r>
                     </a:p>
                   </a:txBody>
@@ -16158,11 +13651,10 @@
                         <a:defRPr/>
                       </a:pPr>
                       <a:r>
-                        <a:rPr lang="en-US" sz="1200" dirty="0">
+                        <a:rPr lang="de-DE" sz="1200">
                           <a:solidFill>
                             <a:srgbClr val="5F5F5F"/>
                           </a:solidFill>
-                          <a:effectLst/>
                           <a:latin typeface="Adobe Clean"/>
                           <a:ea typeface="+mn-ea"/>
                           <a:cs typeface="+mn-cs"/>
@@ -16174,17 +13666,8 @@
                             </a:extLst>
                           </a:hlinkClick>
                         </a:rPr>
-                        <a:t>Terms and Conditions</a:t>
+                        <a:t>Geschäftsbedingungen</a:t>
                       </a:r>
-                      <a:endParaRPr lang="en-US" sz="1200" dirty="0">
-                        <a:solidFill>
-                          <a:srgbClr val="5F5F5F"/>
-                        </a:solidFill>
-                        <a:effectLst/>
-                        <a:latin typeface="Adobe Clean"/>
-                        <a:ea typeface="+mn-ea"/>
-                        <a:cs typeface="+mn-cs"/>
-                      </a:endParaRPr>
                     </a:p>
                   </a:txBody>
                   <a:tcPr anchor="ctr">
@@ -16241,7 +13724,7 @@
                     <a:lstStyle/>
                     <a:p>
                       <a:r>
-                        <a:rPr lang="en-US" sz="1000" kern="1200" dirty="0">
+                        <a:rPr lang="de-DE" sz="1000">
                           <a:solidFill>
                             <a:schemeClr val="tx1"/>
                           </a:solidFill>
@@ -16249,7 +13732,7 @@
                           <a:ea typeface="+mn-ea"/>
                           <a:cs typeface="+mn-cs"/>
                         </a:rPr>
-                        <a:t>Terms and conditions detailing Support Services offerings.</a:t>
+                        <a:t>Allgemeine Geschäftsbedingungen mit detaillierten Informationen zu den angebotenen Support-Services.</a:t>
                       </a:r>
                     </a:p>
                   </a:txBody>
@@ -16326,7 +13809,7 @@
         <p:spPr>
           <a:xfrm>
             <a:off x="194237" y="911588"/>
-            <a:ext cx="777240" cy="77016"/>
+            <a:ext cx="914400" cy="77016"/>
           </a:xfrm>
           <a:custGeom>
             <a:avLst/>
